--- a/SPA/React/react.pptx
+++ b/SPA/React/react.pptx
@@ -14,32 +14,34 @@
     <p:sldId id="262" r:id="rId8"/>
     <p:sldId id="265" r:id="rId9"/>
     <p:sldId id="266" r:id="rId10"/>
-    <p:sldId id="271" r:id="rId11"/>
-    <p:sldId id="267" r:id="rId12"/>
-    <p:sldId id="263" r:id="rId13"/>
-    <p:sldId id="264" r:id="rId14"/>
-    <p:sldId id="268" r:id="rId15"/>
-    <p:sldId id="269" r:id="rId16"/>
-    <p:sldId id="270" r:id="rId17"/>
-    <p:sldId id="272" r:id="rId18"/>
-    <p:sldId id="273" r:id="rId19"/>
+    <p:sldId id="275" r:id="rId11"/>
+    <p:sldId id="276" r:id="rId12"/>
+    <p:sldId id="271" r:id="rId13"/>
+    <p:sldId id="267" r:id="rId14"/>
+    <p:sldId id="263" r:id="rId15"/>
+    <p:sldId id="264" r:id="rId16"/>
+    <p:sldId id="268" r:id="rId17"/>
+    <p:sldId id="269" r:id="rId18"/>
+    <p:sldId id="270" r:id="rId19"/>
+    <p:sldId id="272" r:id="rId20"/>
+    <p:sldId id="273" r:id="rId21"/>
   </p:sldIdLst>
   <p:sldSz cx="12192000" cy="6858000"/>
   <p:notesSz cx="6858000" cy="9144000"/>
   <p:embeddedFontLst>
     <p:embeddedFont>
-      <p:font typeface="Bookman Old Style" panose="02050604050505020204" pitchFamily="18" charset="0"/>
-      <p:regular r:id="rId20"/>
-      <p:bold r:id="rId21"/>
-      <p:italic r:id="rId22"/>
-      <p:boldItalic r:id="rId23"/>
+      <p:font typeface="Rockwell" panose="02060603020205020403" pitchFamily="18" charset="0"/>
+      <p:regular r:id="rId22"/>
+      <p:bold r:id="rId23"/>
+      <p:italic r:id="rId24"/>
+      <p:boldItalic r:id="rId25"/>
     </p:embeddedFont>
     <p:embeddedFont>
-      <p:font typeface="Rockwell" panose="02060603020205020403" pitchFamily="18" charset="0"/>
-      <p:regular r:id="rId24"/>
-      <p:bold r:id="rId25"/>
-      <p:italic r:id="rId26"/>
-      <p:boldItalic r:id="rId27"/>
+      <p:font typeface="Bookman Old Style" panose="02050604050505020204" pitchFamily="18" charset="0"/>
+      <p:regular r:id="rId26"/>
+      <p:bold r:id="rId27"/>
+      <p:italic r:id="rId28"/>
+      <p:boldItalic r:id="rId29"/>
     </p:embeddedFont>
   </p:embeddedFontLst>
   <p:defaultTextStyle>
@@ -278,7 +280,7 @@
           <a:p>
             <a:fld id="{165B7021-42A5-46F1-9A14-1EDB131AF606}" type="datetimeFigureOut">
               <a:rPr lang="he-IL" smtClean="0"/>
-              <a:t>י"ז/אייר/תשע"ט</a:t>
+              <a:t>כ"ט/חשון/תש"פ</a:t>
             </a:fld>
             <a:endParaRPr lang="he-IL"/>
           </a:p>
@@ -565,7 +567,7 @@
           <a:p>
             <a:fld id="{165B7021-42A5-46F1-9A14-1EDB131AF606}" type="datetimeFigureOut">
               <a:rPr lang="he-IL" smtClean="0"/>
-              <a:t>י"ז/אייר/תשע"ט</a:t>
+              <a:t>כ"ט/חשון/תש"פ</a:t>
             </a:fld>
             <a:endParaRPr lang="he-IL"/>
           </a:p>
@@ -757,7 +759,7 @@
           <a:p>
             <a:fld id="{165B7021-42A5-46F1-9A14-1EDB131AF606}" type="datetimeFigureOut">
               <a:rPr lang="he-IL" smtClean="0"/>
-              <a:t>י"ז/אייר/תשע"ט</a:t>
+              <a:t>כ"ט/חשון/תש"פ</a:t>
             </a:fld>
             <a:endParaRPr lang="he-IL"/>
           </a:p>
@@ -1018,7 +1020,7 @@
           <a:p>
             <a:fld id="{165B7021-42A5-46F1-9A14-1EDB131AF606}" type="datetimeFigureOut">
               <a:rPr lang="he-IL" smtClean="0"/>
-              <a:t>י"ז/אייר/תשע"ט</a:t>
+              <a:t>כ"ט/חשון/תש"פ</a:t>
             </a:fld>
             <a:endParaRPr lang="he-IL"/>
           </a:p>
@@ -1442,7 +1444,7 @@
           <a:p>
             <a:fld id="{165B7021-42A5-46F1-9A14-1EDB131AF606}" type="datetimeFigureOut">
               <a:rPr lang="he-IL" smtClean="0"/>
-              <a:t>י"ז/אייר/תשע"ט</a:t>
+              <a:t>כ"ט/חשון/תש"פ</a:t>
             </a:fld>
             <a:endParaRPr lang="he-IL"/>
           </a:p>
@@ -1988,7 +1990,7 @@
           <a:p>
             <a:fld id="{165B7021-42A5-46F1-9A14-1EDB131AF606}" type="datetimeFigureOut">
               <a:rPr lang="he-IL" smtClean="0"/>
-              <a:t>י"ז/אייר/תשע"ט</a:t>
+              <a:t>כ"ט/חשון/תש"פ</a:t>
             </a:fld>
             <a:endParaRPr lang="he-IL"/>
           </a:p>
@@ -2828,7 +2830,7 @@
           <a:p>
             <a:fld id="{165B7021-42A5-46F1-9A14-1EDB131AF606}" type="datetimeFigureOut">
               <a:rPr lang="he-IL" smtClean="0"/>
-              <a:t>י"ז/אייר/תשע"ט</a:t>
+              <a:t>כ"ט/חשון/תש"פ</a:t>
             </a:fld>
             <a:endParaRPr lang="he-IL"/>
           </a:p>
@@ -2998,7 +3000,7 @@
           <a:p>
             <a:fld id="{165B7021-42A5-46F1-9A14-1EDB131AF606}" type="datetimeFigureOut">
               <a:rPr lang="he-IL" smtClean="0"/>
-              <a:t>י"ז/אייר/תשע"ט</a:t>
+              <a:t>כ"ט/חשון/תש"פ</a:t>
             </a:fld>
             <a:endParaRPr lang="he-IL"/>
           </a:p>
@@ -3182,7 +3184,7 @@
           <a:p>
             <a:fld id="{165B7021-42A5-46F1-9A14-1EDB131AF606}" type="datetimeFigureOut">
               <a:rPr lang="he-IL" smtClean="0"/>
-              <a:t>י"ז/אייר/תשע"ט</a:t>
+              <a:t>כ"ט/חשון/תש"פ</a:t>
             </a:fld>
             <a:endParaRPr lang="he-IL"/>
           </a:p>
@@ -3352,7 +3354,7 @@
           <a:p>
             <a:fld id="{165B7021-42A5-46F1-9A14-1EDB131AF606}" type="datetimeFigureOut">
               <a:rPr lang="he-IL" smtClean="0"/>
-              <a:t>י"ז/אייר/תשע"ט</a:t>
+              <a:t>כ"ט/חשון/תש"פ</a:t>
             </a:fld>
             <a:endParaRPr lang="he-IL"/>
           </a:p>
@@ -3600,7 +3602,7 @@
           <a:p>
             <a:fld id="{165B7021-42A5-46F1-9A14-1EDB131AF606}" type="datetimeFigureOut">
               <a:rPr lang="he-IL" smtClean="0"/>
-              <a:t>י"ז/אייר/תשע"ט</a:t>
+              <a:t>כ"ט/חשון/תש"פ</a:t>
             </a:fld>
             <a:endParaRPr lang="he-IL"/>
           </a:p>
@@ -3837,7 +3839,7 @@
           <a:p>
             <a:fld id="{165B7021-42A5-46F1-9A14-1EDB131AF606}" type="datetimeFigureOut">
               <a:rPr lang="he-IL" smtClean="0"/>
-              <a:t>י"ז/אייר/תשע"ט</a:t>
+              <a:t>כ"ט/חשון/תש"פ</a:t>
             </a:fld>
             <a:endParaRPr lang="he-IL"/>
           </a:p>
@@ -4210,7 +4212,7 @@
           <a:p>
             <a:fld id="{165B7021-42A5-46F1-9A14-1EDB131AF606}" type="datetimeFigureOut">
               <a:rPr lang="he-IL" smtClean="0"/>
-              <a:t>י"ז/אייר/תשע"ט</a:t>
+              <a:t>כ"ט/חשון/תש"פ</a:t>
             </a:fld>
             <a:endParaRPr lang="he-IL"/>
           </a:p>
@@ -4328,7 +4330,7 @@
           <a:p>
             <a:fld id="{165B7021-42A5-46F1-9A14-1EDB131AF606}" type="datetimeFigureOut">
               <a:rPr lang="he-IL" smtClean="0"/>
-              <a:t>י"ז/אייר/תשע"ט</a:t>
+              <a:t>כ"ט/חשון/תש"פ</a:t>
             </a:fld>
             <a:endParaRPr lang="he-IL"/>
           </a:p>
@@ -4423,7 +4425,7 @@
           <a:p>
             <a:fld id="{165B7021-42A5-46F1-9A14-1EDB131AF606}" type="datetimeFigureOut">
               <a:rPr lang="he-IL" smtClean="0"/>
-              <a:t>י"ז/אייר/תשע"ט</a:t>
+              <a:t>כ"ט/חשון/תש"פ</a:t>
             </a:fld>
             <a:endParaRPr lang="he-IL"/>
           </a:p>
@@ -4674,7 +4676,7 @@
           <a:p>
             <a:fld id="{165B7021-42A5-46F1-9A14-1EDB131AF606}" type="datetimeFigureOut">
               <a:rPr lang="he-IL" smtClean="0"/>
-              <a:t>י"ז/אייר/תשע"ט</a:t>
+              <a:t>כ"ט/חשון/תש"פ</a:t>
             </a:fld>
             <a:endParaRPr lang="he-IL"/>
           </a:p>
@@ -4961,7 +4963,7 @@
           <a:p>
             <a:fld id="{165B7021-42A5-46F1-9A14-1EDB131AF606}" type="datetimeFigureOut">
               <a:rPr lang="he-IL" smtClean="0"/>
-              <a:t>י"ז/אייר/תשע"ט</a:t>
+              <a:t>כ"ט/חשון/תש"פ</a:t>
             </a:fld>
             <a:endParaRPr lang="he-IL"/>
           </a:p>
@@ -5174,7 +5176,7 @@
           <a:p>
             <a:fld id="{165B7021-42A5-46F1-9A14-1EDB131AF606}" type="datetimeFigureOut">
               <a:rPr lang="he-IL" smtClean="0"/>
-              <a:t>י"ז/אייר/תשע"ט</a:t>
+              <a:t>כ"ט/חשון/תש"פ</a:t>
             </a:fld>
             <a:endParaRPr lang="he-IL"/>
           </a:p>
@@ -5686,7 +5688,7 @@
                 <a16:creationId xmlns:a16="http://schemas.microsoft.com/office/drawing/2014/main" id="{70068059-9097-4F05-BA38-CDD7DBF77372}"/>
               </a:ext>
               <a:ext uri="{C183D7F6-B498-43B3-948B-1728B52AA6E4}">
-                <adec:decorative xmlns:adec="http://schemas.microsoft.com/office/drawing/2017/decorative" val="1"/>
+                <adec:decorative xmlns:adec="http://schemas.microsoft.com/office/drawing/2017/decorative" xmlns="" val="1"/>
               </a:ext>
             </a:extLst>
           </p:cNvPr>
@@ -5746,7 +5748,7 @@
                 <a16:creationId xmlns:a16="http://schemas.microsoft.com/office/drawing/2014/main" id="{E164A015-EDB3-4688-8B77-9255305411E1}"/>
               </a:ext>
               <a:ext uri="{C183D7F6-B498-43B3-948B-1728B52AA6E4}">
-                <adec:decorative xmlns:adec="http://schemas.microsoft.com/office/drawing/2017/decorative" val="1"/>
+                <adec:decorative xmlns:adec="http://schemas.microsoft.com/office/drawing/2017/decorative" xmlns="" val="1"/>
               </a:ext>
             </a:extLst>
           </p:cNvPr>
@@ -5887,6 +5889,13 @@
   <p:clrMapOvr>
     <a:masterClrMapping/>
   </p:clrMapOvr>
+  <p:timing>
+    <p:tnLst>
+      <p:par>
+        <p:cTn id="1" dur="indefinite" restart="never" nodeType="tmRoot"/>
+      </p:par>
+    </p:tnLst>
+  </p:timing>
 </p:sld>
 </file>
 
@@ -5938,7 +5947,7 @@
                 <a16:creationId xmlns:a16="http://schemas.microsoft.com/office/drawing/2014/main" id="{3BFBA67F-0D4D-4C2E-A1D7-82D080A4B3AD}"/>
               </a:ext>
               <a:ext uri="{C183D7F6-B498-43B3-948B-1728B52AA6E4}">
-                <adec:decorative xmlns:adec="http://schemas.microsoft.com/office/drawing/2017/decorative" val="1"/>
+                <adec:decorative xmlns:adec="http://schemas.microsoft.com/office/drawing/2017/decorative" xmlns="" val="1"/>
               </a:ext>
             </a:extLst>
           </p:cNvPr>
@@ -6019,8 +6028,8 @@
           <a:lstStyle/>
           <a:p>
             <a:r>
-              <a:rPr lang="en-US" dirty="0"/>
-              <a:t>SPA – Mount, update, unmount</a:t>
+              <a:rPr lang="en-US" dirty="0" smtClean="0"/>
+              <a:t>Passing props</a:t>
             </a:r>
             <a:endParaRPr lang="he-IL" dirty="0"/>
           </a:p>
@@ -6034,7 +6043,7 @@
                 <a16:creationId xmlns:a16="http://schemas.microsoft.com/office/drawing/2014/main" id="{EFA2AC96-1E47-421C-A03F-F98E354EB4E6}"/>
               </a:ext>
               <a:ext uri="{C183D7F6-B498-43B3-948B-1728B52AA6E4}">
-                <adec:decorative xmlns:adec="http://schemas.microsoft.com/office/drawing/2017/decorative" val="1"/>
+                <adec:decorative xmlns:adec="http://schemas.microsoft.com/office/drawing/2017/decorative" xmlns="" val="1"/>
               </a:ext>
             </a:extLst>
           </p:cNvPr>
@@ -6093,10 +6102,10 @@
       </p:sp>
       <p:sp>
         <p:nvSpPr>
-          <p:cNvPr id="11" name="תרשים זרימה: דיסק מגנטי 10">
+          <p:cNvPr id="19" name="מלבן 18">
             <a:extLst>
               <a:ext uri="{FF2B5EF4-FFF2-40B4-BE49-F238E27FC236}">
-                <a16:creationId xmlns:a16="http://schemas.microsoft.com/office/drawing/2014/main" id="{FE99DF52-A35E-490E-A0DE-A150FC96E4AD}"/>
+                <a16:creationId xmlns:a16="http://schemas.microsoft.com/office/drawing/2014/main" id="{935593BE-FF5E-48CA-9248-05FCB24E5FAD}"/>
               </a:ext>
             </a:extLst>
           </p:cNvPr>
@@ -6105,10 +6114,10 @@
         </p:nvSpPr>
         <p:spPr>
           <a:xfrm>
-            <a:off x="8462962" y="2030412"/>
-            <a:ext cx="914400" cy="1178754"/>
-          </a:xfrm>
-          <a:prstGeom prst="flowChartMagneticDisk">
+            <a:off x="6840415" y="1935922"/>
+            <a:ext cx="3421183" cy="4485066"/>
+          </a:xfrm>
+          <a:prstGeom prst="rect">
             <a:avLst/>
           </a:prstGeom>
         </p:spPr>
@@ -6133,59 +6142,16 @@
           <a:lstStyle/>
           <a:p>
             <a:pPr algn="ctr"/>
-            <a:endParaRPr lang="he-IL"/>
-          </a:p>
-        </p:txBody>
-      </p:sp>
-      <p:cxnSp>
-        <p:nvCxnSpPr>
-          <p:cNvPr id="14" name="מחבר חץ ישר 13">
+            <a:endParaRPr lang="he-IL" dirty="0"/>
+          </a:p>
+        </p:txBody>
+      </p:sp>
+      <p:sp>
+        <p:nvSpPr>
+          <p:cNvPr id="4" name="מלבן 3">
             <a:extLst>
               <a:ext uri="{FF2B5EF4-FFF2-40B4-BE49-F238E27FC236}">
-                <a16:creationId xmlns:a16="http://schemas.microsoft.com/office/drawing/2014/main" id="{44D9D10D-48AB-42CF-AC0C-7D76596A40C3}"/>
-              </a:ext>
-            </a:extLst>
-          </p:cNvPr>
-          <p:cNvCxnSpPr>
-            <a:cxnSpLocks/>
-            <a:stCxn id="11" idx="3"/>
-            <a:endCxn id="19" idx="0"/>
-          </p:cNvCxnSpPr>
-          <p:nvPr/>
-        </p:nvCxnSpPr>
-        <p:spPr>
-          <a:xfrm>
-            <a:off x="8920162" y="3209166"/>
-            <a:ext cx="658812" cy="1125086"/>
-          </a:xfrm>
-          <a:prstGeom prst="straightConnector1">
-            <a:avLst/>
-          </a:prstGeom>
-          <a:ln>
-            <a:tailEnd type="triangle"/>
-          </a:ln>
-        </p:spPr>
-        <p:style>
-          <a:lnRef idx="1">
-            <a:schemeClr val="accent1"/>
-          </a:lnRef>
-          <a:fillRef idx="0">
-            <a:schemeClr val="accent1"/>
-          </a:fillRef>
-          <a:effectRef idx="0">
-            <a:schemeClr val="accent1"/>
-          </a:effectRef>
-          <a:fontRef idx="minor">
-            <a:schemeClr val="tx1"/>
-          </a:fontRef>
-        </p:style>
-      </p:cxnSp>
-      <p:sp>
-        <p:nvSpPr>
-          <p:cNvPr id="13" name="מלבן 12">
-            <a:extLst>
-              <a:ext uri="{FF2B5EF4-FFF2-40B4-BE49-F238E27FC236}">
-                <a16:creationId xmlns:a16="http://schemas.microsoft.com/office/drawing/2014/main" id="{9C4C2747-E6A7-4F22-90EE-91404527543B}"/>
+                <a16:creationId xmlns:a16="http://schemas.microsoft.com/office/drawing/2014/main" id="{05D9F657-C2F6-45DF-A586-1C82B30CB925}"/>
               </a:ext>
             </a:extLst>
           </p:cNvPr>
@@ -6194,301 +6160,8 @@
         </p:nvSpPr>
         <p:spPr>
           <a:xfrm>
-            <a:off x="3578085" y="3726621"/>
-            <a:ext cx="1365249" cy="2086735"/>
-          </a:xfrm>
-          <a:prstGeom prst="rect">
-            <a:avLst/>
-          </a:prstGeom>
-        </p:spPr>
-        <p:style>
-          <a:lnRef idx="2">
-            <a:schemeClr val="accent1">
-              <a:shade val="50000"/>
-            </a:schemeClr>
-          </a:lnRef>
-          <a:fillRef idx="1">
-            <a:schemeClr val="accent1"/>
-          </a:fillRef>
-          <a:effectRef idx="0">
-            <a:schemeClr val="accent1"/>
-          </a:effectRef>
-          <a:fontRef idx="minor">
-            <a:schemeClr val="lt1"/>
-          </a:fontRef>
-        </p:style>
-        <p:txBody>
-          <a:bodyPr rtlCol="1" anchor="ctr"/>
-          <a:lstStyle/>
-          <a:p>
-            <a:pPr algn="ctr"/>
-            <a:r>
-              <a:rPr lang="en-US" dirty="0"/>
-              <a:t>Page 1</a:t>
-            </a:r>
-            <a:endParaRPr lang="he-IL" dirty="0"/>
-          </a:p>
-        </p:txBody>
-      </p:sp>
-      <p:sp>
-        <p:nvSpPr>
-          <p:cNvPr id="17" name="מלבן 16">
-            <a:extLst>
-              <a:ext uri="{FF2B5EF4-FFF2-40B4-BE49-F238E27FC236}">
-                <a16:creationId xmlns:a16="http://schemas.microsoft.com/office/drawing/2014/main" id="{6CA56C5C-8015-414D-991C-4DBB71BACBA8}"/>
-              </a:ext>
-            </a:extLst>
-          </p:cNvPr>
-          <p:cNvSpPr/>
-          <p:nvPr/>
-        </p:nvSpPr>
-        <p:spPr>
-          <a:xfrm>
-            <a:off x="3730485" y="3879021"/>
-            <a:ext cx="1365249" cy="2086735"/>
-          </a:xfrm>
-          <a:prstGeom prst="rect">
-            <a:avLst/>
-          </a:prstGeom>
-        </p:spPr>
-        <p:style>
-          <a:lnRef idx="2">
-            <a:schemeClr val="accent1">
-              <a:shade val="50000"/>
-            </a:schemeClr>
-          </a:lnRef>
-          <a:fillRef idx="1">
-            <a:schemeClr val="accent1"/>
-          </a:fillRef>
-          <a:effectRef idx="0">
-            <a:schemeClr val="accent1"/>
-          </a:effectRef>
-          <a:fontRef idx="minor">
-            <a:schemeClr val="lt1"/>
-          </a:fontRef>
-        </p:style>
-        <p:txBody>
-          <a:bodyPr rtlCol="1" anchor="ctr"/>
-          <a:lstStyle/>
-          <a:p>
-            <a:pPr algn="ctr"/>
-            <a:r>
-              <a:rPr lang="en-US" dirty="0"/>
-              <a:t>Page 1</a:t>
-            </a:r>
-            <a:endParaRPr lang="he-IL" dirty="0"/>
-          </a:p>
-        </p:txBody>
-      </p:sp>
-      <p:sp>
-        <p:nvSpPr>
-          <p:cNvPr id="18" name="מלבן 17">
-            <a:extLst>
-              <a:ext uri="{FF2B5EF4-FFF2-40B4-BE49-F238E27FC236}">
-                <a16:creationId xmlns:a16="http://schemas.microsoft.com/office/drawing/2014/main" id="{BD4B9B1A-B616-4FDB-B6E5-3EC821EAA3DF}"/>
-              </a:ext>
-            </a:extLst>
-          </p:cNvPr>
-          <p:cNvSpPr/>
-          <p:nvPr/>
-        </p:nvSpPr>
-        <p:spPr>
-          <a:xfrm>
-            <a:off x="3882885" y="4031421"/>
-            <a:ext cx="1365249" cy="2086735"/>
-          </a:xfrm>
-          <a:prstGeom prst="rect">
-            <a:avLst/>
-          </a:prstGeom>
-        </p:spPr>
-        <p:style>
-          <a:lnRef idx="2">
-            <a:schemeClr val="accent1">
-              <a:shade val="50000"/>
-            </a:schemeClr>
-          </a:lnRef>
-          <a:fillRef idx="1">
-            <a:schemeClr val="accent1"/>
-          </a:fillRef>
-          <a:effectRef idx="0">
-            <a:schemeClr val="accent1"/>
-          </a:effectRef>
-          <a:fontRef idx="minor">
-            <a:schemeClr val="lt1"/>
-          </a:fontRef>
-        </p:style>
-        <p:txBody>
-          <a:bodyPr rtlCol="1" anchor="ctr"/>
-          <a:lstStyle/>
-          <a:p>
-            <a:pPr algn="ctr"/>
-            <a:r>
-              <a:rPr lang="en-US" dirty="0"/>
-              <a:t>Page 1</a:t>
-            </a:r>
-            <a:endParaRPr lang="he-IL" dirty="0"/>
-          </a:p>
-        </p:txBody>
-      </p:sp>
-      <p:sp>
-        <p:nvSpPr>
-          <p:cNvPr id="19" name="מלבן 18">
-            <a:extLst>
-              <a:ext uri="{FF2B5EF4-FFF2-40B4-BE49-F238E27FC236}">
-                <a16:creationId xmlns:a16="http://schemas.microsoft.com/office/drawing/2014/main" id="{935593BE-FF5E-48CA-9248-05FCB24E5FAD}"/>
-              </a:ext>
-            </a:extLst>
-          </p:cNvPr>
-          <p:cNvSpPr/>
-          <p:nvPr/>
-        </p:nvSpPr>
-        <p:spPr>
-          <a:xfrm>
-            <a:off x="8896349" y="4334252"/>
-            <a:ext cx="1365249" cy="2086735"/>
-          </a:xfrm>
-          <a:prstGeom prst="rect">
-            <a:avLst/>
-          </a:prstGeom>
-        </p:spPr>
-        <p:style>
-          <a:lnRef idx="2">
-            <a:schemeClr val="accent1">
-              <a:shade val="50000"/>
-            </a:schemeClr>
-          </a:lnRef>
-          <a:fillRef idx="1">
-            <a:schemeClr val="accent1"/>
-          </a:fillRef>
-          <a:effectRef idx="0">
-            <a:schemeClr val="accent1"/>
-          </a:effectRef>
-          <a:fontRef idx="minor">
-            <a:schemeClr val="lt1"/>
-          </a:fontRef>
-        </p:style>
-        <p:txBody>
-          <a:bodyPr rtlCol="1" anchor="ctr"/>
-          <a:lstStyle/>
-          <a:p>
-            <a:pPr algn="ctr"/>
-            <a:r>
-              <a:rPr lang="en-US" dirty="0"/>
-              <a:t>Page 3</a:t>
-            </a:r>
-            <a:endParaRPr lang="he-IL" dirty="0"/>
-          </a:p>
-        </p:txBody>
-      </p:sp>
-      <p:sp>
-        <p:nvSpPr>
-          <p:cNvPr id="22" name="תרשים זרימה: דיסק מגנטי 21">
-            <a:extLst>
-              <a:ext uri="{FF2B5EF4-FFF2-40B4-BE49-F238E27FC236}">
-                <a16:creationId xmlns:a16="http://schemas.microsoft.com/office/drawing/2014/main" id="{A2026437-4DD2-4487-9691-A1DED43667F5}"/>
-              </a:ext>
-            </a:extLst>
-          </p:cNvPr>
-          <p:cNvSpPr/>
-          <p:nvPr/>
-        </p:nvSpPr>
-        <p:spPr>
-          <a:xfrm>
-            <a:off x="10843418" y="4785033"/>
-            <a:ext cx="914400" cy="1178754"/>
-          </a:xfrm>
-          <a:prstGeom prst="flowChartMagneticDisk">
-            <a:avLst/>
-          </a:prstGeom>
-        </p:spPr>
-        <p:style>
-          <a:lnRef idx="2">
-            <a:schemeClr val="accent1">
-              <a:shade val="50000"/>
-            </a:schemeClr>
-          </a:lnRef>
-          <a:fillRef idx="1">
-            <a:schemeClr val="accent1"/>
-          </a:fillRef>
-          <a:effectRef idx="0">
-            <a:schemeClr val="accent1"/>
-          </a:effectRef>
-          <a:fontRef idx="minor">
-            <a:schemeClr val="lt1"/>
-          </a:fontRef>
-        </p:style>
-        <p:txBody>
-          <a:bodyPr rtlCol="1" anchor="ctr"/>
-          <a:lstStyle/>
-          <a:p>
-            <a:pPr algn="ctr"/>
-            <a:r>
-              <a:rPr lang="en-US" dirty="0"/>
-              <a:t>app state</a:t>
-            </a:r>
-            <a:endParaRPr lang="he-IL" dirty="0"/>
-          </a:p>
-        </p:txBody>
-      </p:sp>
-      <p:cxnSp>
-        <p:nvCxnSpPr>
-          <p:cNvPr id="12" name="מחבר ישר 11">
-            <a:extLst>
-              <a:ext uri="{FF2B5EF4-FFF2-40B4-BE49-F238E27FC236}">
-                <a16:creationId xmlns:a16="http://schemas.microsoft.com/office/drawing/2014/main" id="{265B348B-434D-499D-867E-E6A3D26D61B2}"/>
-              </a:ext>
-            </a:extLst>
-          </p:cNvPr>
-          <p:cNvCxnSpPr>
-            <a:stCxn id="22" idx="2"/>
-            <a:endCxn id="19" idx="3"/>
-          </p:cNvCxnSpPr>
-          <p:nvPr/>
-        </p:nvCxnSpPr>
-        <p:spPr>
-          <a:xfrm flipH="1">
-            <a:off x="10261598" y="5374410"/>
-            <a:ext cx="581820" cy="3210"/>
-          </a:xfrm>
-          <a:prstGeom prst="line">
-            <a:avLst/>
-          </a:prstGeom>
-          <a:ln>
-            <a:headEnd type="arrow" w="med" len="med"/>
-            <a:tailEnd type="arrow" w="med" len="med"/>
-          </a:ln>
-        </p:spPr>
-        <p:style>
-          <a:lnRef idx="1">
-            <a:schemeClr val="accent1"/>
-          </a:lnRef>
-          <a:fillRef idx="0">
-            <a:schemeClr val="accent1"/>
-          </a:fillRef>
-          <a:effectRef idx="0">
-            <a:schemeClr val="accent1"/>
-          </a:effectRef>
-          <a:fontRef idx="minor">
-            <a:schemeClr val="tx1"/>
-          </a:fontRef>
-        </p:style>
-      </p:cxnSp>
-      <p:sp>
-        <p:nvSpPr>
-          <p:cNvPr id="4" name="מלבן 3">
-            <a:extLst>
-              <a:ext uri="{FF2B5EF4-FFF2-40B4-BE49-F238E27FC236}">
-                <a16:creationId xmlns:a16="http://schemas.microsoft.com/office/drawing/2014/main" id="{05D9F657-C2F6-45DF-A586-1C82B30CB925}"/>
-              </a:ext>
-            </a:extLst>
-          </p:cNvPr>
-          <p:cNvSpPr/>
-          <p:nvPr/>
-        </p:nvSpPr>
-        <p:spPr>
-          <a:xfrm>
-            <a:off x="9129252" y="4472109"/>
-            <a:ext cx="933911" cy="369332"/>
+            <a:off x="7810406" y="3228145"/>
+            <a:ext cx="1544610" cy="974578"/>
           </a:xfrm>
           <a:prstGeom prst="rect">
             <a:avLst/>
@@ -6521,281 +6194,167 @@
           <a:p>
             <a:pPr algn="ctr"/>
             <a:r>
-              <a:rPr lang="en-US" sz="1000" dirty="0"/>
+              <a:rPr lang="en-US" dirty="0"/>
               <a:t>Components</a:t>
             </a:r>
-            <a:endParaRPr lang="he-IL" sz="1000" dirty="0"/>
-          </a:p>
-        </p:txBody>
-      </p:sp>
-      <p:sp>
-        <p:nvSpPr>
-          <p:cNvPr id="25" name="מלבן 24">
-            <a:extLst>
-              <a:ext uri="{FF2B5EF4-FFF2-40B4-BE49-F238E27FC236}">
-                <a16:creationId xmlns:a16="http://schemas.microsoft.com/office/drawing/2014/main" id="{8325423A-6F6D-4E62-87F2-1360577F2CA4}"/>
-              </a:ext>
-            </a:extLst>
-          </p:cNvPr>
-          <p:cNvSpPr/>
+            <a:endParaRPr lang="he-IL" dirty="0"/>
+          </a:p>
+        </p:txBody>
+      </p:sp>
+      <p:cxnSp>
+        <p:nvCxnSpPr>
+          <p:cNvPr id="6" name="Straight Arrow Connector 5"/>
+          <p:cNvCxnSpPr/>
           <p:nvPr/>
-        </p:nvSpPr>
-        <p:spPr>
-          <a:xfrm>
-            <a:off x="9129252" y="4843015"/>
-            <a:ext cx="933911" cy="369332"/>
-          </a:xfrm>
-          <a:prstGeom prst="rect">
+        </p:nvCxnSpPr>
+        <p:spPr>
+          <a:xfrm>
+            <a:off x="7974623" y="2743200"/>
+            <a:ext cx="677008" cy="773723"/>
+          </a:xfrm>
+          <a:prstGeom prst="straightConnector1">
             <a:avLst/>
           </a:prstGeom>
           <a:ln>
             <a:solidFill>
               <a:schemeClr val="tx1"/>
             </a:solidFill>
+            <a:tailEnd type="triangle"/>
           </a:ln>
         </p:spPr>
         <p:style>
-          <a:lnRef idx="2">
-            <a:schemeClr val="accent1">
-              <a:shade val="50000"/>
-            </a:schemeClr>
+          <a:lnRef idx="1">
+            <a:schemeClr val="accent1"/>
           </a:lnRef>
-          <a:fillRef idx="1">
+          <a:fillRef idx="0">
             <a:schemeClr val="accent1"/>
           </a:fillRef>
           <a:effectRef idx="0">
             <a:schemeClr val="accent1"/>
           </a:effectRef>
           <a:fontRef idx="minor">
-            <a:schemeClr val="lt1"/>
+            <a:schemeClr val="tx1"/>
           </a:fontRef>
         </p:style>
-        <p:txBody>
-          <a:bodyPr rtlCol="1" anchor="ctr"/>
-          <a:lstStyle/>
-          <a:p>
-            <a:pPr algn="ctr"/>
-            <a:endParaRPr lang="he-IL"/>
-          </a:p>
-        </p:txBody>
-      </p:sp>
-      <p:sp>
-        <p:nvSpPr>
-          <p:cNvPr id="26" name="מלבן 25">
-            <a:extLst>
-              <a:ext uri="{FF2B5EF4-FFF2-40B4-BE49-F238E27FC236}">
-                <a16:creationId xmlns:a16="http://schemas.microsoft.com/office/drawing/2014/main" id="{5DDB15BC-D109-44E2-9DD2-C3F592E187E2}"/>
-              </a:ext>
-            </a:extLst>
-          </p:cNvPr>
+      </p:cxnSp>
+      <p:sp>
+        <p:nvSpPr>
+          <p:cNvPr id="9" name="TextBox 8"/>
+          <p:cNvSpPr txBox="1"/>
+          <p:nvPr/>
+        </p:nvSpPr>
+        <p:spPr>
+          <a:xfrm>
+            <a:off x="7567199" y="2398955"/>
+            <a:ext cx="1041889" cy="307777"/>
+          </a:xfrm>
+          <a:prstGeom prst="rect">
+            <a:avLst/>
+          </a:prstGeom>
+          <a:noFill/>
+        </p:spPr>
+        <p:txBody>
+          <a:bodyPr wrap="square" rtlCol="0">
+            <a:spAutoFit/>
+          </a:bodyPr>
+          <a:lstStyle/>
+          <a:p>
+            <a:r>
+              <a:rPr lang="en-US" sz="1400" dirty="0" smtClean="0"/>
+              <a:t>Props</a:t>
+            </a:r>
+            <a:endParaRPr lang="en-US" sz="1400" dirty="0"/>
+          </a:p>
+        </p:txBody>
+      </p:sp>
+      <p:sp>
+        <p:nvSpPr>
+          <p:cNvPr id="16" name="Rectangle 15"/>
           <p:cNvSpPr/>
           <p:nvPr/>
         </p:nvSpPr>
         <p:spPr>
           <a:xfrm>
-            <a:off x="9121773" y="5561327"/>
-            <a:ext cx="933911" cy="369332"/>
+            <a:off x="2677509" y="2337400"/>
+            <a:ext cx="3862724" cy="369332"/>
           </a:xfrm>
           <a:prstGeom prst="rect">
+            <a:avLst/>
+          </a:prstGeom>
+        </p:spPr>
+        <p:txBody>
+          <a:bodyPr wrap="none">
+            <a:spAutoFit/>
+          </a:bodyPr>
+          <a:lstStyle/>
+          <a:p>
+            <a:r>
+              <a:rPr lang="en-US" dirty="0" smtClean="0"/>
+              <a:t>&lt;Components title=‘something’ /&gt;</a:t>
+            </a:r>
+            <a:endParaRPr lang="en-US" dirty="0"/>
+          </a:p>
+        </p:txBody>
+      </p:sp>
+      <p:sp>
+        <p:nvSpPr>
+          <p:cNvPr id="30" name="Rectangle 29"/>
+          <p:cNvSpPr/>
+          <p:nvPr/>
+        </p:nvSpPr>
+        <p:spPr>
+          <a:xfrm>
+            <a:off x="3205698" y="3846755"/>
+            <a:ext cx="2806346" cy="369332"/>
+          </a:xfrm>
+          <a:prstGeom prst="rect">
+            <a:avLst/>
+          </a:prstGeom>
+        </p:spPr>
+        <p:txBody>
+          <a:bodyPr wrap="none">
+            <a:spAutoFit/>
+          </a:bodyPr>
+          <a:lstStyle/>
+          <a:p>
+            <a:r>
+              <a:rPr lang="en-US" dirty="0" smtClean="0"/>
+              <a:t>&lt;div&gt;{</a:t>
+            </a:r>
+            <a:r>
+              <a:rPr lang="en-US" dirty="0" err="1" smtClean="0"/>
+              <a:t>props.title</a:t>
+            </a:r>
+            <a:r>
+              <a:rPr lang="en-US" dirty="0" smtClean="0"/>
+              <a:t>}&lt;/div&gt;</a:t>
+            </a:r>
+            <a:endParaRPr lang="en-US" dirty="0"/>
+          </a:p>
+        </p:txBody>
+      </p:sp>
+      <p:cxnSp>
+        <p:nvCxnSpPr>
+          <p:cNvPr id="23" name="Straight Connector 22"/>
+          <p:cNvCxnSpPr>
+            <a:stCxn id="4" idx="1"/>
+            <a:endCxn id="30" idx="3"/>
+          </p:cNvCxnSpPr>
+          <p:nvPr/>
+        </p:nvCxnSpPr>
+        <p:spPr>
+          <a:xfrm flipH="1">
+            <a:off x="6012044" y="3715434"/>
+            <a:ext cx="1798362" cy="315987"/>
+          </a:xfrm>
+          <a:prstGeom prst="line">
             <a:avLst/>
           </a:prstGeom>
           <a:ln>
             <a:solidFill>
               <a:schemeClr val="tx1"/>
             </a:solidFill>
-          </a:ln>
-        </p:spPr>
-        <p:style>
-          <a:lnRef idx="2">
-            <a:schemeClr val="accent1">
-              <a:shade val="50000"/>
-            </a:schemeClr>
-          </a:lnRef>
-          <a:fillRef idx="1">
-            <a:schemeClr val="accent1"/>
-          </a:fillRef>
-          <a:effectRef idx="0">
-            <a:schemeClr val="accent1"/>
-          </a:effectRef>
-          <a:fontRef idx="minor">
-            <a:schemeClr val="lt1"/>
-          </a:fontRef>
-        </p:style>
-        <p:txBody>
-          <a:bodyPr rtlCol="1" anchor="ctr"/>
-          <a:lstStyle/>
-          <a:p>
-            <a:pPr algn="ctr"/>
-            <a:endParaRPr lang="he-IL"/>
-          </a:p>
-        </p:txBody>
-      </p:sp>
-      <p:sp>
-        <p:nvSpPr>
-          <p:cNvPr id="27" name="מלבן 26">
-            <a:extLst>
-              <a:ext uri="{FF2B5EF4-FFF2-40B4-BE49-F238E27FC236}">
-                <a16:creationId xmlns:a16="http://schemas.microsoft.com/office/drawing/2014/main" id="{82214686-B9B6-4FC5-A164-480A7D9ECFDC}"/>
-              </a:ext>
-            </a:extLst>
-          </p:cNvPr>
-          <p:cNvSpPr/>
-          <p:nvPr/>
-        </p:nvSpPr>
-        <p:spPr>
-          <a:xfrm>
-            <a:off x="9112017" y="5931521"/>
-            <a:ext cx="933911" cy="369332"/>
-          </a:xfrm>
-          <a:prstGeom prst="rect">
-            <a:avLst/>
-          </a:prstGeom>
-          <a:ln>
-            <a:solidFill>
-              <a:schemeClr val="tx1"/>
-            </a:solidFill>
-          </a:ln>
-        </p:spPr>
-        <p:style>
-          <a:lnRef idx="2">
-            <a:schemeClr val="accent1">
-              <a:shade val="50000"/>
-            </a:schemeClr>
-          </a:lnRef>
-          <a:fillRef idx="1">
-            <a:schemeClr val="accent1"/>
-          </a:fillRef>
-          <a:effectRef idx="0">
-            <a:schemeClr val="accent1"/>
-          </a:effectRef>
-          <a:fontRef idx="minor">
-            <a:schemeClr val="lt1"/>
-          </a:fontRef>
-        </p:style>
-        <p:txBody>
-          <a:bodyPr rtlCol="1" anchor="ctr"/>
-          <a:lstStyle/>
-          <a:p>
-            <a:pPr algn="ctr"/>
-            <a:endParaRPr lang="he-IL"/>
-          </a:p>
-        </p:txBody>
-      </p:sp>
-      <p:sp>
-        <p:nvSpPr>
-          <p:cNvPr id="28" name="TextBox 27">
-            <a:extLst>
-              <a:ext uri="{FF2B5EF4-FFF2-40B4-BE49-F238E27FC236}">
-                <a16:creationId xmlns:a16="http://schemas.microsoft.com/office/drawing/2014/main" id="{1C6A9087-D430-470D-BECF-54DF07211786}"/>
-              </a:ext>
-            </a:extLst>
-          </p:cNvPr>
-          <p:cNvSpPr txBox="1"/>
-          <p:nvPr/>
-        </p:nvSpPr>
-        <p:spPr>
-          <a:xfrm>
-            <a:off x="6374068" y="4600367"/>
-            <a:ext cx="1624013" cy="369332"/>
-          </a:xfrm>
-          <a:prstGeom prst="rect">
-            <a:avLst/>
-          </a:prstGeom>
-          <a:noFill/>
-        </p:spPr>
-        <p:txBody>
-          <a:bodyPr wrap="square" rtlCol="1">
-            <a:spAutoFit/>
-          </a:bodyPr>
-          <a:lstStyle/>
-          <a:p>
-            <a:r>
-              <a:rPr lang="en-US" dirty="0"/>
-              <a:t>Components</a:t>
-            </a:r>
-            <a:endParaRPr lang="he-IL" dirty="0"/>
-          </a:p>
-        </p:txBody>
-      </p:sp>
-      <p:sp>
-        <p:nvSpPr>
-          <p:cNvPr id="29" name="תרשים זרימה: דיסק מגנטי 28">
-            <a:extLst>
-              <a:ext uri="{FF2B5EF4-FFF2-40B4-BE49-F238E27FC236}">
-                <a16:creationId xmlns:a16="http://schemas.microsoft.com/office/drawing/2014/main" id="{B2AA0BE5-4DE9-4777-AAF3-C36D19F79BD4}"/>
-              </a:ext>
-            </a:extLst>
-          </p:cNvPr>
-          <p:cNvSpPr/>
-          <p:nvPr/>
-        </p:nvSpPr>
-        <p:spPr>
-          <a:xfrm>
-            <a:off x="10494501" y="3991338"/>
-            <a:ext cx="613571" cy="620684"/>
-          </a:xfrm>
-          <a:prstGeom prst="flowChartMagneticDisk">
-            <a:avLst/>
-          </a:prstGeom>
-        </p:spPr>
-        <p:style>
-          <a:lnRef idx="2">
-            <a:schemeClr val="accent1">
-              <a:shade val="50000"/>
-            </a:schemeClr>
-          </a:lnRef>
-          <a:fillRef idx="1">
-            <a:schemeClr val="accent1"/>
-          </a:fillRef>
-          <a:effectRef idx="0">
-            <a:schemeClr val="accent1"/>
-          </a:effectRef>
-          <a:fontRef idx="minor">
-            <a:schemeClr val="lt1"/>
-          </a:fontRef>
-        </p:style>
-        <p:txBody>
-          <a:bodyPr rtlCol="1" anchor="ctr"/>
-          <a:lstStyle/>
-          <a:p>
-            <a:pPr algn="ctr"/>
-            <a:r>
-              <a:rPr lang="en-US" sz="1100" dirty="0"/>
-              <a:t>Local data</a:t>
-            </a:r>
-            <a:endParaRPr lang="he-IL" sz="1100" dirty="0"/>
-          </a:p>
-        </p:txBody>
-      </p:sp>
-      <p:cxnSp>
-        <p:nvCxnSpPr>
-          <p:cNvPr id="7" name="מחבר ישר 6">
-            <a:extLst>
-              <a:ext uri="{FF2B5EF4-FFF2-40B4-BE49-F238E27FC236}">
-                <a16:creationId xmlns:a16="http://schemas.microsoft.com/office/drawing/2014/main" id="{9F72CBD9-7524-4B6E-A324-A19A8356488D}"/>
-              </a:ext>
-            </a:extLst>
-          </p:cNvPr>
-          <p:cNvCxnSpPr>
-            <a:stCxn id="28" idx="3"/>
-            <a:endCxn id="4" idx="1"/>
-          </p:cNvCxnSpPr>
-          <p:nvPr/>
-        </p:nvCxnSpPr>
-        <p:spPr>
-          <a:xfrm flipV="1">
-            <a:off x="7998081" y="4656775"/>
-            <a:ext cx="1131171" cy="128258"/>
-          </a:xfrm>
-          <a:prstGeom prst="line">
-            <a:avLst/>
-          </a:prstGeom>
-          <a:ln>
-            <a:solidFill>
-              <a:schemeClr val="accent1">
-                <a:lumMod val="50000"/>
-              </a:schemeClr>
-            </a:solidFill>
+            <a:prstDash val="dash"/>
           </a:ln>
         </p:spPr>
         <p:style>
@@ -6815,33 +6374,25 @@
       </p:cxnSp>
       <p:cxnSp>
         <p:nvCxnSpPr>
-          <p:cNvPr id="15" name="מחבר ישר 14">
-            <a:extLst>
-              <a:ext uri="{FF2B5EF4-FFF2-40B4-BE49-F238E27FC236}">
-                <a16:creationId xmlns:a16="http://schemas.microsoft.com/office/drawing/2014/main" id="{2CBD7B37-1754-4BA0-A980-693810E50789}"/>
-              </a:ext>
-            </a:extLst>
-          </p:cNvPr>
+          <p:cNvPr id="31" name="Straight Connector 30"/>
           <p:cNvCxnSpPr>
-            <a:stCxn id="29" idx="2"/>
-            <a:endCxn id="4" idx="3"/>
+            <a:endCxn id="16" idx="3"/>
           </p:cNvCxnSpPr>
           <p:nvPr/>
         </p:nvCxnSpPr>
         <p:spPr>
-          <a:xfrm flipH="1">
-            <a:off x="10063163" y="4301680"/>
-            <a:ext cx="431338" cy="355095"/>
+          <a:xfrm flipH="1" flipV="1">
+            <a:off x="6540233" y="2522066"/>
+            <a:ext cx="1524087" cy="546500"/>
           </a:xfrm>
           <a:prstGeom prst="line">
             <a:avLst/>
           </a:prstGeom>
           <a:ln>
             <a:solidFill>
-              <a:schemeClr val="accent1">
-                <a:lumMod val="50000"/>
-              </a:schemeClr>
+              <a:schemeClr val="tx1"/>
             </a:solidFill>
+            <a:prstDash val="dash"/>
           </a:ln>
         </p:spPr>
         <p:style>
@@ -6859,273 +6410,23 @@
           </a:fontRef>
         </p:style>
       </p:cxnSp>
-      <p:sp>
-        <p:nvSpPr>
-          <p:cNvPr id="9" name="מלבן 8">
-            <a:extLst>
-              <a:ext uri="{FF2B5EF4-FFF2-40B4-BE49-F238E27FC236}">
-                <a16:creationId xmlns:a16="http://schemas.microsoft.com/office/drawing/2014/main" id="{04C46126-52F4-4B38-908B-F1641FD8ACA2}"/>
-              </a:ext>
-            </a:extLst>
-          </p:cNvPr>
-          <p:cNvSpPr/>
-          <p:nvPr/>
-        </p:nvSpPr>
-        <p:spPr>
-          <a:xfrm>
-            <a:off x="3277772" y="3429000"/>
-            <a:ext cx="2307102" cy="2991987"/>
-          </a:xfrm>
-          <a:prstGeom prst="rect">
-            <a:avLst/>
-          </a:prstGeom>
-          <a:noFill/>
-          <a:ln w="57150"/>
-        </p:spPr>
-        <p:style>
-          <a:lnRef idx="2">
-            <a:schemeClr val="accent1">
-              <a:shade val="50000"/>
-            </a:schemeClr>
-          </a:lnRef>
-          <a:fillRef idx="1">
-            <a:schemeClr val="accent1"/>
-          </a:fillRef>
-          <a:effectRef idx="0">
-            <a:schemeClr val="accent1"/>
-          </a:effectRef>
-          <a:fontRef idx="minor">
-            <a:schemeClr val="lt1"/>
-          </a:fontRef>
-        </p:style>
-        <p:txBody>
-          <a:bodyPr rtlCol="1" anchor="ctr"/>
-          <a:lstStyle/>
-          <a:p>
-            <a:pPr algn="ctr"/>
-            <a:endParaRPr lang="he-IL"/>
-          </a:p>
-        </p:txBody>
-      </p:sp>
-      <p:sp>
-        <p:nvSpPr>
-          <p:cNvPr id="30" name="TextBox 27">
-            <a:extLst>
-              <a:ext uri="{FF2B5EF4-FFF2-40B4-BE49-F238E27FC236}">
-                <a16:creationId xmlns:a16="http://schemas.microsoft.com/office/drawing/2014/main" id="{EC29C8AF-4F20-4F83-BF8F-DECBFBE1AA2B}"/>
-              </a:ext>
-            </a:extLst>
-          </p:cNvPr>
-          <p:cNvSpPr txBox="1"/>
-          <p:nvPr/>
-        </p:nvSpPr>
-        <p:spPr>
-          <a:xfrm>
-            <a:off x="3728781" y="2873431"/>
-            <a:ext cx="1624013" cy="369332"/>
-          </a:xfrm>
-          <a:prstGeom prst="rect">
-            <a:avLst/>
-          </a:prstGeom>
-          <a:noFill/>
-        </p:spPr>
-        <p:txBody>
-          <a:bodyPr wrap="square" rtlCol="1">
-            <a:spAutoFit/>
-          </a:bodyPr>
-          <a:lstStyle/>
-          <a:p>
-            <a:r>
-              <a:rPr lang="en-US" dirty="0"/>
-              <a:t>JS (Bundle)</a:t>
-            </a:r>
-            <a:endParaRPr lang="he-IL" dirty="0"/>
-          </a:p>
-        </p:txBody>
-      </p:sp>
-      <p:sp>
-        <p:nvSpPr>
-          <p:cNvPr id="31" name="TextBox 27">
-            <a:extLst>
-              <a:ext uri="{FF2B5EF4-FFF2-40B4-BE49-F238E27FC236}">
-                <a16:creationId xmlns:a16="http://schemas.microsoft.com/office/drawing/2014/main" id="{6A97D9A4-5C2C-4E2E-B1F5-8A0BDC2C65A9}"/>
-              </a:ext>
-            </a:extLst>
-          </p:cNvPr>
-          <p:cNvSpPr txBox="1"/>
-          <p:nvPr/>
-        </p:nvSpPr>
-        <p:spPr>
-          <a:xfrm>
-            <a:off x="6354615" y="2545521"/>
-            <a:ext cx="1624013" cy="369332"/>
-          </a:xfrm>
-          <a:prstGeom prst="rect">
-            <a:avLst/>
-          </a:prstGeom>
-          <a:solidFill>
-            <a:srgbClr val="EBC48A">
-              <a:alpha val="60000"/>
-            </a:srgbClr>
-          </a:solidFill>
-        </p:spPr>
-        <p:txBody>
-          <a:bodyPr wrap="square" rtlCol="1">
-            <a:spAutoFit/>
-          </a:bodyPr>
-          <a:lstStyle/>
-          <a:p>
-            <a:pPr algn="ctr"/>
-            <a:r>
-              <a:rPr lang="en-US" dirty="0"/>
-              <a:t>Router</a:t>
-            </a:r>
-            <a:endParaRPr lang="he-IL" dirty="0"/>
-          </a:p>
-        </p:txBody>
-      </p:sp>
-      <p:cxnSp>
-        <p:nvCxnSpPr>
-          <p:cNvPr id="20" name="מחבר ישר 19">
-            <a:extLst>
-              <a:ext uri="{FF2B5EF4-FFF2-40B4-BE49-F238E27FC236}">
-                <a16:creationId xmlns:a16="http://schemas.microsoft.com/office/drawing/2014/main" id="{68944C7F-760E-40CB-9FED-1F6BFB168A03}"/>
-              </a:ext>
-            </a:extLst>
-          </p:cNvPr>
-          <p:cNvCxnSpPr>
-            <a:stCxn id="31" idx="2"/>
-            <a:endCxn id="9" idx="3"/>
-          </p:cNvCxnSpPr>
-          <p:nvPr/>
-        </p:nvCxnSpPr>
-        <p:spPr>
-          <a:xfrm flipH="1">
-            <a:off x="5584874" y="2914853"/>
-            <a:ext cx="1581748" cy="2010141"/>
-          </a:xfrm>
-          <a:prstGeom prst="line">
-            <a:avLst/>
-          </a:prstGeom>
-          <a:ln>
-            <a:prstDash val="dashDot"/>
-          </a:ln>
-        </p:spPr>
-        <p:style>
-          <a:lnRef idx="1">
-            <a:schemeClr val="accent1"/>
-          </a:lnRef>
-          <a:fillRef idx="0">
-            <a:schemeClr val="accent1"/>
-          </a:fillRef>
-          <a:effectRef idx="0">
-            <a:schemeClr val="accent1"/>
-          </a:effectRef>
-          <a:fontRef idx="minor">
-            <a:schemeClr val="tx1"/>
-          </a:fontRef>
-        </p:style>
-      </p:cxnSp>
-      <p:cxnSp>
-        <p:nvCxnSpPr>
-          <p:cNvPr id="24" name="מחבר ישר 23">
-            <a:extLst>
-              <a:ext uri="{FF2B5EF4-FFF2-40B4-BE49-F238E27FC236}">
-                <a16:creationId xmlns:a16="http://schemas.microsoft.com/office/drawing/2014/main" id="{3FF523DC-87EF-4382-8574-21BB67C9DC95}"/>
-              </a:ext>
-            </a:extLst>
-          </p:cNvPr>
-          <p:cNvCxnSpPr>
-            <a:stCxn id="31" idx="2"/>
-            <a:endCxn id="19" idx="1"/>
-          </p:cNvCxnSpPr>
-          <p:nvPr/>
-        </p:nvCxnSpPr>
-        <p:spPr>
-          <a:xfrm>
-            <a:off x="7166622" y="2914853"/>
-            <a:ext cx="1729727" cy="2462767"/>
-          </a:xfrm>
-          <a:prstGeom prst="line">
-            <a:avLst/>
-          </a:prstGeom>
-          <a:ln>
-            <a:prstDash val="dashDot"/>
-          </a:ln>
-        </p:spPr>
-        <p:style>
-          <a:lnRef idx="1">
-            <a:schemeClr val="accent1"/>
-          </a:lnRef>
-          <a:fillRef idx="0">
-            <a:schemeClr val="accent1"/>
-          </a:fillRef>
-          <a:effectRef idx="0">
-            <a:schemeClr val="accent1"/>
-          </a:effectRef>
-          <a:fontRef idx="minor">
-            <a:schemeClr val="tx1"/>
-          </a:fontRef>
-        </p:style>
-      </p:cxnSp>
-      <p:sp>
-        <p:nvSpPr>
-          <p:cNvPr id="32" name="TextBox 27">
-            <a:extLst>
-              <a:ext uri="{FF2B5EF4-FFF2-40B4-BE49-F238E27FC236}">
-                <a16:creationId xmlns:a16="http://schemas.microsoft.com/office/drawing/2014/main" id="{67B293B1-7BB9-464B-BE7A-A8C33B5F2D50}"/>
-              </a:ext>
-            </a:extLst>
-          </p:cNvPr>
-          <p:cNvSpPr txBox="1"/>
-          <p:nvPr/>
-        </p:nvSpPr>
-        <p:spPr>
-          <a:xfrm>
-            <a:off x="7530139" y="5544733"/>
-            <a:ext cx="1624013" cy="923330"/>
-          </a:xfrm>
-          <a:prstGeom prst="rect">
-            <a:avLst/>
-          </a:prstGeom>
-          <a:noFill/>
-        </p:spPr>
-        <p:txBody>
-          <a:bodyPr wrap="square" rtlCol="1">
-            <a:spAutoFit/>
-          </a:bodyPr>
-          <a:lstStyle/>
-          <a:p>
-            <a:r>
-              <a:rPr lang="en-US" dirty="0"/>
-              <a:t>Mount</a:t>
-            </a:r>
-          </a:p>
-          <a:p>
-            <a:r>
-              <a:rPr lang="en-US" dirty="0"/>
-              <a:t>Update</a:t>
-            </a:r>
-          </a:p>
-          <a:p>
-            <a:r>
-              <a:rPr lang="en-US" dirty="0" err="1"/>
-              <a:t>UnMount</a:t>
-            </a:r>
-            <a:endParaRPr lang="he-IL" dirty="0"/>
-          </a:p>
-        </p:txBody>
-      </p:sp>
     </p:spTree>
     <p:extLst>
       <p:ext uri="{BB962C8B-B14F-4D97-AF65-F5344CB8AC3E}">
-        <p14:creationId xmlns:p14="http://schemas.microsoft.com/office/powerpoint/2010/main" val="1264534458"/>
+        <p14:creationId xmlns:p14="http://schemas.microsoft.com/office/powerpoint/2010/main" val="1431238210"/>
       </p:ext>
     </p:extLst>
   </p:cSld>
   <p:clrMapOvr>
     <a:masterClrMapping/>
   </p:clrMapOvr>
+  <p:timing>
+    <p:tnLst>
+      <p:par>
+        <p:cTn id="1" dur="indefinite" restart="never" nodeType="tmRoot"/>
+      </p:par>
+    </p:tnLst>
+  </p:timing>
 </p:sld>
 </file>
 
@@ -7177,7 +6478,7 @@
                 <a16:creationId xmlns:a16="http://schemas.microsoft.com/office/drawing/2014/main" id="{3BFBA67F-0D4D-4C2E-A1D7-82D080A4B3AD}"/>
               </a:ext>
               <a:ext uri="{C183D7F6-B498-43B3-948B-1728B52AA6E4}">
-                <adec:decorative xmlns:adec="http://schemas.microsoft.com/office/drawing/2017/decorative" val="1"/>
+                <adec:decorative xmlns:adec="http://schemas.microsoft.com/office/drawing/2017/decorative" xmlns="" val="1"/>
               </a:ext>
             </a:extLst>
           </p:cNvPr>
@@ -7258,8 +6559,8 @@
           <a:lstStyle/>
           <a:p>
             <a:r>
-              <a:rPr lang="en-US" dirty="0"/>
-              <a:t>SPA – single page application</a:t>
+              <a:rPr lang="en-US" dirty="0" smtClean="0"/>
+              <a:t>Changing component state</a:t>
             </a:r>
             <a:endParaRPr lang="he-IL" dirty="0"/>
           </a:p>
@@ -7273,7 +6574,1647 @@
                 <a16:creationId xmlns:a16="http://schemas.microsoft.com/office/drawing/2014/main" id="{EFA2AC96-1E47-421C-A03F-F98E354EB4E6}"/>
               </a:ext>
               <a:ext uri="{C183D7F6-B498-43B3-948B-1728B52AA6E4}">
-                <adec:decorative xmlns:adec="http://schemas.microsoft.com/office/drawing/2017/decorative" val="1"/>
+                <adec:decorative xmlns:adec="http://schemas.microsoft.com/office/drawing/2017/decorative" xmlns="" val="1"/>
+              </a:ext>
+            </a:extLst>
+          </p:cNvPr>
+          <p:cNvSpPr>
+            <a:spLocks noGrp="1" noRot="1" noChangeAspect="1" noMove="1" noResize="1" noEditPoints="1" noAdjustHandles="1" noChangeArrowheads="1" noChangeShapeType="1" noTextEdit="1"/>
+          </p:cNvSpPr>
+          <p:nvPr>
+            <p:extLst>
+              <p:ext uri="{386F3935-93C4-4BCD-93E2-E3B085C9AB24}">
+                <p16:designElem xmlns:p16="http://schemas.microsoft.com/office/powerpoint/2015/main" val="1"/>
+              </p:ext>
+            </p:extLst>
+          </p:nvPr>
+        </p:nvSpPr>
+        <p:spPr>
+          <a:xfrm>
+            <a:off x="0" y="2095500"/>
+            <a:ext cx="12192000" cy="4762500"/>
+          </a:xfrm>
+          <a:prstGeom prst="rect">
+            <a:avLst/>
+          </a:prstGeom>
+          <a:solidFill>
+            <a:schemeClr val="bg1">
+              <a:alpha val="50000"/>
+            </a:schemeClr>
+          </a:solidFill>
+          <a:ln>
+            <a:noFill/>
+          </a:ln>
+        </p:spPr>
+        <p:style>
+          <a:lnRef idx="2">
+            <a:schemeClr val="accent1">
+              <a:shade val="50000"/>
+            </a:schemeClr>
+          </a:lnRef>
+          <a:fillRef idx="1001">
+            <a:schemeClr val="dk1"/>
+          </a:fillRef>
+          <a:effectRef idx="0">
+            <a:schemeClr val="accent1"/>
+          </a:effectRef>
+          <a:fontRef idx="minor">
+            <a:schemeClr val="lt1"/>
+          </a:fontRef>
+        </p:style>
+        <p:txBody>
+          <a:bodyPr rtlCol="0" anchor="ctr"/>
+          <a:lstStyle/>
+          <a:p>
+            <a:pPr algn="ctr"/>
+            <a:endParaRPr lang="en-US"/>
+          </a:p>
+        </p:txBody>
+      </p:sp>
+      <p:sp>
+        <p:nvSpPr>
+          <p:cNvPr id="4" name="מלבן 3">
+            <a:extLst>
+              <a:ext uri="{FF2B5EF4-FFF2-40B4-BE49-F238E27FC236}">
+                <a16:creationId xmlns:a16="http://schemas.microsoft.com/office/drawing/2014/main" id="{05D9F657-C2F6-45DF-A586-1C82B30CB925}"/>
+              </a:ext>
+            </a:extLst>
+          </p:cNvPr>
+          <p:cNvSpPr/>
+          <p:nvPr/>
+        </p:nvSpPr>
+        <p:spPr>
+          <a:xfrm>
+            <a:off x="756138" y="2416539"/>
+            <a:ext cx="10049607" cy="3324838"/>
+          </a:xfrm>
+          <a:prstGeom prst="rect">
+            <a:avLst/>
+          </a:prstGeom>
+          <a:ln>
+            <a:solidFill>
+              <a:schemeClr val="tx1"/>
+            </a:solidFill>
+          </a:ln>
+        </p:spPr>
+        <p:style>
+          <a:lnRef idx="2">
+            <a:schemeClr val="accent1">
+              <a:shade val="50000"/>
+            </a:schemeClr>
+          </a:lnRef>
+          <a:fillRef idx="1">
+            <a:schemeClr val="accent1"/>
+          </a:fillRef>
+          <a:effectRef idx="0">
+            <a:schemeClr val="accent1"/>
+          </a:effectRef>
+          <a:fontRef idx="minor">
+            <a:schemeClr val="lt1"/>
+          </a:fontRef>
+        </p:style>
+        <p:txBody>
+          <a:bodyPr rtlCol="1" anchor="ctr"/>
+          <a:lstStyle/>
+          <a:p>
+            <a:pPr algn="ctr"/>
+            <a:r>
+              <a:rPr lang="en-US" sz="2800" dirty="0" smtClean="0"/>
+              <a:t>Components</a:t>
+            </a:r>
+            <a:endParaRPr lang="he-IL" sz="2800" dirty="0"/>
+          </a:p>
+        </p:txBody>
+      </p:sp>
+      <p:sp>
+        <p:nvSpPr>
+          <p:cNvPr id="3" name="TextBox 2"/>
+          <p:cNvSpPr txBox="1"/>
+          <p:nvPr/>
+        </p:nvSpPr>
+        <p:spPr>
+          <a:xfrm>
+            <a:off x="1899139" y="2751992"/>
+            <a:ext cx="6005146" cy="369332"/>
+          </a:xfrm>
+          <a:prstGeom prst="rect">
+            <a:avLst/>
+          </a:prstGeom>
+          <a:noFill/>
+        </p:spPr>
+        <p:txBody>
+          <a:bodyPr wrap="square" rtlCol="0">
+            <a:spAutoFit/>
+          </a:bodyPr>
+          <a:lstStyle/>
+          <a:p>
+            <a:r>
+              <a:rPr lang="en-US" dirty="0" err="1"/>
+              <a:t>c</a:t>
+            </a:r>
+            <a:r>
+              <a:rPr lang="en-US" dirty="0" err="1" smtClean="0"/>
+              <a:t>onst</a:t>
+            </a:r>
+            <a:r>
+              <a:rPr lang="en-US" dirty="0" smtClean="0"/>
+              <a:t> = [color, </a:t>
+            </a:r>
+            <a:r>
+              <a:rPr lang="en-US" dirty="0" err="1" smtClean="0"/>
+              <a:t>setColor</a:t>
+            </a:r>
+            <a:r>
+              <a:rPr lang="en-US" dirty="0" smtClean="0"/>
+              <a:t>] = </a:t>
+            </a:r>
+            <a:r>
+              <a:rPr lang="en-US" dirty="0" err="1" smtClean="0"/>
+              <a:t>useState</a:t>
+            </a:r>
+            <a:r>
+              <a:rPr lang="en-US" dirty="0" smtClean="0"/>
+              <a:t>(‘initial color’)</a:t>
+            </a:r>
+            <a:endParaRPr lang="en-US" dirty="0"/>
+          </a:p>
+        </p:txBody>
+      </p:sp>
+      <p:sp>
+        <p:nvSpPr>
+          <p:cNvPr id="5" name="TextBox 4"/>
+          <p:cNvSpPr txBox="1"/>
+          <p:nvPr/>
+        </p:nvSpPr>
+        <p:spPr>
+          <a:xfrm>
+            <a:off x="4712677" y="4853354"/>
+            <a:ext cx="3261946" cy="369332"/>
+          </a:xfrm>
+          <a:prstGeom prst="rect">
+            <a:avLst/>
+          </a:prstGeom>
+          <a:noFill/>
+        </p:spPr>
+        <p:txBody>
+          <a:bodyPr wrap="square" rtlCol="0">
+            <a:spAutoFit/>
+          </a:bodyPr>
+          <a:lstStyle/>
+          <a:p>
+            <a:r>
+              <a:rPr lang="en-US" dirty="0" err="1" smtClean="0"/>
+              <a:t>setColor</a:t>
+            </a:r>
+            <a:r>
+              <a:rPr lang="en-US" dirty="0" smtClean="0"/>
+              <a:t>(‘new color’)</a:t>
+            </a:r>
+            <a:endParaRPr lang="en-US" dirty="0"/>
+          </a:p>
+        </p:txBody>
+      </p:sp>
+      <p:sp>
+        <p:nvSpPr>
+          <p:cNvPr id="7" name="TextBox 6"/>
+          <p:cNvSpPr txBox="1"/>
+          <p:nvPr/>
+        </p:nvSpPr>
+        <p:spPr>
+          <a:xfrm>
+            <a:off x="8317523" y="4492869"/>
+            <a:ext cx="2013439" cy="646331"/>
+          </a:xfrm>
+          <a:prstGeom prst="rect">
+            <a:avLst/>
+          </a:prstGeom>
+          <a:noFill/>
+        </p:spPr>
+        <p:txBody>
+          <a:bodyPr wrap="square" rtlCol="0">
+            <a:spAutoFit/>
+          </a:bodyPr>
+          <a:lstStyle/>
+          <a:p>
+            <a:r>
+              <a:rPr lang="en-US" dirty="0" smtClean="0"/>
+              <a:t>The UI will update </a:t>
+            </a:r>
+            <a:endParaRPr lang="en-US" dirty="0"/>
+          </a:p>
+        </p:txBody>
+      </p:sp>
+    </p:spTree>
+    <p:extLst>
+      <p:ext uri="{BB962C8B-B14F-4D97-AF65-F5344CB8AC3E}">
+        <p14:creationId xmlns:p14="http://schemas.microsoft.com/office/powerpoint/2010/main" val="2451452132"/>
+      </p:ext>
+    </p:extLst>
+  </p:cSld>
+  <p:clrMapOvr>
+    <a:masterClrMapping/>
+  </p:clrMapOvr>
+  <p:timing>
+    <p:tnLst>
+      <p:par>
+        <p:cTn id="1" dur="indefinite" restart="never" nodeType="tmRoot"/>
+      </p:par>
+    </p:tnLst>
+  </p:timing>
+</p:sld>
+</file>
+
+<file path=ppt/slides/slide12.xml><?xml version="1.0" encoding="utf-8"?>
+<p:sld xmlns:a="http://schemas.openxmlformats.org/drawingml/2006/main" xmlns:r="http://schemas.openxmlformats.org/officeDocument/2006/relationships" xmlns:p="http://schemas.openxmlformats.org/presentationml/2006/main">
+  <p:cSld>
+    <p:bg>
+      <p:bgPr>
+        <a:blipFill rotWithShape="1">
+          <a:blip r:embed="rId2">
+            <a:duotone>
+              <a:schemeClr val="bg2">
+                <a:shade val="18000"/>
+                <a:satMod val="160000"/>
+                <a:lumMod val="28000"/>
+              </a:schemeClr>
+              <a:schemeClr val="bg2">
+                <a:tint val="95000"/>
+                <a:satMod val="160000"/>
+                <a:lumMod val="116000"/>
+              </a:schemeClr>
+            </a:duotone>
+            <a:extLst/>
+          </a:blip>
+          <a:stretch/>
+        </a:blipFill>
+        <a:effectLst/>
+      </p:bgPr>
+    </p:bg>
+    <p:spTree>
+      <p:nvGrpSpPr>
+        <p:cNvPr id="1" name=""/>
+        <p:cNvGrpSpPr/>
+        <p:nvPr/>
+      </p:nvGrpSpPr>
+      <p:grpSpPr>
+        <a:xfrm>
+          <a:off x="0" y="0"/>
+          <a:ext cx="0" cy="0"/>
+          <a:chOff x="0" y="0"/>
+          <a:chExt cx="0" cy="0"/>
+        </a:xfrm>
+      </p:grpSpPr>
+      <p:sp useBgFill="1">
+        <p:nvSpPr>
+          <p:cNvPr id="8" name="Rectangle 7">
+            <a:extLst>
+              <a:ext uri="{FF2B5EF4-FFF2-40B4-BE49-F238E27FC236}">
+                <a16:creationId xmlns:a16="http://schemas.microsoft.com/office/drawing/2014/main" id="{3BFBA67F-0D4D-4C2E-A1D7-82D080A4B3AD}"/>
+              </a:ext>
+              <a:ext uri="{C183D7F6-B498-43B3-948B-1728B52AA6E4}">
+                <adec:decorative xmlns:adec="http://schemas.microsoft.com/office/drawing/2017/decorative" xmlns="" val="1"/>
+              </a:ext>
+            </a:extLst>
+          </p:cNvPr>
+          <p:cNvSpPr>
+            <a:spLocks noGrp="1" noRot="1" noChangeAspect="1" noMove="1" noResize="1" noEditPoints="1" noAdjustHandles="1" noChangeArrowheads="1" noChangeShapeType="1" noTextEdit="1"/>
+          </p:cNvSpPr>
+          <p:nvPr>
+            <p:extLst>
+              <p:ext uri="{386F3935-93C4-4BCD-93E2-E3B085C9AB24}">
+                <p16:designElem xmlns:p16="http://schemas.microsoft.com/office/powerpoint/2015/main" val="1"/>
+              </p:ext>
+            </p:extLst>
+          </p:nvPr>
+        </p:nvSpPr>
+        <p:spPr>
+          <a:xfrm>
+            <a:off x="0" y="0"/>
+            <a:ext cx="12192000" cy="6858000"/>
+          </a:xfrm>
+          <a:prstGeom prst="rect">
+            <a:avLst/>
+          </a:prstGeom>
+          <a:ln>
+            <a:noFill/>
+          </a:ln>
+        </p:spPr>
+        <p:style>
+          <a:lnRef idx="2">
+            <a:schemeClr val="accent1">
+              <a:shade val="50000"/>
+            </a:schemeClr>
+          </a:lnRef>
+          <a:fillRef idx="1">
+            <a:schemeClr val="accent1"/>
+          </a:fillRef>
+          <a:effectRef idx="0">
+            <a:schemeClr val="accent1"/>
+          </a:effectRef>
+          <a:fontRef idx="minor">
+            <a:schemeClr val="lt1"/>
+          </a:fontRef>
+        </p:style>
+        <p:txBody>
+          <a:bodyPr rtlCol="0" anchor="ctr"/>
+          <a:lstStyle/>
+          <a:p>
+            <a:pPr algn="ctr"/>
+            <a:endParaRPr lang="en-US"/>
+          </a:p>
+        </p:txBody>
+      </p:sp>
+      <p:sp>
+        <p:nvSpPr>
+          <p:cNvPr id="2" name="כותרת 1">
+            <a:extLst>
+              <a:ext uri="{FF2B5EF4-FFF2-40B4-BE49-F238E27FC236}">
+                <a16:creationId xmlns:a16="http://schemas.microsoft.com/office/drawing/2014/main" id="{D8B5AC4C-BAFA-4D9D-9FE4-D33C3994D036}"/>
+              </a:ext>
+            </a:extLst>
+          </p:cNvPr>
+          <p:cNvSpPr>
+            <a:spLocks noGrp="1"/>
+          </p:cNvSpPr>
+          <p:nvPr>
+            <p:ph type="title"/>
+          </p:nvPr>
+        </p:nvSpPr>
+        <p:spPr>
+          <a:xfrm>
+            <a:off x="913795" y="609600"/>
+            <a:ext cx="10353761" cy="1326321"/>
+          </a:xfrm>
+        </p:spPr>
+        <p:txBody>
+          <a:bodyPr>
+            <a:normAutofit/>
+          </a:bodyPr>
+          <a:lstStyle/>
+          <a:p>
+            <a:r>
+              <a:rPr lang="en-US" dirty="0"/>
+              <a:t>SPA – Mount, update, unmount</a:t>
+            </a:r>
+            <a:endParaRPr lang="he-IL" dirty="0"/>
+          </a:p>
+        </p:txBody>
+      </p:sp>
+      <p:sp>
+        <p:nvSpPr>
+          <p:cNvPr id="10" name="Rectangle 9">
+            <a:extLst>
+              <a:ext uri="{FF2B5EF4-FFF2-40B4-BE49-F238E27FC236}">
+                <a16:creationId xmlns:a16="http://schemas.microsoft.com/office/drawing/2014/main" id="{EFA2AC96-1E47-421C-A03F-F98E354EB4E6}"/>
+              </a:ext>
+              <a:ext uri="{C183D7F6-B498-43B3-948B-1728B52AA6E4}">
+                <adec:decorative xmlns:adec="http://schemas.microsoft.com/office/drawing/2017/decorative" xmlns="" val="1"/>
+              </a:ext>
+            </a:extLst>
+          </p:cNvPr>
+          <p:cNvSpPr>
+            <a:spLocks noGrp="1" noRot="1" noChangeAspect="1" noMove="1" noResize="1" noEditPoints="1" noAdjustHandles="1" noChangeArrowheads="1" noChangeShapeType="1" noTextEdit="1"/>
+          </p:cNvSpPr>
+          <p:nvPr>
+            <p:extLst>
+              <p:ext uri="{386F3935-93C4-4BCD-93E2-E3B085C9AB24}">
+                <p16:designElem xmlns:p16="http://schemas.microsoft.com/office/powerpoint/2015/main" val="1"/>
+              </p:ext>
+            </p:extLst>
+          </p:nvPr>
+        </p:nvSpPr>
+        <p:spPr>
+          <a:xfrm>
+            <a:off x="0" y="2095500"/>
+            <a:ext cx="12192000" cy="4762500"/>
+          </a:xfrm>
+          <a:prstGeom prst="rect">
+            <a:avLst/>
+          </a:prstGeom>
+          <a:solidFill>
+            <a:schemeClr val="bg1">
+              <a:alpha val="50000"/>
+            </a:schemeClr>
+          </a:solidFill>
+          <a:ln>
+            <a:noFill/>
+          </a:ln>
+        </p:spPr>
+        <p:style>
+          <a:lnRef idx="2">
+            <a:schemeClr val="accent1">
+              <a:shade val="50000"/>
+            </a:schemeClr>
+          </a:lnRef>
+          <a:fillRef idx="1001">
+            <a:schemeClr val="dk1"/>
+          </a:fillRef>
+          <a:effectRef idx="0">
+            <a:schemeClr val="accent1"/>
+          </a:effectRef>
+          <a:fontRef idx="minor">
+            <a:schemeClr val="lt1"/>
+          </a:fontRef>
+        </p:style>
+        <p:txBody>
+          <a:bodyPr rtlCol="0" anchor="ctr"/>
+          <a:lstStyle/>
+          <a:p>
+            <a:pPr algn="ctr"/>
+            <a:endParaRPr lang="en-US"/>
+          </a:p>
+        </p:txBody>
+      </p:sp>
+      <p:sp>
+        <p:nvSpPr>
+          <p:cNvPr id="11" name="תרשים זרימה: דיסק מגנטי 10">
+            <a:extLst>
+              <a:ext uri="{FF2B5EF4-FFF2-40B4-BE49-F238E27FC236}">
+                <a16:creationId xmlns:a16="http://schemas.microsoft.com/office/drawing/2014/main" id="{FE99DF52-A35E-490E-A0DE-A150FC96E4AD}"/>
+              </a:ext>
+            </a:extLst>
+          </p:cNvPr>
+          <p:cNvSpPr/>
+          <p:nvPr/>
+        </p:nvSpPr>
+        <p:spPr>
+          <a:xfrm>
+            <a:off x="8462962" y="2030412"/>
+            <a:ext cx="914400" cy="1178754"/>
+          </a:xfrm>
+          <a:prstGeom prst="flowChartMagneticDisk">
+            <a:avLst/>
+          </a:prstGeom>
+        </p:spPr>
+        <p:style>
+          <a:lnRef idx="2">
+            <a:schemeClr val="accent1">
+              <a:shade val="50000"/>
+            </a:schemeClr>
+          </a:lnRef>
+          <a:fillRef idx="1">
+            <a:schemeClr val="accent1"/>
+          </a:fillRef>
+          <a:effectRef idx="0">
+            <a:schemeClr val="accent1"/>
+          </a:effectRef>
+          <a:fontRef idx="minor">
+            <a:schemeClr val="lt1"/>
+          </a:fontRef>
+        </p:style>
+        <p:txBody>
+          <a:bodyPr rtlCol="1" anchor="ctr"/>
+          <a:lstStyle/>
+          <a:p>
+            <a:pPr algn="ctr"/>
+            <a:endParaRPr lang="he-IL"/>
+          </a:p>
+        </p:txBody>
+      </p:sp>
+      <p:cxnSp>
+        <p:nvCxnSpPr>
+          <p:cNvPr id="14" name="מחבר חץ ישר 13">
+            <a:extLst>
+              <a:ext uri="{FF2B5EF4-FFF2-40B4-BE49-F238E27FC236}">
+                <a16:creationId xmlns:a16="http://schemas.microsoft.com/office/drawing/2014/main" id="{44D9D10D-48AB-42CF-AC0C-7D76596A40C3}"/>
+              </a:ext>
+            </a:extLst>
+          </p:cNvPr>
+          <p:cNvCxnSpPr>
+            <a:cxnSpLocks/>
+            <a:stCxn id="11" idx="3"/>
+            <a:endCxn id="19" idx="0"/>
+          </p:cNvCxnSpPr>
+          <p:nvPr/>
+        </p:nvCxnSpPr>
+        <p:spPr>
+          <a:xfrm>
+            <a:off x="8920162" y="3209166"/>
+            <a:ext cx="658812" cy="1125086"/>
+          </a:xfrm>
+          <a:prstGeom prst="straightConnector1">
+            <a:avLst/>
+          </a:prstGeom>
+          <a:ln>
+            <a:tailEnd type="triangle"/>
+          </a:ln>
+        </p:spPr>
+        <p:style>
+          <a:lnRef idx="1">
+            <a:schemeClr val="accent1"/>
+          </a:lnRef>
+          <a:fillRef idx="0">
+            <a:schemeClr val="accent1"/>
+          </a:fillRef>
+          <a:effectRef idx="0">
+            <a:schemeClr val="accent1"/>
+          </a:effectRef>
+          <a:fontRef idx="minor">
+            <a:schemeClr val="tx1"/>
+          </a:fontRef>
+        </p:style>
+      </p:cxnSp>
+      <p:sp>
+        <p:nvSpPr>
+          <p:cNvPr id="13" name="מלבן 12">
+            <a:extLst>
+              <a:ext uri="{FF2B5EF4-FFF2-40B4-BE49-F238E27FC236}">
+                <a16:creationId xmlns:a16="http://schemas.microsoft.com/office/drawing/2014/main" id="{9C4C2747-E6A7-4F22-90EE-91404527543B}"/>
+              </a:ext>
+            </a:extLst>
+          </p:cNvPr>
+          <p:cNvSpPr/>
+          <p:nvPr/>
+        </p:nvSpPr>
+        <p:spPr>
+          <a:xfrm>
+            <a:off x="3578085" y="3726621"/>
+            <a:ext cx="1365249" cy="2086735"/>
+          </a:xfrm>
+          <a:prstGeom prst="rect">
+            <a:avLst/>
+          </a:prstGeom>
+        </p:spPr>
+        <p:style>
+          <a:lnRef idx="2">
+            <a:schemeClr val="accent1">
+              <a:shade val="50000"/>
+            </a:schemeClr>
+          </a:lnRef>
+          <a:fillRef idx="1">
+            <a:schemeClr val="accent1"/>
+          </a:fillRef>
+          <a:effectRef idx="0">
+            <a:schemeClr val="accent1"/>
+          </a:effectRef>
+          <a:fontRef idx="minor">
+            <a:schemeClr val="lt1"/>
+          </a:fontRef>
+        </p:style>
+        <p:txBody>
+          <a:bodyPr rtlCol="1" anchor="ctr"/>
+          <a:lstStyle/>
+          <a:p>
+            <a:pPr algn="ctr"/>
+            <a:r>
+              <a:rPr lang="en-US" dirty="0"/>
+              <a:t>Page 1</a:t>
+            </a:r>
+            <a:endParaRPr lang="he-IL" dirty="0"/>
+          </a:p>
+        </p:txBody>
+      </p:sp>
+      <p:sp>
+        <p:nvSpPr>
+          <p:cNvPr id="17" name="מלבן 16">
+            <a:extLst>
+              <a:ext uri="{FF2B5EF4-FFF2-40B4-BE49-F238E27FC236}">
+                <a16:creationId xmlns:a16="http://schemas.microsoft.com/office/drawing/2014/main" id="{6CA56C5C-8015-414D-991C-4DBB71BACBA8}"/>
+              </a:ext>
+            </a:extLst>
+          </p:cNvPr>
+          <p:cNvSpPr/>
+          <p:nvPr/>
+        </p:nvSpPr>
+        <p:spPr>
+          <a:xfrm>
+            <a:off x="3730485" y="3879021"/>
+            <a:ext cx="1365249" cy="2086735"/>
+          </a:xfrm>
+          <a:prstGeom prst="rect">
+            <a:avLst/>
+          </a:prstGeom>
+        </p:spPr>
+        <p:style>
+          <a:lnRef idx="2">
+            <a:schemeClr val="accent1">
+              <a:shade val="50000"/>
+            </a:schemeClr>
+          </a:lnRef>
+          <a:fillRef idx="1">
+            <a:schemeClr val="accent1"/>
+          </a:fillRef>
+          <a:effectRef idx="0">
+            <a:schemeClr val="accent1"/>
+          </a:effectRef>
+          <a:fontRef idx="minor">
+            <a:schemeClr val="lt1"/>
+          </a:fontRef>
+        </p:style>
+        <p:txBody>
+          <a:bodyPr rtlCol="1" anchor="ctr"/>
+          <a:lstStyle/>
+          <a:p>
+            <a:pPr algn="ctr"/>
+            <a:r>
+              <a:rPr lang="en-US" dirty="0"/>
+              <a:t>Page 1</a:t>
+            </a:r>
+            <a:endParaRPr lang="he-IL" dirty="0"/>
+          </a:p>
+        </p:txBody>
+      </p:sp>
+      <p:sp>
+        <p:nvSpPr>
+          <p:cNvPr id="18" name="מלבן 17">
+            <a:extLst>
+              <a:ext uri="{FF2B5EF4-FFF2-40B4-BE49-F238E27FC236}">
+                <a16:creationId xmlns:a16="http://schemas.microsoft.com/office/drawing/2014/main" id="{BD4B9B1A-B616-4FDB-B6E5-3EC821EAA3DF}"/>
+              </a:ext>
+            </a:extLst>
+          </p:cNvPr>
+          <p:cNvSpPr/>
+          <p:nvPr/>
+        </p:nvSpPr>
+        <p:spPr>
+          <a:xfrm>
+            <a:off x="3882885" y="4031421"/>
+            <a:ext cx="1365249" cy="2086735"/>
+          </a:xfrm>
+          <a:prstGeom prst="rect">
+            <a:avLst/>
+          </a:prstGeom>
+        </p:spPr>
+        <p:style>
+          <a:lnRef idx="2">
+            <a:schemeClr val="accent1">
+              <a:shade val="50000"/>
+            </a:schemeClr>
+          </a:lnRef>
+          <a:fillRef idx="1">
+            <a:schemeClr val="accent1"/>
+          </a:fillRef>
+          <a:effectRef idx="0">
+            <a:schemeClr val="accent1"/>
+          </a:effectRef>
+          <a:fontRef idx="minor">
+            <a:schemeClr val="lt1"/>
+          </a:fontRef>
+        </p:style>
+        <p:txBody>
+          <a:bodyPr rtlCol="1" anchor="ctr"/>
+          <a:lstStyle/>
+          <a:p>
+            <a:pPr algn="ctr"/>
+            <a:r>
+              <a:rPr lang="en-US" dirty="0"/>
+              <a:t>Page 1</a:t>
+            </a:r>
+            <a:endParaRPr lang="he-IL" dirty="0"/>
+          </a:p>
+        </p:txBody>
+      </p:sp>
+      <p:sp>
+        <p:nvSpPr>
+          <p:cNvPr id="19" name="מלבן 18">
+            <a:extLst>
+              <a:ext uri="{FF2B5EF4-FFF2-40B4-BE49-F238E27FC236}">
+                <a16:creationId xmlns:a16="http://schemas.microsoft.com/office/drawing/2014/main" id="{935593BE-FF5E-48CA-9248-05FCB24E5FAD}"/>
+              </a:ext>
+            </a:extLst>
+          </p:cNvPr>
+          <p:cNvSpPr/>
+          <p:nvPr/>
+        </p:nvSpPr>
+        <p:spPr>
+          <a:xfrm>
+            <a:off x="8896349" y="4334252"/>
+            <a:ext cx="1365249" cy="2086735"/>
+          </a:xfrm>
+          <a:prstGeom prst="rect">
+            <a:avLst/>
+          </a:prstGeom>
+        </p:spPr>
+        <p:style>
+          <a:lnRef idx="2">
+            <a:schemeClr val="accent1">
+              <a:shade val="50000"/>
+            </a:schemeClr>
+          </a:lnRef>
+          <a:fillRef idx="1">
+            <a:schemeClr val="accent1"/>
+          </a:fillRef>
+          <a:effectRef idx="0">
+            <a:schemeClr val="accent1"/>
+          </a:effectRef>
+          <a:fontRef idx="minor">
+            <a:schemeClr val="lt1"/>
+          </a:fontRef>
+        </p:style>
+        <p:txBody>
+          <a:bodyPr rtlCol="1" anchor="ctr"/>
+          <a:lstStyle/>
+          <a:p>
+            <a:pPr algn="ctr"/>
+            <a:r>
+              <a:rPr lang="en-US" dirty="0"/>
+              <a:t>Page 3</a:t>
+            </a:r>
+            <a:endParaRPr lang="he-IL" dirty="0"/>
+          </a:p>
+        </p:txBody>
+      </p:sp>
+      <p:sp>
+        <p:nvSpPr>
+          <p:cNvPr id="22" name="תרשים זרימה: דיסק מגנטי 21">
+            <a:extLst>
+              <a:ext uri="{FF2B5EF4-FFF2-40B4-BE49-F238E27FC236}">
+                <a16:creationId xmlns:a16="http://schemas.microsoft.com/office/drawing/2014/main" id="{A2026437-4DD2-4487-9691-A1DED43667F5}"/>
+              </a:ext>
+            </a:extLst>
+          </p:cNvPr>
+          <p:cNvSpPr/>
+          <p:nvPr/>
+        </p:nvSpPr>
+        <p:spPr>
+          <a:xfrm>
+            <a:off x="10843418" y="4785033"/>
+            <a:ext cx="914400" cy="1178754"/>
+          </a:xfrm>
+          <a:prstGeom prst="flowChartMagneticDisk">
+            <a:avLst/>
+          </a:prstGeom>
+        </p:spPr>
+        <p:style>
+          <a:lnRef idx="2">
+            <a:schemeClr val="accent1">
+              <a:shade val="50000"/>
+            </a:schemeClr>
+          </a:lnRef>
+          <a:fillRef idx="1">
+            <a:schemeClr val="accent1"/>
+          </a:fillRef>
+          <a:effectRef idx="0">
+            <a:schemeClr val="accent1"/>
+          </a:effectRef>
+          <a:fontRef idx="minor">
+            <a:schemeClr val="lt1"/>
+          </a:fontRef>
+        </p:style>
+        <p:txBody>
+          <a:bodyPr rtlCol="1" anchor="ctr"/>
+          <a:lstStyle/>
+          <a:p>
+            <a:pPr algn="ctr"/>
+            <a:r>
+              <a:rPr lang="en-US" dirty="0"/>
+              <a:t>app state</a:t>
+            </a:r>
+            <a:endParaRPr lang="he-IL" dirty="0"/>
+          </a:p>
+        </p:txBody>
+      </p:sp>
+      <p:cxnSp>
+        <p:nvCxnSpPr>
+          <p:cNvPr id="12" name="מחבר ישר 11">
+            <a:extLst>
+              <a:ext uri="{FF2B5EF4-FFF2-40B4-BE49-F238E27FC236}">
+                <a16:creationId xmlns:a16="http://schemas.microsoft.com/office/drawing/2014/main" id="{265B348B-434D-499D-867E-E6A3D26D61B2}"/>
+              </a:ext>
+            </a:extLst>
+          </p:cNvPr>
+          <p:cNvCxnSpPr>
+            <a:stCxn id="22" idx="2"/>
+            <a:endCxn id="19" idx="3"/>
+          </p:cNvCxnSpPr>
+          <p:nvPr/>
+        </p:nvCxnSpPr>
+        <p:spPr>
+          <a:xfrm flipH="1">
+            <a:off x="10261598" y="5374410"/>
+            <a:ext cx="581820" cy="3210"/>
+          </a:xfrm>
+          <a:prstGeom prst="line">
+            <a:avLst/>
+          </a:prstGeom>
+          <a:ln>
+            <a:headEnd type="arrow" w="med" len="med"/>
+            <a:tailEnd type="arrow" w="med" len="med"/>
+          </a:ln>
+        </p:spPr>
+        <p:style>
+          <a:lnRef idx="1">
+            <a:schemeClr val="accent1"/>
+          </a:lnRef>
+          <a:fillRef idx="0">
+            <a:schemeClr val="accent1"/>
+          </a:fillRef>
+          <a:effectRef idx="0">
+            <a:schemeClr val="accent1"/>
+          </a:effectRef>
+          <a:fontRef idx="minor">
+            <a:schemeClr val="tx1"/>
+          </a:fontRef>
+        </p:style>
+      </p:cxnSp>
+      <p:sp>
+        <p:nvSpPr>
+          <p:cNvPr id="4" name="מלבן 3">
+            <a:extLst>
+              <a:ext uri="{FF2B5EF4-FFF2-40B4-BE49-F238E27FC236}">
+                <a16:creationId xmlns:a16="http://schemas.microsoft.com/office/drawing/2014/main" id="{05D9F657-C2F6-45DF-A586-1C82B30CB925}"/>
+              </a:ext>
+            </a:extLst>
+          </p:cNvPr>
+          <p:cNvSpPr/>
+          <p:nvPr/>
+        </p:nvSpPr>
+        <p:spPr>
+          <a:xfrm>
+            <a:off x="9129252" y="4472109"/>
+            <a:ext cx="933911" cy="369332"/>
+          </a:xfrm>
+          <a:prstGeom prst="rect">
+            <a:avLst/>
+          </a:prstGeom>
+          <a:ln>
+            <a:solidFill>
+              <a:schemeClr val="tx1"/>
+            </a:solidFill>
+          </a:ln>
+        </p:spPr>
+        <p:style>
+          <a:lnRef idx="2">
+            <a:schemeClr val="accent1">
+              <a:shade val="50000"/>
+            </a:schemeClr>
+          </a:lnRef>
+          <a:fillRef idx="1">
+            <a:schemeClr val="accent1"/>
+          </a:fillRef>
+          <a:effectRef idx="0">
+            <a:schemeClr val="accent1"/>
+          </a:effectRef>
+          <a:fontRef idx="minor">
+            <a:schemeClr val="lt1"/>
+          </a:fontRef>
+        </p:style>
+        <p:txBody>
+          <a:bodyPr rtlCol="1" anchor="ctr"/>
+          <a:lstStyle/>
+          <a:p>
+            <a:pPr algn="ctr"/>
+            <a:r>
+              <a:rPr lang="en-US" sz="1000" dirty="0"/>
+              <a:t>Components</a:t>
+            </a:r>
+            <a:endParaRPr lang="he-IL" sz="1000" dirty="0"/>
+          </a:p>
+        </p:txBody>
+      </p:sp>
+      <p:sp>
+        <p:nvSpPr>
+          <p:cNvPr id="25" name="מלבן 24">
+            <a:extLst>
+              <a:ext uri="{FF2B5EF4-FFF2-40B4-BE49-F238E27FC236}">
+                <a16:creationId xmlns:a16="http://schemas.microsoft.com/office/drawing/2014/main" id="{8325423A-6F6D-4E62-87F2-1360577F2CA4}"/>
+              </a:ext>
+            </a:extLst>
+          </p:cNvPr>
+          <p:cNvSpPr/>
+          <p:nvPr/>
+        </p:nvSpPr>
+        <p:spPr>
+          <a:xfrm>
+            <a:off x="9129252" y="4843015"/>
+            <a:ext cx="933911" cy="369332"/>
+          </a:xfrm>
+          <a:prstGeom prst="rect">
+            <a:avLst/>
+          </a:prstGeom>
+          <a:ln>
+            <a:solidFill>
+              <a:schemeClr val="tx1"/>
+            </a:solidFill>
+          </a:ln>
+        </p:spPr>
+        <p:style>
+          <a:lnRef idx="2">
+            <a:schemeClr val="accent1">
+              <a:shade val="50000"/>
+            </a:schemeClr>
+          </a:lnRef>
+          <a:fillRef idx="1">
+            <a:schemeClr val="accent1"/>
+          </a:fillRef>
+          <a:effectRef idx="0">
+            <a:schemeClr val="accent1"/>
+          </a:effectRef>
+          <a:fontRef idx="minor">
+            <a:schemeClr val="lt1"/>
+          </a:fontRef>
+        </p:style>
+        <p:txBody>
+          <a:bodyPr rtlCol="1" anchor="ctr"/>
+          <a:lstStyle/>
+          <a:p>
+            <a:pPr algn="ctr"/>
+            <a:endParaRPr lang="he-IL"/>
+          </a:p>
+        </p:txBody>
+      </p:sp>
+      <p:sp>
+        <p:nvSpPr>
+          <p:cNvPr id="26" name="מלבן 25">
+            <a:extLst>
+              <a:ext uri="{FF2B5EF4-FFF2-40B4-BE49-F238E27FC236}">
+                <a16:creationId xmlns:a16="http://schemas.microsoft.com/office/drawing/2014/main" id="{5DDB15BC-D109-44E2-9DD2-C3F592E187E2}"/>
+              </a:ext>
+            </a:extLst>
+          </p:cNvPr>
+          <p:cNvSpPr/>
+          <p:nvPr/>
+        </p:nvSpPr>
+        <p:spPr>
+          <a:xfrm>
+            <a:off x="9121773" y="5561327"/>
+            <a:ext cx="933911" cy="369332"/>
+          </a:xfrm>
+          <a:prstGeom prst="rect">
+            <a:avLst/>
+          </a:prstGeom>
+          <a:ln>
+            <a:solidFill>
+              <a:schemeClr val="tx1"/>
+            </a:solidFill>
+          </a:ln>
+        </p:spPr>
+        <p:style>
+          <a:lnRef idx="2">
+            <a:schemeClr val="accent1">
+              <a:shade val="50000"/>
+            </a:schemeClr>
+          </a:lnRef>
+          <a:fillRef idx="1">
+            <a:schemeClr val="accent1"/>
+          </a:fillRef>
+          <a:effectRef idx="0">
+            <a:schemeClr val="accent1"/>
+          </a:effectRef>
+          <a:fontRef idx="minor">
+            <a:schemeClr val="lt1"/>
+          </a:fontRef>
+        </p:style>
+        <p:txBody>
+          <a:bodyPr rtlCol="1" anchor="ctr"/>
+          <a:lstStyle/>
+          <a:p>
+            <a:pPr algn="ctr"/>
+            <a:endParaRPr lang="he-IL"/>
+          </a:p>
+        </p:txBody>
+      </p:sp>
+      <p:sp>
+        <p:nvSpPr>
+          <p:cNvPr id="27" name="מלבן 26">
+            <a:extLst>
+              <a:ext uri="{FF2B5EF4-FFF2-40B4-BE49-F238E27FC236}">
+                <a16:creationId xmlns:a16="http://schemas.microsoft.com/office/drawing/2014/main" id="{82214686-B9B6-4FC5-A164-480A7D9ECFDC}"/>
+              </a:ext>
+            </a:extLst>
+          </p:cNvPr>
+          <p:cNvSpPr/>
+          <p:nvPr/>
+        </p:nvSpPr>
+        <p:spPr>
+          <a:xfrm>
+            <a:off x="9112017" y="5931521"/>
+            <a:ext cx="933911" cy="369332"/>
+          </a:xfrm>
+          <a:prstGeom prst="rect">
+            <a:avLst/>
+          </a:prstGeom>
+          <a:ln>
+            <a:solidFill>
+              <a:schemeClr val="tx1"/>
+            </a:solidFill>
+          </a:ln>
+        </p:spPr>
+        <p:style>
+          <a:lnRef idx="2">
+            <a:schemeClr val="accent1">
+              <a:shade val="50000"/>
+            </a:schemeClr>
+          </a:lnRef>
+          <a:fillRef idx="1">
+            <a:schemeClr val="accent1"/>
+          </a:fillRef>
+          <a:effectRef idx="0">
+            <a:schemeClr val="accent1"/>
+          </a:effectRef>
+          <a:fontRef idx="minor">
+            <a:schemeClr val="lt1"/>
+          </a:fontRef>
+        </p:style>
+        <p:txBody>
+          <a:bodyPr rtlCol="1" anchor="ctr"/>
+          <a:lstStyle/>
+          <a:p>
+            <a:pPr algn="ctr"/>
+            <a:endParaRPr lang="he-IL"/>
+          </a:p>
+        </p:txBody>
+      </p:sp>
+      <p:sp>
+        <p:nvSpPr>
+          <p:cNvPr id="28" name="TextBox 27">
+            <a:extLst>
+              <a:ext uri="{FF2B5EF4-FFF2-40B4-BE49-F238E27FC236}">
+                <a16:creationId xmlns:a16="http://schemas.microsoft.com/office/drawing/2014/main" id="{1C6A9087-D430-470D-BECF-54DF07211786}"/>
+              </a:ext>
+            </a:extLst>
+          </p:cNvPr>
+          <p:cNvSpPr txBox="1"/>
+          <p:nvPr/>
+        </p:nvSpPr>
+        <p:spPr>
+          <a:xfrm>
+            <a:off x="6374068" y="4600367"/>
+            <a:ext cx="1624013" cy="369332"/>
+          </a:xfrm>
+          <a:prstGeom prst="rect">
+            <a:avLst/>
+          </a:prstGeom>
+          <a:noFill/>
+        </p:spPr>
+        <p:txBody>
+          <a:bodyPr wrap="square" rtlCol="1">
+            <a:spAutoFit/>
+          </a:bodyPr>
+          <a:lstStyle/>
+          <a:p>
+            <a:r>
+              <a:rPr lang="en-US" dirty="0"/>
+              <a:t>Components</a:t>
+            </a:r>
+            <a:endParaRPr lang="he-IL" dirty="0"/>
+          </a:p>
+        </p:txBody>
+      </p:sp>
+      <p:sp>
+        <p:nvSpPr>
+          <p:cNvPr id="29" name="תרשים זרימה: דיסק מגנטי 28">
+            <a:extLst>
+              <a:ext uri="{FF2B5EF4-FFF2-40B4-BE49-F238E27FC236}">
+                <a16:creationId xmlns:a16="http://schemas.microsoft.com/office/drawing/2014/main" id="{B2AA0BE5-4DE9-4777-AAF3-C36D19F79BD4}"/>
+              </a:ext>
+            </a:extLst>
+          </p:cNvPr>
+          <p:cNvSpPr/>
+          <p:nvPr/>
+        </p:nvSpPr>
+        <p:spPr>
+          <a:xfrm>
+            <a:off x="10494501" y="3991338"/>
+            <a:ext cx="613571" cy="620684"/>
+          </a:xfrm>
+          <a:prstGeom prst="flowChartMagneticDisk">
+            <a:avLst/>
+          </a:prstGeom>
+        </p:spPr>
+        <p:style>
+          <a:lnRef idx="2">
+            <a:schemeClr val="accent1">
+              <a:shade val="50000"/>
+            </a:schemeClr>
+          </a:lnRef>
+          <a:fillRef idx="1">
+            <a:schemeClr val="accent1"/>
+          </a:fillRef>
+          <a:effectRef idx="0">
+            <a:schemeClr val="accent1"/>
+          </a:effectRef>
+          <a:fontRef idx="minor">
+            <a:schemeClr val="lt1"/>
+          </a:fontRef>
+        </p:style>
+        <p:txBody>
+          <a:bodyPr rtlCol="1" anchor="ctr"/>
+          <a:lstStyle/>
+          <a:p>
+            <a:pPr algn="ctr"/>
+            <a:r>
+              <a:rPr lang="en-US" sz="1100" dirty="0"/>
+              <a:t>Local data</a:t>
+            </a:r>
+            <a:endParaRPr lang="he-IL" sz="1100" dirty="0"/>
+          </a:p>
+        </p:txBody>
+      </p:sp>
+      <p:cxnSp>
+        <p:nvCxnSpPr>
+          <p:cNvPr id="7" name="מחבר ישר 6">
+            <a:extLst>
+              <a:ext uri="{FF2B5EF4-FFF2-40B4-BE49-F238E27FC236}">
+                <a16:creationId xmlns:a16="http://schemas.microsoft.com/office/drawing/2014/main" id="{9F72CBD9-7524-4B6E-A324-A19A8356488D}"/>
+              </a:ext>
+            </a:extLst>
+          </p:cNvPr>
+          <p:cNvCxnSpPr>
+            <a:stCxn id="28" idx="3"/>
+            <a:endCxn id="4" idx="1"/>
+          </p:cNvCxnSpPr>
+          <p:nvPr/>
+        </p:nvCxnSpPr>
+        <p:spPr>
+          <a:xfrm flipV="1">
+            <a:off x="7998081" y="4656775"/>
+            <a:ext cx="1131171" cy="128258"/>
+          </a:xfrm>
+          <a:prstGeom prst="line">
+            <a:avLst/>
+          </a:prstGeom>
+          <a:ln>
+            <a:solidFill>
+              <a:schemeClr val="accent1">
+                <a:lumMod val="50000"/>
+              </a:schemeClr>
+            </a:solidFill>
+          </a:ln>
+        </p:spPr>
+        <p:style>
+          <a:lnRef idx="1">
+            <a:schemeClr val="accent1"/>
+          </a:lnRef>
+          <a:fillRef idx="0">
+            <a:schemeClr val="accent1"/>
+          </a:fillRef>
+          <a:effectRef idx="0">
+            <a:schemeClr val="accent1"/>
+          </a:effectRef>
+          <a:fontRef idx="minor">
+            <a:schemeClr val="tx1"/>
+          </a:fontRef>
+        </p:style>
+      </p:cxnSp>
+      <p:cxnSp>
+        <p:nvCxnSpPr>
+          <p:cNvPr id="15" name="מחבר ישר 14">
+            <a:extLst>
+              <a:ext uri="{FF2B5EF4-FFF2-40B4-BE49-F238E27FC236}">
+                <a16:creationId xmlns:a16="http://schemas.microsoft.com/office/drawing/2014/main" id="{2CBD7B37-1754-4BA0-A980-693810E50789}"/>
+              </a:ext>
+            </a:extLst>
+          </p:cNvPr>
+          <p:cNvCxnSpPr>
+            <a:stCxn id="29" idx="2"/>
+            <a:endCxn id="4" idx="3"/>
+          </p:cNvCxnSpPr>
+          <p:nvPr/>
+        </p:nvCxnSpPr>
+        <p:spPr>
+          <a:xfrm flipH="1">
+            <a:off x="10063163" y="4301680"/>
+            <a:ext cx="431338" cy="355095"/>
+          </a:xfrm>
+          <a:prstGeom prst="line">
+            <a:avLst/>
+          </a:prstGeom>
+          <a:ln>
+            <a:solidFill>
+              <a:schemeClr val="accent1">
+                <a:lumMod val="50000"/>
+              </a:schemeClr>
+            </a:solidFill>
+          </a:ln>
+        </p:spPr>
+        <p:style>
+          <a:lnRef idx="1">
+            <a:schemeClr val="accent1"/>
+          </a:lnRef>
+          <a:fillRef idx="0">
+            <a:schemeClr val="accent1"/>
+          </a:fillRef>
+          <a:effectRef idx="0">
+            <a:schemeClr val="accent1"/>
+          </a:effectRef>
+          <a:fontRef idx="minor">
+            <a:schemeClr val="tx1"/>
+          </a:fontRef>
+        </p:style>
+      </p:cxnSp>
+      <p:sp>
+        <p:nvSpPr>
+          <p:cNvPr id="9" name="מלבן 8">
+            <a:extLst>
+              <a:ext uri="{FF2B5EF4-FFF2-40B4-BE49-F238E27FC236}">
+                <a16:creationId xmlns:a16="http://schemas.microsoft.com/office/drawing/2014/main" id="{04C46126-52F4-4B38-908B-F1641FD8ACA2}"/>
+              </a:ext>
+            </a:extLst>
+          </p:cNvPr>
+          <p:cNvSpPr/>
+          <p:nvPr/>
+        </p:nvSpPr>
+        <p:spPr>
+          <a:xfrm>
+            <a:off x="3277772" y="3429000"/>
+            <a:ext cx="2307102" cy="2991987"/>
+          </a:xfrm>
+          <a:prstGeom prst="rect">
+            <a:avLst/>
+          </a:prstGeom>
+          <a:noFill/>
+          <a:ln w="57150"/>
+        </p:spPr>
+        <p:style>
+          <a:lnRef idx="2">
+            <a:schemeClr val="accent1">
+              <a:shade val="50000"/>
+            </a:schemeClr>
+          </a:lnRef>
+          <a:fillRef idx="1">
+            <a:schemeClr val="accent1"/>
+          </a:fillRef>
+          <a:effectRef idx="0">
+            <a:schemeClr val="accent1"/>
+          </a:effectRef>
+          <a:fontRef idx="minor">
+            <a:schemeClr val="lt1"/>
+          </a:fontRef>
+        </p:style>
+        <p:txBody>
+          <a:bodyPr rtlCol="1" anchor="ctr"/>
+          <a:lstStyle/>
+          <a:p>
+            <a:pPr algn="ctr"/>
+            <a:endParaRPr lang="he-IL"/>
+          </a:p>
+        </p:txBody>
+      </p:sp>
+      <p:sp>
+        <p:nvSpPr>
+          <p:cNvPr id="30" name="TextBox 27">
+            <a:extLst>
+              <a:ext uri="{FF2B5EF4-FFF2-40B4-BE49-F238E27FC236}">
+                <a16:creationId xmlns:a16="http://schemas.microsoft.com/office/drawing/2014/main" id="{EC29C8AF-4F20-4F83-BF8F-DECBFBE1AA2B}"/>
+              </a:ext>
+            </a:extLst>
+          </p:cNvPr>
+          <p:cNvSpPr txBox="1"/>
+          <p:nvPr/>
+        </p:nvSpPr>
+        <p:spPr>
+          <a:xfrm>
+            <a:off x="3728781" y="2873431"/>
+            <a:ext cx="1624013" cy="369332"/>
+          </a:xfrm>
+          <a:prstGeom prst="rect">
+            <a:avLst/>
+          </a:prstGeom>
+          <a:noFill/>
+        </p:spPr>
+        <p:txBody>
+          <a:bodyPr wrap="square" rtlCol="1">
+            <a:spAutoFit/>
+          </a:bodyPr>
+          <a:lstStyle/>
+          <a:p>
+            <a:r>
+              <a:rPr lang="en-US" dirty="0"/>
+              <a:t>JS (Bundle)</a:t>
+            </a:r>
+            <a:endParaRPr lang="he-IL" dirty="0"/>
+          </a:p>
+        </p:txBody>
+      </p:sp>
+      <p:sp>
+        <p:nvSpPr>
+          <p:cNvPr id="31" name="TextBox 27">
+            <a:extLst>
+              <a:ext uri="{FF2B5EF4-FFF2-40B4-BE49-F238E27FC236}">
+                <a16:creationId xmlns:a16="http://schemas.microsoft.com/office/drawing/2014/main" id="{6A97D9A4-5C2C-4E2E-B1F5-8A0BDC2C65A9}"/>
+              </a:ext>
+            </a:extLst>
+          </p:cNvPr>
+          <p:cNvSpPr txBox="1"/>
+          <p:nvPr/>
+        </p:nvSpPr>
+        <p:spPr>
+          <a:xfrm>
+            <a:off x="6354615" y="2545521"/>
+            <a:ext cx="1624013" cy="369332"/>
+          </a:xfrm>
+          <a:prstGeom prst="rect">
+            <a:avLst/>
+          </a:prstGeom>
+          <a:solidFill>
+            <a:srgbClr val="EBC48A">
+              <a:alpha val="60000"/>
+            </a:srgbClr>
+          </a:solidFill>
+        </p:spPr>
+        <p:txBody>
+          <a:bodyPr wrap="square" rtlCol="1">
+            <a:spAutoFit/>
+          </a:bodyPr>
+          <a:lstStyle/>
+          <a:p>
+            <a:pPr algn="ctr"/>
+            <a:r>
+              <a:rPr lang="en-US" dirty="0"/>
+              <a:t>Router</a:t>
+            </a:r>
+            <a:endParaRPr lang="he-IL" dirty="0"/>
+          </a:p>
+        </p:txBody>
+      </p:sp>
+      <p:cxnSp>
+        <p:nvCxnSpPr>
+          <p:cNvPr id="20" name="מחבר ישר 19">
+            <a:extLst>
+              <a:ext uri="{FF2B5EF4-FFF2-40B4-BE49-F238E27FC236}">
+                <a16:creationId xmlns:a16="http://schemas.microsoft.com/office/drawing/2014/main" id="{68944C7F-760E-40CB-9FED-1F6BFB168A03}"/>
+              </a:ext>
+            </a:extLst>
+          </p:cNvPr>
+          <p:cNvCxnSpPr>
+            <a:stCxn id="31" idx="2"/>
+            <a:endCxn id="9" idx="3"/>
+          </p:cNvCxnSpPr>
+          <p:nvPr/>
+        </p:nvCxnSpPr>
+        <p:spPr>
+          <a:xfrm flipH="1">
+            <a:off x="5584874" y="2914853"/>
+            <a:ext cx="1581748" cy="2010141"/>
+          </a:xfrm>
+          <a:prstGeom prst="line">
+            <a:avLst/>
+          </a:prstGeom>
+          <a:ln>
+            <a:prstDash val="dashDot"/>
+          </a:ln>
+        </p:spPr>
+        <p:style>
+          <a:lnRef idx="1">
+            <a:schemeClr val="accent1"/>
+          </a:lnRef>
+          <a:fillRef idx="0">
+            <a:schemeClr val="accent1"/>
+          </a:fillRef>
+          <a:effectRef idx="0">
+            <a:schemeClr val="accent1"/>
+          </a:effectRef>
+          <a:fontRef idx="minor">
+            <a:schemeClr val="tx1"/>
+          </a:fontRef>
+        </p:style>
+      </p:cxnSp>
+      <p:cxnSp>
+        <p:nvCxnSpPr>
+          <p:cNvPr id="24" name="מחבר ישר 23">
+            <a:extLst>
+              <a:ext uri="{FF2B5EF4-FFF2-40B4-BE49-F238E27FC236}">
+                <a16:creationId xmlns:a16="http://schemas.microsoft.com/office/drawing/2014/main" id="{3FF523DC-87EF-4382-8574-21BB67C9DC95}"/>
+              </a:ext>
+            </a:extLst>
+          </p:cNvPr>
+          <p:cNvCxnSpPr>
+            <a:stCxn id="31" idx="2"/>
+            <a:endCxn id="19" idx="1"/>
+          </p:cNvCxnSpPr>
+          <p:nvPr/>
+        </p:nvCxnSpPr>
+        <p:spPr>
+          <a:xfrm>
+            <a:off x="7166622" y="2914853"/>
+            <a:ext cx="1729727" cy="2462767"/>
+          </a:xfrm>
+          <a:prstGeom prst="line">
+            <a:avLst/>
+          </a:prstGeom>
+          <a:ln>
+            <a:prstDash val="dashDot"/>
+          </a:ln>
+        </p:spPr>
+        <p:style>
+          <a:lnRef idx="1">
+            <a:schemeClr val="accent1"/>
+          </a:lnRef>
+          <a:fillRef idx="0">
+            <a:schemeClr val="accent1"/>
+          </a:fillRef>
+          <a:effectRef idx="0">
+            <a:schemeClr val="accent1"/>
+          </a:effectRef>
+          <a:fontRef idx="minor">
+            <a:schemeClr val="tx1"/>
+          </a:fontRef>
+        </p:style>
+      </p:cxnSp>
+      <p:sp>
+        <p:nvSpPr>
+          <p:cNvPr id="32" name="TextBox 27">
+            <a:extLst>
+              <a:ext uri="{FF2B5EF4-FFF2-40B4-BE49-F238E27FC236}">
+                <a16:creationId xmlns:a16="http://schemas.microsoft.com/office/drawing/2014/main" id="{67B293B1-7BB9-464B-BE7A-A8C33B5F2D50}"/>
+              </a:ext>
+            </a:extLst>
+          </p:cNvPr>
+          <p:cNvSpPr txBox="1"/>
+          <p:nvPr/>
+        </p:nvSpPr>
+        <p:spPr>
+          <a:xfrm>
+            <a:off x="7530139" y="5544733"/>
+            <a:ext cx="1624013" cy="923330"/>
+          </a:xfrm>
+          <a:prstGeom prst="rect">
+            <a:avLst/>
+          </a:prstGeom>
+          <a:noFill/>
+        </p:spPr>
+        <p:txBody>
+          <a:bodyPr wrap="square" rtlCol="1">
+            <a:spAutoFit/>
+          </a:bodyPr>
+          <a:lstStyle/>
+          <a:p>
+            <a:r>
+              <a:rPr lang="en-US" dirty="0"/>
+              <a:t>Mount</a:t>
+            </a:r>
+          </a:p>
+          <a:p>
+            <a:r>
+              <a:rPr lang="en-US" dirty="0"/>
+              <a:t>Update</a:t>
+            </a:r>
+          </a:p>
+          <a:p>
+            <a:r>
+              <a:rPr lang="en-US" dirty="0" err="1"/>
+              <a:t>UnMount</a:t>
+            </a:r>
+            <a:endParaRPr lang="he-IL" dirty="0"/>
+          </a:p>
+        </p:txBody>
+      </p:sp>
+    </p:spTree>
+    <p:extLst>
+      <p:ext uri="{BB962C8B-B14F-4D97-AF65-F5344CB8AC3E}">
+        <p14:creationId xmlns:p14="http://schemas.microsoft.com/office/powerpoint/2010/main" val="1264534458"/>
+      </p:ext>
+    </p:extLst>
+  </p:cSld>
+  <p:clrMapOvr>
+    <a:masterClrMapping/>
+  </p:clrMapOvr>
+  <p:timing>
+    <p:tnLst>
+      <p:par>
+        <p:cTn id="1" dur="indefinite" restart="never" nodeType="tmRoot"/>
+      </p:par>
+    </p:tnLst>
+  </p:timing>
+</p:sld>
+</file>
+
+<file path=ppt/slides/slide13.xml><?xml version="1.0" encoding="utf-8"?>
+<p:sld xmlns:a="http://schemas.openxmlformats.org/drawingml/2006/main" xmlns:r="http://schemas.openxmlformats.org/officeDocument/2006/relationships" xmlns:p="http://schemas.openxmlformats.org/presentationml/2006/main">
+  <p:cSld>
+    <p:bg>
+      <p:bgPr>
+        <a:blipFill rotWithShape="1">
+          <a:blip r:embed="rId2">
+            <a:duotone>
+              <a:schemeClr val="bg2">
+                <a:shade val="18000"/>
+                <a:satMod val="160000"/>
+                <a:lumMod val="28000"/>
+              </a:schemeClr>
+              <a:schemeClr val="bg2">
+                <a:tint val="95000"/>
+                <a:satMod val="160000"/>
+                <a:lumMod val="116000"/>
+              </a:schemeClr>
+            </a:duotone>
+            <a:extLst/>
+          </a:blip>
+          <a:stretch/>
+        </a:blipFill>
+        <a:effectLst/>
+      </p:bgPr>
+    </p:bg>
+    <p:spTree>
+      <p:nvGrpSpPr>
+        <p:cNvPr id="1" name=""/>
+        <p:cNvGrpSpPr/>
+        <p:nvPr/>
+      </p:nvGrpSpPr>
+      <p:grpSpPr>
+        <a:xfrm>
+          <a:off x="0" y="0"/>
+          <a:ext cx="0" cy="0"/>
+          <a:chOff x="0" y="0"/>
+          <a:chExt cx="0" cy="0"/>
+        </a:xfrm>
+      </p:grpSpPr>
+      <p:sp useBgFill="1">
+        <p:nvSpPr>
+          <p:cNvPr id="8" name="Rectangle 7">
+            <a:extLst>
+              <a:ext uri="{FF2B5EF4-FFF2-40B4-BE49-F238E27FC236}">
+                <a16:creationId xmlns:a16="http://schemas.microsoft.com/office/drawing/2014/main" id="{3BFBA67F-0D4D-4C2E-A1D7-82D080A4B3AD}"/>
+              </a:ext>
+              <a:ext uri="{C183D7F6-B498-43B3-948B-1728B52AA6E4}">
+                <adec:decorative xmlns:adec="http://schemas.microsoft.com/office/drawing/2017/decorative" xmlns="" val="1"/>
+              </a:ext>
+            </a:extLst>
+          </p:cNvPr>
+          <p:cNvSpPr>
+            <a:spLocks noGrp="1" noRot="1" noChangeAspect="1" noMove="1" noResize="1" noEditPoints="1" noAdjustHandles="1" noChangeArrowheads="1" noChangeShapeType="1" noTextEdit="1"/>
+          </p:cNvSpPr>
+          <p:nvPr>
+            <p:extLst>
+              <p:ext uri="{386F3935-93C4-4BCD-93E2-E3B085C9AB24}">
+                <p16:designElem xmlns:p16="http://schemas.microsoft.com/office/powerpoint/2015/main" val="1"/>
+              </p:ext>
+            </p:extLst>
+          </p:nvPr>
+        </p:nvSpPr>
+        <p:spPr>
+          <a:xfrm>
+            <a:off x="0" y="0"/>
+            <a:ext cx="12192000" cy="6858000"/>
+          </a:xfrm>
+          <a:prstGeom prst="rect">
+            <a:avLst/>
+          </a:prstGeom>
+          <a:ln>
+            <a:noFill/>
+          </a:ln>
+        </p:spPr>
+        <p:style>
+          <a:lnRef idx="2">
+            <a:schemeClr val="accent1">
+              <a:shade val="50000"/>
+            </a:schemeClr>
+          </a:lnRef>
+          <a:fillRef idx="1">
+            <a:schemeClr val="accent1"/>
+          </a:fillRef>
+          <a:effectRef idx="0">
+            <a:schemeClr val="accent1"/>
+          </a:effectRef>
+          <a:fontRef idx="minor">
+            <a:schemeClr val="lt1"/>
+          </a:fontRef>
+        </p:style>
+        <p:txBody>
+          <a:bodyPr rtlCol="0" anchor="ctr"/>
+          <a:lstStyle/>
+          <a:p>
+            <a:pPr algn="ctr"/>
+            <a:endParaRPr lang="en-US"/>
+          </a:p>
+        </p:txBody>
+      </p:sp>
+      <p:sp>
+        <p:nvSpPr>
+          <p:cNvPr id="2" name="כותרת 1">
+            <a:extLst>
+              <a:ext uri="{FF2B5EF4-FFF2-40B4-BE49-F238E27FC236}">
+                <a16:creationId xmlns:a16="http://schemas.microsoft.com/office/drawing/2014/main" id="{D8B5AC4C-BAFA-4D9D-9FE4-D33C3994D036}"/>
+              </a:ext>
+            </a:extLst>
+          </p:cNvPr>
+          <p:cNvSpPr>
+            <a:spLocks noGrp="1"/>
+          </p:cNvSpPr>
+          <p:nvPr>
+            <p:ph type="title"/>
+          </p:nvPr>
+        </p:nvSpPr>
+        <p:spPr>
+          <a:xfrm>
+            <a:off x="913795" y="609600"/>
+            <a:ext cx="10353761" cy="1326321"/>
+          </a:xfrm>
+        </p:spPr>
+        <p:txBody>
+          <a:bodyPr>
+            <a:normAutofit/>
+          </a:bodyPr>
+          <a:lstStyle/>
+          <a:p>
+            <a:r>
+              <a:rPr lang="en-US" dirty="0"/>
+              <a:t>SPA – single page application</a:t>
+            </a:r>
+            <a:endParaRPr lang="he-IL" dirty="0"/>
+          </a:p>
+        </p:txBody>
+      </p:sp>
+      <p:sp>
+        <p:nvSpPr>
+          <p:cNvPr id="10" name="Rectangle 9">
+            <a:extLst>
+              <a:ext uri="{FF2B5EF4-FFF2-40B4-BE49-F238E27FC236}">
+                <a16:creationId xmlns:a16="http://schemas.microsoft.com/office/drawing/2014/main" id="{EFA2AC96-1E47-421C-A03F-F98E354EB4E6}"/>
+              </a:ext>
+              <a:ext uri="{C183D7F6-B498-43B3-948B-1728B52AA6E4}">
+                <adec:decorative xmlns:adec="http://schemas.microsoft.com/office/drawing/2017/decorative" xmlns="" val="1"/>
               </a:ext>
             </a:extLst>
           </p:cNvPr>
@@ -8188,10 +9129,17 @@
   <p:clrMapOvr>
     <a:masterClrMapping/>
   </p:clrMapOvr>
+  <p:timing>
+    <p:tnLst>
+      <p:par>
+        <p:cTn id="1" dur="indefinite" restart="never" nodeType="tmRoot"/>
+      </p:par>
+    </p:tnLst>
+  </p:timing>
 </p:sld>
 </file>
 
-<file path=ppt/slides/slide12.xml><?xml version="1.0" encoding="utf-8"?>
+<file path=ppt/slides/slide14.xml><?xml version="1.0" encoding="utf-8"?>
 <p:sld xmlns:a="http://schemas.openxmlformats.org/drawingml/2006/main" xmlns:r="http://schemas.openxmlformats.org/officeDocument/2006/relationships" xmlns:p="http://schemas.openxmlformats.org/presentationml/2006/main">
   <p:cSld>
     <p:spTree>
@@ -8414,10 +9362,17 @@
   <p:clrMapOvr>
     <a:masterClrMapping/>
   </p:clrMapOvr>
+  <p:timing>
+    <p:tnLst>
+      <p:par>
+        <p:cTn id="1" dur="indefinite" restart="never" nodeType="tmRoot"/>
+      </p:par>
+    </p:tnLst>
+  </p:timing>
 </p:sld>
 </file>
 
-<file path=ppt/slides/slide13.xml><?xml version="1.0" encoding="utf-8"?>
+<file path=ppt/slides/slide15.xml><?xml version="1.0" encoding="utf-8"?>
 <p:sld xmlns:a="http://schemas.openxmlformats.org/drawingml/2006/main" xmlns:r="http://schemas.openxmlformats.org/officeDocument/2006/relationships" xmlns:p="http://schemas.openxmlformats.org/presentationml/2006/main">
   <p:cSld>
     <p:spTree>
@@ -8542,7 +9497,7 @@
 </p:sld>
 </file>
 
-<file path=ppt/slides/slide14.xml><?xml version="1.0" encoding="utf-8"?>
+<file path=ppt/slides/slide16.xml><?xml version="1.0" encoding="utf-8"?>
 <p:sld xmlns:a="http://schemas.openxmlformats.org/drawingml/2006/main" xmlns:r="http://schemas.openxmlformats.org/officeDocument/2006/relationships" xmlns:p="http://schemas.openxmlformats.org/presentationml/2006/main">
   <p:cSld>
     <p:bg>
@@ -8644,7 +9599,7 @@
                 <a16:creationId xmlns:a16="http://schemas.microsoft.com/office/drawing/2014/main" id="{20687CB0-93F8-4C7B-9716-17FCDE7E9BA9}"/>
               </a:ext>
               <a:ext uri="{C183D7F6-B498-43B3-948B-1728B52AA6E4}">
-                <adec:decorative xmlns:adec="http://schemas.microsoft.com/office/drawing/2017/decorative" val="1"/>
+                <adec:decorative xmlns:adec="http://schemas.microsoft.com/office/drawing/2017/decorative" xmlns="" val="1"/>
               </a:ext>
             </a:extLst>
           </p:cNvPr>
@@ -8788,7 +9743,7 @@
                 <a16:creationId xmlns:a16="http://schemas.microsoft.com/office/drawing/2014/main" id="{45EE62FC-8C5B-4090-848B-D07201175702}"/>
               </a:ext>
               <a:ext uri="{C183D7F6-B498-43B3-948B-1728B52AA6E4}">
-                <adec:decorative xmlns:adec="http://schemas.microsoft.com/office/drawing/2017/decorative" val="1"/>
+                <adec:decorative xmlns:adec="http://schemas.microsoft.com/office/drawing/2017/decorative" xmlns="" val="1"/>
               </a:ext>
             </a:extLst>
           </p:cNvPr>
@@ -8924,7 +9879,7 @@
                   <a:spcPts val="600"/>
                 </a:spcAft>
               </a:pPr>
-              <a:t>5/22/2019</a:t>
+              <a:t>11/27/2019</a:t>
             </a:fld>
             <a:endParaRPr lang="en-US"/>
           </a:p>
@@ -8938,7 +9893,7 @@
                 <a16:creationId xmlns:a16="http://schemas.microsoft.com/office/drawing/2014/main" id="{22DA7BED-7B14-455C-AD9E-D63446068326}"/>
               </a:ext>
               <a:ext uri="{C183D7F6-B498-43B3-948B-1728B52AA6E4}">
-                <adec:decorative xmlns:adec="http://schemas.microsoft.com/office/drawing/2017/decorative" val="1"/>
+                <adec:decorative xmlns:adec="http://schemas.microsoft.com/office/drawing/2017/decorative" xmlns="" val="1"/>
               </a:ext>
             </a:extLst>
           </p:cNvPr>
@@ -9074,7 +10029,7 @@
                   <a:spcPts val="600"/>
                 </a:spcAft>
               </a:pPr>
-              <a:t>14</a:t>
+              <a:t>16</a:t>
             </a:fld>
             <a:endParaRPr lang="en-US"/>
           </a:p>
@@ -9093,7 +10048,7 @@
 </p:sld>
 </file>
 
-<file path=ppt/slides/slide15.xml><?xml version="1.0" encoding="utf-8"?>
+<file path=ppt/slides/slide17.xml><?xml version="1.0" encoding="utf-8"?>
 <p:sld xmlns:a="http://schemas.openxmlformats.org/drawingml/2006/main" xmlns:r="http://schemas.openxmlformats.org/officeDocument/2006/relationships" xmlns:p="http://schemas.openxmlformats.org/presentationml/2006/main">
   <p:cSld>
     <p:spTree>
@@ -9188,7 +10143,7 @@
 </p:sld>
 </file>
 
-<file path=ppt/slides/slide16.xml><?xml version="1.0" encoding="utf-8"?>
+<file path=ppt/slides/slide18.xml><?xml version="1.0" encoding="utf-8"?>
 <p:sld xmlns:a="http://schemas.openxmlformats.org/drawingml/2006/main" xmlns:r="http://schemas.openxmlformats.org/officeDocument/2006/relationships" xmlns:p="http://schemas.openxmlformats.org/presentationml/2006/main">
   <p:cSld>
     <p:spTree>
@@ -10107,7 +11062,7 @@
 </p:sld>
 </file>
 
-<file path=ppt/slides/slide17.xml><?xml version="1.0" encoding="utf-8"?>
+<file path=ppt/slides/slide19.xml><?xml version="1.0" encoding="utf-8"?>
 <p:sld xmlns:a="http://schemas.openxmlformats.org/drawingml/2006/main" xmlns:r="http://schemas.openxmlformats.org/officeDocument/2006/relationships" xmlns:p="http://schemas.openxmlformats.org/presentationml/2006/main">
   <p:cSld>
     <p:spTree>
@@ -10248,7 +11203,398 @@
 </p:sld>
 </file>
 
-<file path=ppt/slides/slide18.xml><?xml version="1.0" encoding="utf-8"?>
+<file path=ppt/slides/slide2.xml><?xml version="1.0" encoding="utf-8"?>
+<p:sld xmlns:a="http://schemas.openxmlformats.org/drawingml/2006/main" xmlns:r="http://schemas.openxmlformats.org/officeDocument/2006/relationships" xmlns:p="http://schemas.openxmlformats.org/presentationml/2006/main">
+  <p:cSld>
+    <p:bg>
+      <p:bgPr>
+        <a:blipFill rotWithShape="1">
+          <a:blip r:embed="rId2">
+            <a:duotone>
+              <a:schemeClr val="bg2">
+                <a:shade val="18000"/>
+                <a:satMod val="160000"/>
+                <a:lumMod val="28000"/>
+              </a:schemeClr>
+              <a:schemeClr val="bg2">
+                <a:tint val="95000"/>
+                <a:satMod val="160000"/>
+                <a:lumMod val="116000"/>
+              </a:schemeClr>
+            </a:duotone>
+            <a:extLst/>
+          </a:blip>
+          <a:stretch/>
+        </a:blipFill>
+        <a:effectLst/>
+      </p:bgPr>
+    </p:bg>
+    <p:spTree>
+      <p:nvGrpSpPr>
+        <p:cNvPr id="1" name=""/>
+        <p:cNvGrpSpPr/>
+        <p:nvPr/>
+      </p:nvGrpSpPr>
+      <p:grpSpPr>
+        <a:xfrm>
+          <a:off x="0" y="0"/>
+          <a:ext cx="0" cy="0"/>
+          <a:chOff x="0" y="0"/>
+          <a:chExt cx="0" cy="0"/>
+        </a:xfrm>
+      </p:grpSpPr>
+      <p:sp useBgFill="1">
+        <p:nvSpPr>
+          <p:cNvPr id="8" name="Rectangle 7">
+            <a:extLst>
+              <a:ext uri="{FF2B5EF4-FFF2-40B4-BE49-F238E27FC236}">
+                <a16:creationId xmlns:a16="http://schemas.microsoft.com/office/drawing/2014/main" id="{3BFBA67F-0D4D-4C2E-A1D7-82D080A4B3AD}"/>
+              </a:ext>
+              <a:ext uri="{C183D7F6-B498-43B3-948B-1728B52AA6E4}">
+                <adec:decorative xmlns:adec="http://schemas.microsoft.com/office/drawing/2017/decorative" xmlns="" val="1"/>
+              </a:ext>
+            </a:extLst>
+          </p:cNvPr>
+          <p:cNvSpPr>
+            <a:spLocks noGrp="1" noRot="1" noChangeAspect="1" noMove="1" noResize="1" noEditPoints="1" noAdjustHandles="1" noChangeArrowheads="1" noChangeShapeType="1" noTextEdit="1"/>
+          </p:cNvSpPr>
+          <p:nvPr>
+            <p:extLst>
+              <p:ext uri="{386F3935-93C4-4BCD-93E2-E3B085C9AB24}">
+                <p16:designElem xmlns:p16="http://schemas.microsoft.com/office/powerpoint/2015/main" val="1"/>
+              </p:ext>
+            </p:extLst>
+          </p:nvPr>
+        </p:nvSpPr>
+        <p:spPr>
+          <a:xfrm>
+            <a:off x="0" y="0"/>
+            <a:ext cx="12192000" cy="6858000"/>
+          </a:xfrm>
+          <a:prstGeom prst="rect">
+            <a:avLst/>
+          </a:prstGeom>
+          <a:ln>
+            <a:noFill/>
+          </a:ln>
+        </p:spPr>
+        <p:style>
+          <a:lnRef idx="2">
+            <a:schemeClr val="accent1">
+              <a:shade val="50000"/>
+            </a:schemeClr>
+          </a:lnRef>
+          <a:fillRef idx="1">
+            <a:schemeClr val="accent1"/>
+          </a:fillRef>
+          <a:effectRef idx="0">
+            <a:schemeClr val="accent1"/>
+          </a:effectRef>
+          <a:fontRef idx="minor">
+            <a:schemeClr val="lt1"/>
+          </a:fontRef>
+        </p:style>
+        <p:txBody>
+          <a:bodyPr rtlCol="0" anchor="ctr"/>
+          <a:lstStyle/>
+          <a:p>
+            <a:pPr algn="ctr"/>
+            <a:endParaRPr lang="en-US"/>
+          </a:p>
+        </p:txBody>
+      </p:sp>
+      <p:sp>
+        <p:nvSpPr>
+          <p:cNvPr id="2" name="כותרת 1">
+            <a:extLst>
+              <a:ext uri="{FF2B5EF4-FFF2-40B4-BE49-F238E27FC236}">
+                <a16:creationId xmlns:a16="http://schemas.microsoft.com/office/drawing/2014/main" id="{D8B5AC4C-BAFA-4D9D-9FE4-D33C3994D036}"/>
+              </a:ext>
+            </a:extLst>
+          </p:cNvPr>
+          <p:cNvSpPr>
+            <a:spLocks noGrp="1"/>
+          </p:cNvSpPr>
+          <p:nvPr>
+            <p:ph type="title"/>
+          </p:nvPr>
+        </p:nvSpPr>
+        <p:spPr>
+          <a:xfrm>
+            <a:off x="913795" y="609600"/>
+            <a:ext cx="10353761" cy="1326321"/>
+          </a:xfrm>
+        </p:spPr>
+        <p:txBody>
+          <a:bodyPr>
+            <a:normAutofit/>
+          </a:bodyPr>
+          <a:lstStyle/>
+          <a:p>
+            <a:r>
+              <a:rPr lang="en-US" dirty="0"/>
+              <a:t>SPA – single page application</a:t>
+            </a:r>
+            <a:endParaRPr lang="he-IL" dirty="0"/>
+          </a:p>
+        </p:txBody>
+      </p:sp>
+      <p:sp>
+        <p:nvSpPr>
+          <p:cNvPr id="10" name="Rectangle 9">
+            <a:extLst>
+              <a:ext uri="{FF2B5EF4-FFF2-40B4-BE49-F238E27FC236}">
+                <a16:creationId xmlns:a16="http://schemas.microsoft.com/office/drawing/2014/main" id="{EFA2AC96-1E47-421C-A03F-F98E354EB4E6}"/>
+              </a:ext>
+              <a:ext uri="{C183D7F6-B498-43B3-948B-1728B52AA6E4}">
+                <adec:decorative xmlns:adec="http://schemas.microsoft.com/office/drawing/2017/decorative" xmlns="" val="1"/>
+              </a:ext>
+            </a:extLst>
+          </p:cNvPr>
+          <p:cNvSpPr>
+            <a:spLocks noGrp="1" noRot="1" noChangeAspect="1" noMove="1" noResize="1" noEditPoints="1" noAdjustHandles="1" noChangeArrowheads="1" noChangeShapeType="1" noTextEdit="1"/>
+          </p:cNvSpPr>
+          <p:nvPr>
+            <p:extLst>
+              <p:ext uri="{386F3935-93C4-4BCD-93E2-E3B085C9AB24}">
+                <p16:designElem xmlns:p16="http://schemas.microsoft.com/office/powerpoint/2015/main" val="1"/>
+              </p:ext>
+            </p:extLst>
+          </p:nvPr>
+        </p:nvSpPr>
+        <p:spPr>
+          <a:xfrm>
+            <a:off x="0" y="2095500"/>
+            <a:ext cx="12192000" cy="4762500"/>
+          </a:xfrm>
+          <a:prstGeom prst="rect">
+            <a:avLst/>
+          </a:prstGeom>
+          <a:solidFill>
+            <a:schemeClr val="bg1">
+              <a:alpha val="50000"/>
+            </a:schemeClr>
+          </a:solidFill>
+          <a:ln>
+            <a:noFill/>
+          </a:ln>
+        </p:spPr>
+        <p:style>
+          <a:lnRef idx="2">
+            <a:schemeClr val="accent1">
+              <a:shade val="50000"/>
+            </a:schemeClr>
+          </a:lnRef>
+          <a:fillRef idx="1001">
+            <a:schemeClr val="dk1"/>
+          </a:fillRef>
+          <a:effectRef idx="0">
+            <a:schemeClr val="accent1"/>
+          </a:effectRef>
+          <a:fontRef idx="minor">
+            <a:schemeClr val="lt1"/>
+          </a:fontRef>
+        </p:style>
+        <p:txBody>
+          <a:bodyPr rtlCol="0" anchor="ctr"/>
+          <a:lstStyle/>
+          <a:p>
+            <a:pPr algn="ctr"/>
+            <a:endParaRPr lang="en-US"/>
+          </a:p>
+        </p:txBody>
+      </p:sp>
+      <p:sp>
+        <p:nvSpPr>
+          <p:cNvPr id="3" name="מציין מיקום תוכן 2">
+            <a:extLst>
+              <a:ext uri="{FF2B5EF4-FFF2-40B4-BE49-F238E27FC236}">
+                <a16:creationId xmlns:a16="http://schemas.microsoft.com/office/drawing/2014/main" id="{4262EEE1-9639-44BA-B094-9B1891A0B684}"/>
+              </a:ext>
+            </a:extLst>
+          </p:cNvPr>
+          <p:cNvSpPr>
+            <a:spLocks noGrp="1"/>
+          </p:cNvSpPr>
+          <p:nvPr>
+            <p:ph idx="1"/>
+          </p:nvPr>
+        </p:nvSpPr>
+        <p:spPr>
+          <a:xfrm>
+            <a:off x="1466850" y="2463800"/>
+            <a:ext cx="9247652" cy="3327400"/>
+          </a:xfrm>
+        </p:spPr>
+        <p:txBody>
+          <a:bodyPr>
+            <a:normAutofit/>
+          </a:bodyPr>
+          <a:lstStyle/>
+          <a:p>
+            <a:endParaRPr lang="he-IL" dirty="0"/>
+          </a:p>
+        </p:txBody>
+      </p:sp>
+      <p:sp>
+        <p:nvSpPr>
+          <p:cNvPr id="4" name="מלבן 3">
+            <a:extLst>
+              <a:ext uri="{FF2B5EF4-FFF2-40B4-BE49-F238E27FC236}">
+                <a16:creationId xmlns:a16="http://schemas.microsoft.com/office/drawing/2014/main" id="{2109E420-CCE5-4496-B803-89F9E5D208FA}"/>
+              </a:ext>
+            </a:extLst>
+          </p:cNvPr>
+          <p:cNvSpPr/>
+          <p:nvPr/>
+        </p:nvSpPr>
+        <p:spPr>
+          <a:xfrm>
+            <a:off x="858374" y="4440996"/>
+            <a:ext cx="1241889" cy="1945517"/>
+          </a:xfrm>
+          <a:prstGeom prst="rect">
+            <a:avLst/>
+          </a:prstGeom>
+        </p:spPr>
+        <p:style>
+          <a:lnRef idx="2">
+            <a:schemeClr val="accent1">
+              <a:shade val="50000"/>
+            </a:schemeClr>
+          </a:lnRef>
+          <a:fillRef idx="1">
+            <a:schemeClr val="accent1"/>
+          </a:fillRef>
+          <a:effectRef idx="0">
+            <a:schemeClr val="accent1"/>
+          </a:effectRef>
+          <a:fontRef idx="minor">
+            <a:schemeClr val="lt1"/>
+          </a:fontRef>
+        </p:style>
+        <p:txBody>
+          <a:bodyPr rtlCol="1" anchor="ctr"/>
+          <a:lstStyle/>
+          <a:p>
+            <a:pPr algn="ctr"/>
+            <a:r>
+              <a:rPr lang="en-US" dirty="0"/>
+              <a:t>Page 1</a:t>
+            </a:r>
+            <a:endParaRPr lang="he-IL" dirty="0"/>
+          </a:p>
+        </p:txBody>
+      </p:sp>
+      <p:sp>
+        <p:nvSpPr>
+          <p:cNvPr id="5" name="תרשים זרימה: דיסק מגנטי 4">
+            <a:extLst>
+              <a:ext uri="{FF2B5EF4-FFF2-40B4-BE49-F238E27FC236}">
+                <a16:creationId xmlns:a16="http://schemas.microsoft.com/office/drawing/2014/main" id="{F084A738-B63B-45E7-9C83-D1330E6B0BE9}"/>
+              </a:ext>
+            </a:extLst>
+          </p:cNvPr>
+          <p:cNvSpPr/>
+          <p:nvPr/>
+        </p:nvSpPr>
+        <p:spPr>
+          <a:xfrm>
+            <a:off x="2314575" y="1935921"/>
+            <a:ext cx="914400" cy="1178754"/>
+          </a:xfrm>
+          <a:prstGeom prst="flowChartMagneticDisk">
+            <a:avLst/>
+          </a:prstGeom>
+        </p:spPr>
+        <p:style>
+          <a:lnRef idx="2">
+            <a:schemeClr val="accent1">
+              <a:shade val="50000"/>
+            </a:schemeClr>
+          </a:lnRef>
+          <a:fillRef idx="1">
+            <a:schemeClr val="accent1"/>
+          </a:fillRef>
+          <a:effectRef idx="0">
+            <a:schemeClr val="accent1"/>
+          </a:effectRef>
+          <a:fontRef idx="minor">
+            <a:schemeClr val="lt1"/>
+          </a:fontRef>
+        </p:style>
+        <p:txBody>
+          <a:bodyPr rtlCol="1" anchor="ctr"/>
+          <a:lstStyle/>
+          <a:p>
+            <a:pPr algn="ctr"/>
+            <a:endParaRPr lang="he-IL"/>
+          </a:p>
+        </p:txBody>
+      </p:sp>
+      <p:cxnSp>
+        <p:nvCxnSpPr>
+          <p:cNvPr id="7" name="מחבר חץ ישר 6">
+            <a:extLst>
+              <a:ext uri="{FF2B5EF4-FFF2-40B4-BE49-F238E27FC236}">
+                <a16:creationId xmlns:a16="http://schemas.microsoft.com/office/drawing/2014/main" id="{18DFD308-52C5-4A17-B3EF-739374523594}"/>
+              </a:ext>
+            </a:extLst>
+          </p:cNvPr>
+          <p:cNvCxnSpPr>
+            <a:stCxn id="5" idx="3"/>
+            <a:endCxn id="4" idx="0"/>
+          </p:cNvCxnSpPr>
+          <p:nvPr/>
+        </p:nvCxnSpPr>
+        <p:spPr>
+          <a:xfrm flipH="1">
+            <a:off x="1479319" y="3114675"/>
+            <a:ext cx="1292456" cy="1326321"/>
+          </a:xfrm>
+          <a:prstGeom prst="straightConnector1">
+            <a:avLst/>
+          </a:prstGeom>
+          <a:ln>
+            <a:tailEnd type="triangle"/>
+          </a:ln>
+        </p:spPr>
+        <p:style>
+          <a:lnRef idx="1">
+            <a:schemeClr val="accent1"/>
+          </a:lnRef>
+          <a:fillRef idx="0">
+            <a:schemeClr val="accent1"/>
+          </a:fillRef>
+          <a:effectRef idx="0">
+            <a:schemeClr val="accent1"/>
+          </a:effectRef>
+          <a:fontRef idx="minor">
+            <a:schemeClr val="tx1"/>
+          </a:fontRef>
+        </p:style>
+      </p:cxnSp>
+    </p:spTree>
+    <p:extLst>
+      <p:ext uri="{BB962C8B-B14F-4D97-AF65-F5344CB8AC3E}">
+        <p14:creationId xmlns:p14="http://schemas.microsoft.com/office/powerpoint/2010/main" val="3201305984"/>
+      </p:ext>
+    </p:extLst>
+  </p:cSld>
+  <p:clrMapOvr>
+    <a:masterClrMapping/>
+  </p:clrMapOvr>
+  <p:timing>
+    <p:tnLst>
+      <p:par>
+        <p:cTn id="1" dur="indefinite" restart="never" nodeType="tmRoot"/>
+      </p:par>
+    </p:tnLst>
+  </p:timing>
+</p:sld>
+</file>
+
+<file path=ppt/slides/slide20.xml><?xml version="1.0" encoding="utf-8"?>
 <p:sld xmlns:a="http://schemas.openxmlformats.org/drawingml/2006/main" xmlns:r="http://schemas.openxmlformats.org/officeDocument/2006/relationships" xmlns:p="http://schemas.openxmlformats.org/presentationml/2006/main">
   <p:cSld>
     <p:spTree>
@@ -11401,390 +12747,6 @@
 </p:sld>
 </file>
 
-<file path=ppt/slides/slide2.xml><?xml version="1.0" encoding="utf-8"?>
-<p:sld xmlns:a="http://schemas.openxmlformats.org/drawingml/2006/main" xmlns:r="http://schemas.openxmlformats.org/officeDocument/2006/relationships" xmlns:p="http://schemas.openxmlformats.org/presentationml/2006/main">
-  <p:cSld>
-    <p:bg>
-      <p:bgPr>
-        <a:blipFill rotWithShape="1">
-          <a:blip r:embed="rId2">
-            <a:duotone>
-              <a:schemeClr val="bg2">
-                <a:shade val="18000"/>
-                <a:satMod val="160000"/>
-                <a:lumMod val="28000"/>
-              </a:schemeClr>
-              <a:schemeClr val="bg2">
-                <a:tint val="95000"/>
-                <a:satMod val="160000"/>
-                <a:lumMod val="116000"/>
-              </a:schemeClr>
-            </a:duotone>
-            <a:extLst/>
-          </a:blip>
-          <a:stretch/>
-        </a:blipFill>
-        <a:effectLst/>
-      </p:bgPr>
-    </p:bg>
-    <p:spTree>
-      <p:nvGrpSpPr>
-        <p:cNvPr id="1" name=""/>
-        <p:cNvGrpSpPr/>
-        <p:nvPr/>
-      </p:nvGrpSpPr>
-      <p:grpSpPr>
-        <a:xfrm>
-          <a:off x="0" y="0"/>
-          <a:ext cx="0" cy="0"/>
-          <a:chOff x="0" y="0"/>
-          <a:chExt cx="0" cy="0"/>
-        </a:xfrm>
-      </p:grpSpPr>
-      <p:sp useBgFill="1">
-        <p:nvSpPr>
-          <p:cNvPr id="8" name="Rectangle 7">
-            <a:extLst>
-              <a:ext uri="{FF2B5EF4-FFF2-40B4-BE49-F238E27FC236}">
-                <a16:creationId xmlns:a16="http://schemas.microsoft.com/office/drawing/2014/main" id="{3BFBA67F-0D4D-4C2E-A1D7-82D080A4B3AD}"/>
-              </a:ext>
-              <a:ext uri="{C183D7F6-B498-43B3-948B-1728B52AA6E4}">
-                <adec:decorative xmlns:adec="http://schemas.microsoft.com/office/drawing/2017/decorative" val="1"/>
-              </a:ext>
-            </a:extLst>
-          </p:cNvPr>
-          <p:cNvSpPr>
-            <a:spLocks noGrp="1" noRot="1" noChangeAspect="1" noMove="1" noResize="1" noEditPoints="1" noAdjustHandles="1" noChangeArrowheads="1" noChangeShapeType="1" noTextEdit="1"/>
-          </p:cNvSpPr>
-          <p:nvPr>
-            <p:extLst>
-              <p:ext uri="{386F3935-93C4-4BCD-93E2-E3B085C9AB24}">
-                <p16:designElem xmlns:p16="http://schemas.microsoft.com/office/powerpoint/2015/main" val="1"/>
-              </p:ext>
-            </p:extLst>
-          </p:nvPr>
-        </p:nvSpPr>
-        <p:spPr>
-          <a:xfrm>
-            <a:off x="0" y="0"/>
-            <a:ext cx="12192000" cy="6858000"/>
-          </a:xfrm>
-          <a:prstGeom prst="rect">
-            <a:avLst/>
-          </a:prstGeom>
-          <a:ln>
-            <a:noFill/>
-          </a:ln>
-        </p:spPr>
-        <p:style>
-          <a:lnRef idx="2">
-            <a:schemeClr val="accent1">
-              <a:shade val="50000"/>
-            </a:schemeClr>
-          </a:lnRef>
-          <a:fillRef idx="1">
-            <a:schemeClr val="accent1"/>
-          </a:fillRef>
-          <a:effectRef idx="0">
-            <a:schemeClr val="accent1"/>
-          </a:effectRef>
-          <a:fontRef idx="minor">
-            <a:schemeClr val="lt1"/>
-          </a:fontRef>
-        </p:style>
-        <p:txBody>
-          <a:bodyPr rtlCol="0" anchor="ctr"/>
-          <a:lstStyle/>
-          <a:p>
-            <a:pPr algn="ctr"/>
-            <a:endParaRPr lang="en-US"/>
-          </a:p>
-        </p:txBody>
-      </p:sp>
-      <p:sp>
-        <p:nvSpPr>
-          <p:cNvPr id="2" name="כותרת 1">
-            <a:extLst>
-              <a:ext uri="{FF2B5EF4-FFF2-40B4-BE49-F238E27FC236}">
-                <a16:creationId xmlns:a16="http://schemas.microsoft.com/office/drawing/2014/main" id="{D8B5AC4C-BAFA-4D9D-9FE4-D33C3994D036}"/>
-              </a:ext>
-            </a:extLst>
-          </p:cNvPr>
-          <p:cNvSpPr>
-            <a:spLocks noGrp="1"/>
-          </p:cNvSpPr>
-          <p:nvPr>
-            <p:ph type="title"/>
-          </p:nvPr>
-        </p:nvSpPr>
-        <p:spPr>
-          <a:xfrm>
-            <a:off x="913795" y="609600"/>
-            <a:ext cx="10353761" cy="1326321"/>
-          </a:xfrm>
-        </p:spPr>
-        <p:txBody>
-          <a:bodyPr>
-            <a:normAutofit/>
-          </a:bodyPr>
-          <a:lstStyle/>
-          <a:p>
-            <a:r>
-              <a:rPr lang="en-US" dirty="0"/>
-              <a:t>SPA – single page application</a:t>
-            </a:r>
-            <a:endParaRPr lang="he-IL" dirty="0"/>
-          </a:p>
-        </p:txBody>
-      </p:sp>
-      <p:sp>
-        <p:nvSpPr>
-          <p:cNvPr id="10" name="Rectangle 9">
-            <a:extLst>
-              <a:ext uri="{FF2B5EF4-FFF2-40B4-BE49-F238E27FC236}">
-                <a16:creationId xmlns:a16="http://schemas.microsoft.com/office/drawing/2014/main" id="{EFA2AC96-1E47-421C-A03F-F98E354EB4E6}"/>
-              </a:ext>
-              <a:ext uri="{C183D7F6-B498-43B3-948B-1728B52AA6E4}">
-                <adec:decorative xmlns:adec="http://schemas.microsoft.com/office/drawing/2017/decorative" val="1"/>
-              </a:ext>
-            </a:extLst>
-          </p:cNvPr>
-          <p:cNvSpPr>
-            <a:spLocks noGrp="1" noRot="1" noChangeAspect="1" noMove="1" noResize="1" noEditPoints="1" noAdjustHandles="1" noChangeArrowheads="1" noChangeShapeType="1" noTextEdit="1"/>
-          </p:cNvSpPr>
-          <p:nvPr>
-            <p:extLst>
-              <p:ext uri="{386F3935-93C4-4BCD-93E2-E3B085C9AB24}">
-                <p16:designElem xmlns:p16="http://schemas.microsoft.com/office/powerpoint/2015/main" val="1"/>
-              </p:ext>
-            </p:extLst>
-          </p:nvPr>
-        </p:nvSpPr>
-        <p:spPr>
-          <a:xfrm>
-            <a:off x="0" y="2095500"/>
-            <a:ext cx="12192000" cy="4762500"/>
-          </a:xfrm>
-          <a:prstGeom prst="rect">
-            <a:avLst/>
-          </a:prstGeom>
-          <a:solidFill>
-            <a:schemeClr val="bg1">
-              <a:alpha val="50000"/>
-            </a:schemeClr>
-          </a:solidFill>
-          <a:ln>
-            <a:noFill/>
-          </a:ln>
-        </p:spPr>
-        <p:style>
-          <a:lnRef idx="2">
-            <a:schemeClr val="accent1">
-              <a:shade val="50000"/>
-            </a:schemeClr>
-          </a:lnRef>
-          <a:fillRef idx="1001">
-            <a:schemeClr val="dk1"/>
-          </a:fillRef>
-          <a:effectRef idx="0">
-            <a:schemeClr val="accent1"/>
-          </a:effectRef>
-          <a:fontRef idx="minor">
-            <a:schemeClr val="lt1"/>
-          </a:fontRef>
-        </p:style>
-        <p:txBody>
-          <a:bodyPr rtlCol="0" anchor="ctr"/>
-          <a:lstStyle/>
-          <a:p>
-            <a:pPr algn="ctr"/>
-            <a:endParaRPr lang="en-US"/>
-          </a:p>
-        </p:txBody>
-      </p:sp>
-      <p:sp>
-        <p:nvSpPr>
-          <p:cNvPr id="3" name="מציין מיקום תוכן 2">
-            <a:extLst>
-              <a:ext uri="{FF2B5EF4-FFF2-40B4-BE49-F238E27FC236}">
-                <a16:creationId xmlns:a16="http://schemas.microsoft.com/office/drawing/2014/main" id="{4262EEE1-9639-44BA-B094-9B1891A0B684}"/>
-              </a:ext>
-            </a:extLst>
-          </p:cNvPr>
-          <p:cNvSpPr>
-            <a:spLocks noGrp="1"/>
-          </p:cNvSpPr>
-          <p:nvPr>
-            <p:ph idx="1"/>
-          </p:nvPr>
-        </p:nvSpPr>
-        <p:spPr>
-          <a:xfrm>
-            <a:off x="1466850" y="2463800"/>
-            <a:ext cx="9247652" cy="3327400"/>
-          </a:xfrm>
-        </p:spPr>
-        <p:txBody>
-          <a:bodyPr>
-            <a:normAutofit/>
-          </a:bodyPr>
-          <a:lstStyle/>
-          <a:p>
-            <a:endParaRPr lang="he-IL" dirty="0"/>
-          </a:p>
-        </p:txBody>
-      </p:sp>
-      <p:sp>
-        <p:nvSpPr>
-          <p:cNvPr id="4" name="מלבן 3">
-            <a:extLst>
-              <a:ext uri="{FF2B5EF4-FFF2-40B4-BE49-F238E27FC236}">
-                <a16:creationId xmlns:a16="http://schemas.microsoft.com/office/drawing/2014/main" id="{2109E420-CCE5-4496-B803-89F9E5D208FA}"/>
-              </a:ext>
-            </a:extLst>
-          </p:cNvPr>
-          <p:cNvSpPr/>
-          <p:nvPr/>
-        </p:nvSpPr>
-        <p:spPr>
-          <a:xfrm>
-            <a:off x="858374" y="4440996"/>
-            <a:ext cx="1241889" cy="1945517"/>
-          </a:xfrm>
-          <a:prstGeom prst="rect">
-            <a:avLst/>
-          </a:prstGeom>
-        </p:spPr>
-        <p:style>
-          <a:lnRef idx="2">
-            <a:schemeClr val="accent1">
-              <a:shade val="50000"/>
-            </a:schemeClr>
-          </a:lnRef>
-          <a:fillRef idx="1">
-            <a:schemeClr val="accent1"/>
-          </a:fillRef>
-          <a:effectRef idx="0">
-            <a:schemeClr val="accent1"/>
-          </a:effectRef>
-          <a:fontRef idx="minor">
-            <a:schemeClr val="lt1"/>
-          </a:fontRef>
-        </p:style>
-        <p:txBody>
-          <a:bodyPr rtlCol="1" anchor="ctr"/>
-          <a:lstStyle/>
-          <a:p>
-            <a:pPr algn="ctr"/>
-            <a:r>
-              <a:rPr lang="en-US" dirty="0"/>
-              <a:t>Page 1</a:t>
-            </a:r>
-            <a:endParaRPr lang="he-IL" dirty="0"/>
-          </a:p>
-        </p:txBody>
-      </p:sp>
-      <p:sp>
-        <p:nvSpPr>
-          <p:cNvPr id="5" name="תרשים זרימה: דיסק מגנטי 4">
-            <a:extLst>
-              <a:ext uri="{FF2B5EF4-FFF2-40B4-BE49-F238E27FC236}">
-                <a16:creationId xmlns:a16="http://schemas.microsoft.com/office/drawing/2014/main" id="{F084A738-B63B-45E7-9C83-D1330E6B0BE9}"/>
-              </a:ext>
-            </a:extLst>
-          </p:cNvPr>
-          <p:cNvSpPr/>
-          <p:nvPr/>
-        </p:nvSpPr>
-        <p:spPr>
-          <a:xfrm>
-            <a:off x="2314575" y="1935921"/>
-            <a:ext cx="914400" cy="1178754"/>
-          </a:xfrm>
-          <a:prstGeom prst="flowChartMagneticDisk">
-            <a:avLst/>
-          </a:prstGeom>
-        </p:spPr>
-        <p:style>
-          <a:lnRef idx="2">
-            <a:schemeClr val="accent1">
-              <a:shade val="50000"/>
-            </a:schemeClr>
-          </a:lnRef>
-          <a:fillRef idx="1">
-            <a:schemeClr val="accent1"/>
-          </a:fillRef>
-          <a:effectRef idx="0">
-            <a:schemeClr val="accent1"/>
-          </a:effectRef>
-          <a:fontRef idx="minor">
-            <a:schemeClr val="lt1"/>
-          </a:fontRef>
-        </p:style>
-        <p:txBody>
-          <a:bodyPr rtlCol="1" anchor="ctr"/>
-          <a:lstStyle/>
-          <a:p>
-            <a:pPr algn="ctr"/>
-            <a:endParaRPr lang="he-IL"/>
-          </a:p>
-        </p:txBody>
-      </p:sp>
-      <p:cxnSp>
-        <p:nvCxnSpPr>
-          <p:cNvPr id="7" name="מחבר חץ ישר 6">
-            <a:extLst>
-              <a:ext uri="{FF2B5EF4-FFF2-40B4-BE49-F238E27FC236}">
-                <a16:creationId xmlns:a16="http://schemas.microsoft.com/office/drawing/2014/main" id="{18DFD308-52C5-4A17-B3EF-739374523594}"/>
-              </a:ext>
-            </a:extLst>
-          </p:cNvPr>
-          <p:cNvCxnSpPr>
-            <a:stCxn id="5" idx="3"/>
-            <a:endCxn id="4" idx="0"/>
-          </p:cNvCxnSpPr>
-          <p:nvPr/>
-        </p:nvCxnSpPr>
-        <p:spPr>
-          <a:xfrm flipH="1">
-            <a:off x="1479319" y="3114675"/>
-            <a:ext cx="1292456" cy="1326321"/>
-          </a:xfrm>
-          <a:prstGeom prst="straightConnector1">
-            <a:avLst/>
-          </a:prstGeom>
-          <a:ln>
-            <a:tailEnd type="triangle"/>
-          </a:ln>
-        </p:spPr>
-        <p:style>
-          <a:lnRef idx="1">
-            <a:schemeClr val="accent1"/>
-          </a:lnRef>
-          <a:fillRef idx="0">
-            <a:schemeClr val="accent1"/>
-          </a:fillRef>
-          <a:effectRef idx="0">
-            <a:schemeClr val="accent1"/>
-          </a:effectRef>
-          <a:fontRef idx="minor">
-            <a:schemeClr val="tx1"/>
-          </a:fontRef>
-        </p:style>
-      </p:cxnSp>
-    </p:spTree>
-    <p:extLst>
-      <p:ext uri="{BB962C8B-B14F-4D97-AF65-F5344CB8AC3E}">
-        <p14:creationId xmlns:p14="http://schemas.microsoft.com/office/powerpoint/2010/main" val="3201305984"/>
-      </p:ext>
-    </p:extLst>
-  </p:cSld>
-  <p:clrMapOvr>
-    <a:masterClrMapping/>
-  </p:clrMapOvr>
-</p:sld>
-</file>
-
 <file path=ppt/slides/slide3.xml><?xml version="1.0" encoding="utf-8"?>
 <p:sld xmlns:a="http://schemas.openxmlformats.org/drawingml/2006/main" xmlns:r="http://schemas.openxmlformats.org/officeDocument/2006/relationships" xmlns:p="http://schemas.openxmlformats.org/presentationml/2006/main">
   <p:cSld>
@@ -11833,7 +12795,7 @@
                 <a16:creationId xmlns:a16="http://schemas.microsoft.com/office/drawing/2014/main" id="{3BFBA67F-0D4D-4C2E-A1D7-82D080A4B3AD}"/>
               </a:ext>
               <a:ext uri="{C183D7F6-B498-43B3-948B-1728B52AA6E4}">
-                <adec:decorative xmlns:adec="http://schemas.microsoft.com/office/drawing/2017/decorative" val="1"/>
+                <adec:decorative xmlns:adec="http://schemas.microsoft.com/office/drawing/2017/decorative" xmlns="" val="1"/>
               </a:ext>
             </a:extLst>
           </p:cNvPr>
@@ -11929,7 +12891,7 @@
                 <a16:creationId xmlns:a16="http://schemas.microsoft.com/office/drawing/2014/main" id="{EFA2AC96-1E47-421C-A03F-F98E354EB4E6}"/>
               </a:ext>
               <a:ext uri="{C183D7F6-B498-43B3-948B-1728B52AA6E4}">
-                <adec:decorative xmlns:adec="http://schemas.microsoft.com/office/drawing/2017/decorative" val="1"/>
+                <adec:decorative xmlns:adec="http://schemas.microsoft.com/office/drawing/2017/decorative" xmlns="" val="1"/>
               </a:ext>
             </a:extLst>
           </p:cNvPr>
@@ -12167,6 +13129,13 @@
   <p:clrMapOvr>
     <a:masterClrMapping/>
   </p:clrMapOvr>
+  <p:timing>
+    <p:tnLst>
+      <p:par>
+        <p:cTn id="1" dur="indefinite" restart="never" nodeType="tmRoot"/>
+      </p:par>
+    </p:tnLst>
+  </p:timing>
 </p:sld>
 </file>
 
@@ -12218,7 +13187,7 @@
                 <a16:creationId xmlns:a16="http://schemas.microsoft.com/office/drawing/2014/main" id="{3BFBA67F-0D4D-4C2E-A1D7-82D080A4B3AD}"/>
               </a:ext>
               <a:ext uri="{C183D7F6-B498-43B3-948B-1728B52AA6E4}">
-                <adec:decorative xmlns:adec="http://schemas.microsoft.com/office/drawing/2017/decorative" val="1"/>
+                <adec:decorative xmlns:adec="http://schemas.microsoft.com/office/drawing/2017/decorative" xmlns="" val="1"/>
               </a:ext>
             </a:extLst>
           </p:cNvPr>
@@ -12314,7 +13283,7 @@
                 <a16:creationId xmlns:a16="http://schemas.microsoft.com/office/drawing/2014/main" id="{EFA2AC96-1E47-421C-A03F-F98E354EB4E6}"/>
               </a:ext>
               <a:ext uri="{C183D7F6-B498-43B3-948B-1728B52AA6E4}">
-                <adec:decorative xmlns:adec="http://schemas.microsoft.com/office/drawing/2017/decorative" val="1"/>
+                <adec:decorative xmlns:adec="http://schemas.microsoft.com/office/drawing/2017/decorative" xmlns="" val="1"/>
               </a:ext>
             </a:extLst>
           </p:cNvPr>
@@ -12740,7 +13709,7 @@
                 <a16:creationId xmlns:a16="http://schemas.microsoft.com/office/drawing/2014/main" id="{3BFBA67F-0D4D-4C2E-A1D7-82D080A4B3AD}"/>
               </a:ext>
               <a:ext uri="{C183D7F6-B498-43B3-948B-1728B52AA6E4}">
-                <adec:decorative xmlns:adec="http://schemas.microsoft.com/office/drawing/2017/decorative" val="1"/>
+                <adec:decorative xmlns:adec="http://schemas.microsoft.com/office/drawing/2017/decorative" xmlns="" val="1"/>
               </a:ext>
             </a:extLst>
           </p:cNvPr>
@@ -12836,7 +13805,7 @@
                 <a16:creationId xmlns:a16="http://schemas.microsoft.com/office/drawing/2014/main" id="{EFA2AC96-1E47-421C-A03F-F98E354EB4E6}"/>
               </a:ext>
               <a:ext uri="{C183D7F6-B498-43B3-948B-1728B52AA6E4}">
-                <adec:decorative xmlns:adec="http://schemas.microsoft.com/office/drawing/2017/decorative" val="1"/>
+                <adec:decorative xmlns:adec="http://schemas.microsoft.com/office/drawing/2017/decorative" xmlns="" val="1"/>
               </a:ext>
             </a:extLst>
           </p:cNvPr>
@@ -13386,6 +14355,13 @@
   <p:clrMapOvr>
     <a:masterClrMapping/>
   </p:clrMapOvr>
+  <p:timing>
+    <p:tnLst>
+      <p:par>
+        <p:cTn id="1" dur="indefinite" restart="never" nodeType="tmRoot"/>
+      </p:par>
+    </p:tnLst>
+  </p:timing>
 </p:sld>
 </file>
 
@@ -13437,7 +14413,7 @@
                 <a16:creationId xmlns:a16="http://schemas.microsoft.com/office/drawing/2014/main" id="{3BFBA67F-0D4D-4C2E-A1D7-82D080A4B3AD}"/>
               </a:ext>
               <a:ext uri="{C183D7F6-B498-43B3-948B-1728B52AA6E4}">
-                <adec:decorative xmlns:adec="http://schemas.microsoft.com/office/drawing/2017/decorative" val="1"/>
+                <adec:decorative xmlns:adec="http://schemas.microsoft.com/office/drawing/2017/decorative" xmlns="" val="1"/>
               </a:ext>
             </a:extLst>
           </p:cNvPr>
@@ -13533,7 +14509,7 @@
                 <a16:creationId xmlns:a16="http://schemas.microsoft.com/office/drawing/2014/main" id="{EFA2AC96-1E47-421C-A03F-F98E354EB4E6}"/>
               </a:ext>
               <a:ext uri="{C183D7F6-B498-43B3-948B-1728B52AA6E4}">
-                <adec:decorative xmlns:adec="http://schemas.microsoft.com/office/drawing/2017/decorative" val="1"/>
+                <adec:decorative xmlns:adec="http://schemas.microsoft.com/office/drawing/2017/decorative" xmlns="" val="1"/>
               </a:ext>
             </a:extLst>
           </p:cNvPr>
@@ -14083,6 +15059,13 @@
   <p:clrMapOvr>
     <a:masterClrMapping/>
   </p:clrMapOvr>
+  <p:timing>
+    <p:tnLst>
+      <p:par>
+        <p:cTn id="1" dur="indefinite" restart="never" nodeType="tmRoot"/>
+      </p:par>
+    </p:tnLst>
+  </p:timing>
 </p:sld>
 </file>
 
@@ -14134,7 +15117,7 @@
                 <a16:creationId xmlns:a16="http://schemas.microsoft.com/office/drawing/2014/main" id="{3BFBA67F-0D4D-4C2E-A1D7-82D080A4B3AD}"/>
               </a:ext>
               <a:ext uri="{C183D7F6-B498-43B3-948B-1728B52AA6E4}">
-                <adec:decorative xmlns:adec="http://schemas.microsoft.com/office/drawing/2017/decorative" val="1"/>
+                <adec:decorative xmlns:adec="http://schemas.microsoft.com/office/drawing/2017/decorative" xmlns="" val="1"/>
               </a:ext>
             </a:extLst>
           </p:cNvPr>
@@ -14230,7 +15213,7 @@
                 <a16:creationId xmlns:a16="http://schemas.microsoft.com/office/drawing/2014/main" id="{EFA2AC96-1E47-421C-A03F-F98E354EB4E6}"/>
               </a:ext>
               <a:ext uri="{C183D7F6-B498-43B3-948B-1728B52AA6E4}">
-                <adec:decorative xmlns:adec="http://schemas.microsoft.com/office/drawing/2017/decorative" val="1"/>
+                <adec:decorative xmlns:adec="http://schemas.microsoft.com/office/drawing/2017/decorative" xmlns="" val="1"/>
               </a:ext>
             </a:extLst>
           </p:cNvPr>
@@ -15004,7 +15987,7 @@
                 <a16:creationId xmlns:a16="http://schemas.microsoft.com/office/drawing/2014/main" id="{3BFBA67F-0D4D-4C2E-A1D7-82D080A4B3AD}"/>
               </a:ext>
               <a:ext uri="{C183D7F6-B498-43B3-948B-1728B52AA6E4}">
-                <adec:decorative xmlns:adec="http://schemas.microsoft.com/office/drawing/2017/decorative" val="1"/>
+                <adec:decorative xmlns:adec="http://schemas.microsoft.com/office/drawing/2017/decorative" xmlns="" val="1"/>
               </a:ext>
             </a:extLst>
           </p:cNvPr>
@@ -15100,7 +16083,7 @@
                 <a16:creationId xmlns:a16="http://schemas.microsoft.com/office/drawing/2014/main" id="{EFA2AC96-1E47-421C-A03F-F98E354EB4E6}"/>
               </a:ext>
               <a:ext uri="{C183D7F6-B498-43B3-948B-1728B52AA6E4}">
-                <adec:decorative xmlns:adec="http://schemas.microsoft.com/office/drawing/2017/decorative" val="1"/>
+                <adec:decorative xmlns:adec="http://schemas.microsoft.com/office/drawing/2017/decorative" xmlns="" val="1"/>
               </a:ext>
             </a:extLst>
           </p:cNvPr>
@@ -15606,6 +16589,13 @@
   <p:clrMapOvr>
     <a:masterClrMapping/>
   </p:clrMapOvr>
+  <p:timing>
+    <p:tnLst>
+      <p:par>
+        <p:cTn id="1" dur="indefinite" restart="never" nodeType="tmRoot"/>
+      </p:par>
+    </p:tnLst>
+  </p:timing>
 </p:sld>
 </file>
 
@@ -15657,7 +16647,7 @@
                 <a16:creationId xmlns:a16="http://schemas.microsoft.com/office/drawing/2014/main" id="{3BFBA67F-0D4D-4C2E-A1D7-82D080A4B3AD}"/>
               </a:ext>
               <a:ext uri="{C183D7F6-B498-43B3-948B-1728B52AA6E4}">
-                <adec:decorative xmlns:adec="http://schemas.microsoft.com/office/drawing/2017/decorative" val="1"/>
+                <adec:decorative xmlns:adec="http://schemas.microsoft.com/office/drawing/2017/decorative" xmlns="" val="1"/>
               </a:ext>
             </a:extLst>
           </p:cNvPr>
@@ -15753,7 +16743,7 @@
                 <a16:creationId xmlns:a16="http://schemas.microsoft.com/office/drawing/2014/main" id="{EFA2AC96-1E47-421C-A03F-F98E354EB4E6}"/>
               </a:ext>
               <a:ext uri="{C183D7F6-B498-43B3-948B-1728B52AA6E4}">
-                <adec:decorative xmlns:adec="http://schemas.microsoft.com/office/drawing/2017/decorative" val="1"/>
+                <adec:decorative xmlns:adec="http://schemas.microsoft.com/office/drawing/2017/decorative" xmlns="" val="1"/>
               </a:ext>
             </a:extLst>
           </p:cNvPr>
@@ -16609,6 +17599,13 @@
   <p:clrMapOvr>
     <a:masterClrMapping/>
   </p:clrMapOvr>
+  <p:timing>
+    <p:tnLst>
+      <p:par>
+        <p:cTn id="1" dur="indefinite" restart="never" nodeType="tmRoot"/>
+      </p:par>
+    </p:tnLst>
+  </p:timing>
 </p:sld>
 </file>
 

--- a/SPA/React/react.pptx
+++ b/SPA/React/react.pptx
@@ -20,28 +20,29 @@
     <p:sldId id="267" r:id="rId14"/>
     <p:sldId id="263" r:id="rId15"/>
     <p:sldId id="264" r:id="rId16"/>
-    <p:sldId id="268" r:id="rId17"/>
-    <p:sldId id="269" r:id="rId18"/>
-    <p:sldId id="270" r:id="rId19"/>
-    <p:sldId id="272" r:id="rId20"/>
-    <p:sldId id="273" r:id="rId21"/>
+    <p:sldId id="277" r:id="rId17"/>
+    <p:sldId id="268" r:id="rId18"/>
+    <p:sldId id="269" r:id="rId19"/>
+    <p:sldId id="270" r:id="rId20"/>
+    <p:sldId id="272" r:id="rId21"/>
+    <p:sldId id="273" r:id="rId22"/>
   </p:sldIdLst>
   <p:sldSz cx="12192000" cy="6858000"/>
   <p:notesSz cx="6858000" cy="9144000"/>
   <p:embeddedFontLst>
     <p:embeddedFont>
-      <p:font typeface="Rockwell" panose="02060603020205020403" pitchFamily="18" charset="0"/>
-      <p:regular r:id="rId22"/>
-      <p:bold r:id="rId23"/>
-      <p:italic r:id="rId24"/>
-      <p:boldItalic r:id="rId25"/>
+      <p:font typeface="Bookman Old Style" panose="02050604050505020204" pitchFamily="18" charset="0"/>
+      <p:regular r:id="rId23"/>
+      <p:bold r:id="rId24"/>
+      <p:italic r:id="rId25"/>
+      <p:boldItalic r:id="rId26"/>
     </p:embeddedFont>
     <p:embeddedFont>
-      <p:font typeface="Bookman Old Style" panose="02050604050505020204" pitchFamily="18" charset="0"/>
-      <p:regular r:id="rId26"/>
-      <p:bold r:id="rId27"/>
-      <p:italic r:id="rId28"/>
-      <p:boldItalic r:id="rId29"/>
+      <p:font typeface="Rockwell" panose="02060603020205020403" pitchFamily="18" charset="0"/>
+      <p:regular r:id="rId27"/>
+      <p:bold r:id="rId28"/>
+      <p:italic r:id="rId29"/>
+      <p:boldItalic r:id="rId30"/>
     </p:embeddedFont>
   </p:embeddedFontLst>
   <p:defaultTextStyle>
@@ -280,7 +281,7 @@
           <a:p>
             <a:fld id="{165B7021-42A5-46F1-9A14-1EDB131AF606}" type="datetimeFigureOut">
               <a:rPr lang="he-IL" smtClean="0"/>
-              <a:t>כ"ט/חשון/תש"פ</a:t>
+              <a:t>י"ב/חשון/תשפ"ב</a:t>
             </a:fld>
             <a:endParaRPr lang="he-IL"/>
           </a:p>
@@ -567,7 +568,7 @@
           <a:p>
             <a:fld id="{165B7021-42A5-46F1-9A14-1EDB131AF606}" type="datetimeFigureOut">
               <a:rPr lang="he-IL" smtClean="0"/>
-              <a:t>כ"ט/חשון/תש"פ</a:t>
+              <a:t>י"ב/חשון/תשפ"ב</a:t>
             </a:fld>
             <a:endParaRPr lang="he-IL"/>
           </a:p>
@@ -759,7 +760,7 @@
           <a:p>
             <a:fld id="{165B7021-42A5-46F1-9A14-1EDB131AF606}" type="datetimeFigureOut">
               <a:rPr lang="he-IL" smtClean="0"/>
-              <a:t>כ"ט/חשון/תש"פ</a:t>
+              <a:t>י"ב/חשון/תשפ"ב</a:t>
             </a:fld>
             <a:endParaRPr lang="he-IL"/>
           </a:p>
@@ -1020,7 +1021,7 @@
           <a:p>
             <a:fld id="{165B7021-42A5-46F1-9A14-1EDB131AF606}" type="datetimeFigureOut">
               <a:rPr lang="he-IL" smtClean="0"/>
-              <a:t>כ"ט/חשון/תש"פ</a:t>
+              <a:t>י"ב/חשון/תשפ"ב</a:t>
             </a:fld>
             <a:endParaRPr lang="he-IL"/>
           </a:p>
@@ -1444,7 +1445,7 @@
           <a:p>
             <a:fld id="{165B7021-42A5-46F1-9A14-1EDB131AF606}" type="datetimeFigureOut">
               <a:rPr lang="he-IL" smtClean="0"/>
-              <a:t>כ"ט/חשון/תש"פ</a:t>
+              <a:t>י"ב/חשון/תשפ"ב</a:t>
             </a:fld>
             <a:endParaRPr lang="he-IL"/>
           </a:p>
@@ -1990,7 +1991,7 @@
           <a:p>
             <a:fld id="{165B7021-42A5-46F1-9A14-1EDB131AF606}" type="datetimeFigureOut">
               <a:rPr lang="he-IL" smtClean="0"/>
-              <a:t>כ"ט/חשון/תש"פ</a:t>
+              <a:t>י"ב/חשון/תשפ"ב</a:t>
             </a:fld>
             <a:endParaRPr lang="he-IL"/>
           </a:p>
@@ -2830,7 +2831,7 @@
           <a:p>
             <a:fld id="{165B7021-42A5-46F1-9A14-1EDB131AF606}" type="datetimeFigureOut">
               <a:rPr lang="he-IL" smtClean="0"/>
-              <a:t>כ"ט/חשון/תש"פ</a:t>
+              <a:t>י"ב/חשון/תשפ"ב</a:t>
             </a:fld>
             <a:endParaRPr lang="he-IL"/>
           </a:p>
@@ -3000,7 +3001,7 @@
           <a:p>
             <a:fld id="{165B7021-42A5-46F1-9A14-1EDB131AF606}" type="datetimeFigureOut">
               <a:rPr lang="he-IL" smtClean="0"/>
-              <a:t>כ"ט/חשון/תש"פ</a:t>
+              <a:t>י"ב/חשון/תשפ"ב</a:t>
             </a:fld>
             <a:endParaRPr lang="he-IL"/>
           </a:p>
@@ -3184,7 +3185,7 @@
           <a:p>
             <a:fld id="{165B7021-42A5-46F1-9A14-1EDB131AF606}" type="datetimeFigureOut">
               <a:rPr lang="he-IL" smtClean="0"/>
-              <a:t>כ"ט/חשון/תש"פ</a:t>
+              <a:t>י"ב/חשון/תשפ"ב</a:t>
             </a:fld>
             <a:endParaRPr lang="he-IL"/>
           </a:p>
@@ -3354,7 +3355,7 @@
           <a:p>
             <a:fld id="{165B7021-42A5-46F1-9A14-1EDB131AF606}" type="datetimeFigureOut">
               <a:rPr lang="he-IL" smtClean="0"/>
-              <a:t>כ"ט/חשון/תש"פ</a:t>
+              <a:t>י"ב/חשון/תשפ"ב</a:t>
             </a:fld>
             <a:endParaRPr lang="he-IL"/>
           </a:p>
@@ -3602,7 +3603,7 @@
           <a:p>
             <a:fld id="{165B7021-42A5-46F1-9A14-1EDB131AF606}" type="datetimeFigureOut">
               <a:rPr lang="he-IL" smtClean="0"/>
-              <a:t>כ"ט/חשון/תש"פ</a:t>
+              <a:t>י"ב/חשון/תשפ"ב</a:t>
             </a:fld>
             <a:endParaRPr lang="he-IL"/>
           </a:p>
@@ -3839,7 +3840,7 @@
           <a:p>
             <a:fld id="{165B7021-42A5-46F1-9A14-1EDB131AF606}" type="datetimeFigureOut">
               <a:rPr lang="he-IL" smtClean="0"/>
-              <a:t>כ"ט/חשון/תש"פ</a:t>
+              <a:t>י"ב/חשון/תשפ"ב</a:t>
             </a:fld>
             <a:endParaRPr lang="he-IL"/>
           </a:p>
@@ -4212,7 +4213,7 @@
           <a:p>
             <a:fld id="{165B7021-42A5-46F1-9A14-1EDB131AF606}" type="datetimeFigureOut">
               <a:rPr lang="he-IL" smtClean="0"/>
-              <a:t>כ"ט/חשון/תש"פ</a:t>
+              <a:t>י"ב/חשון/תשפ"ב</a:t>
             </a:fld>
             <a:endParaRPr lang="he-IL"/>
           </a:p>
@@ -4330,7 +4331,7 @@
           <a:p>
             <a:fld id="{165B7021-42A5-46F1-9A14-1EDB131AF606}" type="datetimeFigureOut">
               <a:rPr lang="he-IL" smtClean="0"/>
-              <a:t>כ"ט/חשון/תש"פ</a:t>
+              <a:t>י"ב/חשון/תשפ"ב</a:t>
             </a:fld>
             <a:endParaRPr lang="he-IL"/>
           </a:p>
@@ -4425,7 +4426,7 @@
           <a:p>
             <a:fld id="{165B7021-42A5-46F1-9A14-1EDB131AF606}" type="datetimeFigureOut">
               <a:rPr lang="he-IL" smtClean="0"/>
-              <a:t>כ"ט/חשון/תש"פ</a:t>
+              <a:t>י"ב/חשון/תשפ"ב</a:t>
             </a:fld>
             <a:endParaRPr lang="he-IL"/>
           </a:p>
@@ -4676,7 +4677,7 @@
           <a:p>
             <a:fld id="{165B7021-42A5-46F1-9A14-1EDB131AF606}" type="datetimeFigureOut">
               <a:rPr lang="he-IL" smtClean="0"/>
-              <a:t>כ"ט/חשון/תש"פ</a:t>
+              <a:t>י"ב/חשון/תשפ"ב</a:t>
             </a:fld>
             <a:endParaRPr lang="he-IL"/>
           </a:p>
@@ -4963,7 +4964,7 @@
           <a:p>
             <a:fld id="{165B7021-42A5-46F1-9A14-1EDB131AF606}" type="datetimeFigureOut">
               <a:rPr lang="he-IL" smtClean="0"/>
-              <a:t>כ"ט/חשון/תש"פ</a:t>
+              <a:t>י"ב/חשון/תשפ"ב</a:t>
             </a:fld>
             <a:endParaRPr lang="he-IL"/>
           </a:p>
@@ -5176,7 +5177,7 @@
           <a:p>
             <a:fld id="{165B7021-42A5-46F1-9A14-1EDB131AF606}" type="datetimeFigureOut">
               <a:rPr lang="he-IL" smtClean="0"/>
-              <a:t>כ"ט/חשון/תש"פ</a:t>
+              <a:t>י"ב/חשון/תשפ"ב</a:t>
             </a:fld>
             <a:endParaRPr lang="he-IL"/>
           </a:p>
@@ -5659,7 +5660,6 @@
                 <a:lumMod val="116000"/>
               </a:schemeClr>
             </a:duotone>
-            <a:extLst/>
           </a:blip>
           <a:stretch/>
         </a:blipFill>
@@ -5688,7 +5688,7 @@
                 <a16:creationId xmlns:a16="http://schemas.microsoft.com/office/drawing/2014/main" id="{70068059-9097-4F05-BA38-CDD7DBF77372}"/>
               </a:ext>
               <a:ext uri="{C183D7F6-B498-43B3-948B-1728B52AA6E4}">
-                <adec:decorative xmlns:adec="http://schemas.microsoft.com/office/drawing/2017/decorative" xmlns="" val="1"/>
+                <adec:decorative xmlns:adec="http://schemas.microsoft.com/office/drawing/2017/decorative" val="1"/>
               </a:ext>
             </a:extLst>
           </p:cNvPr>
@@ -5748,7 +5748,7 @@
                 <a16:creationId xmlns:a16="http://schemas.microsoft.com/office/drawing/2014/main" id="{E164A015-EDB3-4688-8B77-9255305411E1}"/>
               </a:ext>
               <a:ext uri="{C183D7F6-B498-43B3-948B-1728B52AA6E4}">
-                <adec:decorative xmlns:adec="http://schemas.microsoft.com/office/drawing/2017/decorative" xmlns="" val="1"/>
+                <adec:decorative xmlns:adec="http://schemas.microsoft.com/office/drawing/2017/decorative" val="1"/>
               </a:ext>
             </a:extLst>
           </p:cNvPr>
@@ -5889,13 +5889,6 @@
   <p:clrMapOvr>
     <a:masterClrMapping/>
   </p:clrMapOvr>
-  <p:timing>
-    <p:tnLst>
-      <p:par>
-        <p:cTn id="1" dur="indefinite" restart="never" nodeType="tmRoot"/>
-      </p:par>
-    </p:tnLst>
-  </p:timing>
 </p:sld>
 </file>
 
@@ -5918,7 +5911,6 @@
                 <a:lumMod val="116000"/>
               </a:schemeClr>
             </a:duotone>
-            <a:extLst/>
           </a:blip>
           <a:stretch/>
         </a:blipFill>
@@ -5947,7 +5939,7 @@
                 <a16:creationId xmlns:a16="http://schemas.microsoft.com/office/drawing/2014/main" id="{3BFBA67F-0D4D-4C2E-A1D7-82D080A4B3AD}"/>
               </a:ext>
               <a:ext uri="{C183D7F6-B498-43B3-948B-1728B52AA6E4}">
-                <adec:decorative xmlns:adec="http://schemas.microsoft.com/office/drawing/2017/decorative" xmlns="" val="1"/>
+                <adec:decorative xmlns:adec="http://schemas.microsoft.com/office/drawing/2017/decorative" val="1"/>
               </a:ext>
             </a:extLst>
           </p:cNvPr>
@@ -6028,7 +6020,7 @@
           <a:lstStyle/>
           <a:p>
             <a:r>
-              <a:rPr lang="en-US" dirty="0" smtClean="0"/>
+              <a:rPr lang="en-US" dirty="0"/>
               <a:t>Passing props</a:t>
             </a:r>
             <a:endParaRPr lang="he-IL" dirty="0"/>
@@ -6043,7 +6035,7 @@
                 <a16:creationId xmlns:a16="http://schemas.microsoft.com/office/drawing/2014/main" id="{EFA2AC96-1E47-421C-A03F-F98E354EB4E6}"/>
               </a:ext>
               <a:ext uri="{C183D7F6-B498-43B3-948B-1728B52AA6E4}">
-                <adec:decorative xmlns:adec="http://schemas.microsoft.com/office/drawing/2017/decorative" xmlns="" val="1"/>
+                <adec:decorative xmlns:adec="http://schemas.microsoft.com/office/drawing/2017/decorative" val="1"/>
               </a:ext>
             </a:extLst>
           </p:cNvPr>
@@ -6260,10 +6252,9 @@
           <a:lstStyle/>
           <a:p>
             <a:r>
-              <a:rPr lang="en-US" sz="1400" dirty="0" smtClean="0"/>
+              <a:rPr lang="en-US" sz="1400" dirty="0"/>
               <a:t>Props</a:t>
             </a:r>
-            <a:endParaRPr lang="en-US" sz="1400" dirty="0"/>
           </a:p>
         </p:txBody>
       </p:sp>
@@ -6289,10 +6280,9 @@
           <a:lstStyle/>
           <a:p>
             <a:r>
-              <a:rPr lang="en-US" dirty="0" smtClean="0"/>
+              <a:rPr lang="en-US" dirty="0"/>
               <a:t>&lt;Components title=‘something’ /&gt;</a:t>
             </a:r>
-            <a:endParaRPr lang="en-US" dirty="0"/>
           </a:p>
         </p:txBody>
       </p:sp>
@@ -6318,18 +6308,17 @@
           <a:lstStyle/>
           <a:p>
             <a:r>
-              <a:rPr lang="en-US" dirty="0" smtClean="0"/>
+              <a:rPr lang="en-US" dirty="0"/>
               <a:t>&lt;div&gt;{</a:t>
             </a:r>
             <a:r>
-              <a:rPr lang="en-US" dirty="0" err="1" smtClean="0"/>
+              <a:rPr lang="en-US" dirty="0" err="1"/>
               <a:t>props.title</a:t>
             </a:r>
             <a:r>
-              <a:rPr lang="en-US" dirty="0" smtClean="0"/>
+              <a:rPr lang="en-US" dirty="0"/>
               <a:t>}&lt;/div&gt;</a:t>
             </a:r>
-            <a:endParaRPr lang="en-US" dirty="0"/>
           </a:p>
         </p:txBody>
       </p:sp>
@@ -6420,13 +6409,6 @@
   <p:clrMapOvr>
     <a:masterClrMapping/>
   </p:clrMapOvr>
-  <p:timing>
-    <p:tnLst>
-      <p:par>
-        <p:cTn id="1" dur="indefinite" restart="never" nodeType="tmRoot"/>
-      </p:par>
-    </p:tnLst>
-  </p:timing>
 </p:sld>
 </file>
 
@@ -6449,7 +6431,6 @@
                 <a:lumMod val="116000"/>
               </a:schemeClr>
             </a:duotone>
-            <a:extLst/>
           </a:blip>
           <a:stretch/>
         </a:blipFill>
@@ -6478,7 +6459,7 @@
                 <a16:creationId xmlns:a16="http://schemas.microsoft.com/office/drawing/2014/main" id="{3BFBA67F-0D4D-4C2E-A1D7-82D080A4B3AD}"/>
               </a:ext>
               <a:ext uri="{C183D7F6-B498-43B3-948B-1728B52AA6E4}">
-                <adec:decorative xmlns:adec="http://schemas.microsoft.com/office/drawing/2017/decorative" xmlns="" val="1"/>
+                <adec:decorative xmlns:adec="http://schemas.microsoft.com/office/drawing/2017/decorative" val="1"/>
               </a:ext>
             </a:extLst>
           </p:cNvPr>
@@ -6559,7 +6540,7 @@
           <a:lstStyle/>
           <a:p>
             <a:r>
-              <a:rPr lang="en-US" dirty="0" smtClean="0"/>
+              <a:rPr lang="en-US" dirty="0"/>
               <a:t>Changing component state</a:t>
             </a:r>
             <a:endParaRPr lang="he-IL" dirty="0"/>
@@ -6574,7 +6555,7 @@
                 <a16:creationId xmlns:a16="http://schemas.microsoft.com/office/drawing/2014/main" id="{EFA2AC96-1E47-421C-A03F-F98E354EB4E6}"/>
               </a:ext>
               <a:ext uri="{C183D7F6-B498-43B3-948B-1728B52AA6E4}">
-                <adec:decorative xmlns:adec="http://schemas.microsoft.com/office/drawing/2017/decorative" xmlns="" val="1"/>
+                <adec:decorative xmlns:adec="http://schemas.microsoft.com/office/drawing/2017/decorative" val="1"/>
               </a:ext>
             </a:extLst>
           </p:cNvPr>
@@ -6679,7 +6660,7 @@
           <a:p>
             <a:pPr algn="ctr"/>
             <a:r>
-              <a:rPr lang="en-US" sz="2800" dirty="0" smtClean="0"/>
+              <a:rPr lang="en-US" sz="2800" dirty="0"/>
               <a:t>Components</a:t>
             </a:r>
             <a:endParaRPr lang="he-IL" sz="2800" dirty="0"/>
@@ -6710,33 +6691,28 @@
           <a:p>
             <a:r>
               <a:rPr lang="en-US" dirty="0" err="1"/>
-              <a:t>c</a:t>
-            </a:r>
-            <a:r>
-              <a:rPr lang="en-US" dirty="0" err="1" smtClean="0"/>
-              <a:t>onst</a:t>
-            </a:r>
-            <a:r>
-              <a:rPr lang="en-US" dirty="0" smtClean="0"/>
+              <a:t>const</a:t>
+            </a:r>
+            <a:r>
+              <a:rPr lang="en-US" dirty="0"/>
               <a:t> = [color, </a:t>
             </a:r>
             <a:r>
-              <a:rPr lang="en-US" dirty="0" err="1" smtClean="0"/>
+              <a:rPr lang="en-US" dirty="0" err="1"/>
               <a:t>setColor</a:t>
             </a:r>
             <a:r>
-              <a:rPr lang="en-US" dirty="0" smtClean="0"/>
+              <a:rPr lang="en-US" dirty="0"/>
               <a:t>] = </a:t>
             </a:r>
             <a:r>
-              <a:rPr lang="en-US" dirty="0" err="1" smtClean="0"/>
+              <a:rPr lang="en-US" dirty="0" err="1"/>
               <a:t>useState</a:t>
             </a:r>
             <a:r>
-              <a:rPr lang="en-US" dirty="0" smtClean="0"/>
+              <a:rPr lang="en-US" dirty="0"/>
               <a:t>(‘initial color’)</a:t>
             </a:r>
-            <a:endParaRPr lang="en-US" dirty="0"/>
           </a:p>
         </p:txBody>
       </p:sp>
@@ -6763,14 +6739,13 @@
           <a:lstStyle/>
           <a:p>
             <a:r>
-              <a:rPr lang="en-US" dirty="0" err="1" smtClean="0"/>
+              <a:rPr lang="en-US" dirty="0" err="1"/>
               <a:t>setColor</a:t>
             </a:r>
             <a:r>
-              <a:rPr lang="en-US" dirty="0" smtClean="0"/>
+              <a:rPr lang="en-US" dirty="0"/>
               <a:t>(‘new color’)</a:t>
             </a:r>
-            <a:endParaRPr lang="en-US" dirty="0"/>
           </a:p>
         </p:txBody>
       </p:sp>
@@ -6797,10 +6772,9 @@
           <a:lstStyle/>
           <a:p>
             <a:r>
-              <a:rPr lang="en-US" dirty="0" smtClean="0"/>
+              <a:rPr lang="en-US" dirty="0"/>
               <a:t>The UI will update </a:t>
             </a:r>
-            <a:endParaRPr lang="en-US" dirty="0"/>
           </a:p>
         </p:txBody>
       </p:sp>
@@ -6814,13 +6788,6 @@
   <p:clrMapOvr>
     <a:masterClrMapping/>
   </p:clrMapOvr>
-  <p:timing>
-    <p:tnLst>
-      <p:par>
-        <p:cTn id="1" dur="indefinite" restart="never" nodeType="tmRoot"/>
-      </p:par>
-    </p:tnLst>
-  </p:timing>
 </p:sld>
 </file>
 
@@ -6843,7 +6810,6 @@
                 <a:lumMod val="116000"/>
               </a:schemeClr>
             </a:duotone>
-            <a:extLst/>
           </a:blip>
           <a:stretch/>
         </a:blipFill>
@@ -6872,7 +6838,7 @@
                 <a16:creationId xmlns:a16="http://schemas.microsoft.com/office/drawing/2014/main" id="{3BFBA67F-0D4D-4C2E-A1D7-82D080A4B3AD}"/>
               </a:ext>
               <a:ext uri="{C183D7F6-B498-43B3-948B-1728B52AA6E4}">
-                <adec:decorative xmlns:adec="http://schemas.microsoft.com/office/drawing/2017/decorative" xmlns="" val="1"/>
+                <adec:decorative xmlns:adec="http://schemas.microsoft.com/office/drawing/2017/decorative" val="1"/>
               </a:ext>
             </a:extLst>
           </p:cNvPr>
@@ -6968,7 +6934,7 @@
                 <a16:creationId xmlns:a16="http://schemas.microsoft.com/office/drawing/2014/main" id="{EFA2AC96-1E47-421C-A03F-F98E354EB4E6}"/>
               </a:ext>
               <a:ext uri="{C183D7F6-B498-43B3-948B-1728B52AA6E4}">
-                <adec:decorative xmlns:adec="http://schemas.microsoft.com/office/drawing/2017/decorative" xmlns="" val="1"/>
+                <adec:decorative xmlns:adec="http://schemas.microsoft.com/office/drawing/2017/decorative" val="1"/>
               </a:ext>
             </a:extLst>
           </p:cNvPr>
@@ -8060,13 +8026,6 @@
   <p:clrMapOvr>
     <a:masterClrMapping/>
   </p:clrMapOvr>
-  <p:timing>
-    <p:tnLst>
-      <p:par>
-        <p:cTn id="1" dur="indefinite" restart="never" nodeType="tmRoot"/>
-      </p:par>
-    </p:tnLst>
-  </p:timing>
 </p:sld>
 </file>
 
@@ -8089,7 +8048,6 @@
                 <a:lumMod val="116000"/>
               </a:schemeClr>
             </a:duotone>
-            <a:extLst/>
           </a:blip>
           <a:stretch/>
         </a:blipFill>
@@ -8118,7 +8076,7 @@
                 <a16:creationId xmlns:a16="http://schemas.microsoft.com/office/drawing/2014/main" id="{3BFBA67F-0D4D-4C2E-A1D7-82D080A4B3AD}"/>
               </a:ext>
               <a:ext uri="{C183D7F6-B498-43B3-948B-1728B52AA6E4}">
-                <adec:decorative xmlns:adec="http://schemas.microsoft.com/office/drawing/2017/decorative" xmlns="" val="1"/>
+                <adec:decorative xmlns:adec="http://schemas.microsoft.com/office/drawing/2017/decorative" val="1"/>
               </a:ext>
             </a:extLst>
           </p:cNvPr>
@@ -8214,7 +8172,7 @@
                 <a16:creationId xmlns:a16="http://schemas.microsoft.com/office/drawing/2014/main" id="{EFA2AC96-1E47-421C-A03F-F98E354EB4E6}"/>
               </a:ext>
               <a:ext uri="{C183D7F6-B498-43B3-948B-1728B52AA6E4}">
-                <adec:decorative xmlns:adec="http://schemas.microsoft.com/office/drawing/2017/decorative" xmlns="" val="1"/>
+                <adec:decorative xmlns:adec="http://schemas.microsoft.com/office/drawing/2017/decorative" val="1"/>
               </a:ext>
             </a:extLst>
           </p:cNvPr>
@@ -9129,13 +9087,6 @@
   <p:clrMapOvr>
     <a:masterClrMapping/>
   </p:clrMapOvr>
-  <p:timing>
-    <p:tnLst>
-      <p:par>
-        <p:cTn id="1" dur="indefinite" restart="never" nodeType="tmRoot"/>
-      </p:par>
-    </p:tnLst>
-  </p:timing>
 </p:sld>
 </file>
 
@@ -9362,13 +9313,6 @@
   <p:clrMapOvr>
     <a:masterClrMapping/>
   </p:clrMapOvr>
-  <p:timing>
-    <p:tnLst>
-      <p:par>
-        <p:cTn id="1" dur="indefinite" restart="never" nodeType="tmRoot"/>
-      </p:par>
-    </p:tnLst>
-  </p:timing>
 </p:sld>
 </file>
 
@@ -9500,6 +9444,162 @@
 <file path=ppt/slides/slide16.xml><?xml version="1.0" encoding="utf-8"?>
 <p:sld xmlns:a="http://schemas.openxmlformats.org/drawingml/2006/main" xmlns:r="http://schemas.openxmlformats.org/officeDocument/2006/relationships" xmlns:p="http://schemas.openxmlformats.org/presentationml/2006/main">
   <p:cSld>
+    <p:spTree>
+      <p:nvGrpSpPr>
+        <p:cNvPr id="1" name=""/>
+        <p:cNvGrpSpPr/>
+        <p:nvPr/>
+      </p:nvGrpSpPr>
+      <p:grpSpPr>
+        <a:xfrm>
+          <a:off x="0" y="0"/>
+          <a:ext cx="0" cy="0"/>
+          <a:chOff x="0" y="0"/>
+          <a:chExt cx="0" cy="0"/>
+        </a:xfrm>
+      </p:grpSpPr>
+      <p:sp>
+        <p:nvSpPr>
+          <p:cNvPr id="2" name="Title 1">
+            <a:extLst>
+              <a:ext uri="{FF2B5EF4-FFF2-40B4-BE49-F238E27FC236}">
+                <a16:creationId xmlns:a16="http://schemas.microsoft.com/office/drawing/2014/main" id="{31641A86-D198-467A-A195-744E2648486C}"/>
+              </a:ext>
+            </a:extLst>
+          </p:cNvPr>
+          <p:cNvSpPr>
+            <a:spLocks noGrp="1"/>
+          </p:cNvSpPr>
+          <p:nvPr>
+            <p:ph type="title"/>
+          </p:nvPr>
+        </p:nvSpPr>
+        <p:spPr/>
+        <p:txBody>
+          <a:bodyPr/>
+          <a:lstStyle/>
+          <a:p>
+            <a:r>
+              <a:rPr lang="en-US" dirty="0"/>
+              <a:t>Install</a:t>
+            </a:r>
+            <a:endParaRPr lang="en-IL" dirty="0"/>
+          </a:p>
+        </p:txBody>
+      </p:sp>
+      <p:pic>
+        <p:nvPicPr>
+          <p:cNvPr id="5" name="Picture 4">
+            <a:extLst>
+              <a:ext uri="{FF2B5EF4-FFF2-40B4-BE49-F238E27FC236}">
+                <a16:creationId xmlns:a16="http://schemas.microsoft.com/office/drawing/2014/main" id="{3C4448DA-90D3-4FC6-BDA6-6C011CF6CB35}"/>
+              </a:ext>
+            </a:extLst>
+          </p:cNvPr>
+          <p:cNvPicPr>
+            <a:picLocks noChangeAspect="1"/>
+          </p:cNvPicPr>
+          <p:nvPr/>
+        </p:nvPicPr>
+        <p:blipFill>
+          <a:blip r:embed="rId2"/>
+          <a:stretch>
+            <a:fillRect/>
+          </a:stretch>
+        </p:blipFill>
+        <p:spPr>
+          <a:xfrm>
+            <a:off x="0" y="3098307"/>
+            <a:ext cx="12192001" cy="506930"/>
+          </a:xfrm>
+          <a:prstGeom prst="rect">
+            <a:avLst/>
+          </a:prstGeom>
+        </p:spPr>
+      </p:pic>
+      <p:pic>
+        <p:nvPicPr>
+          <p:cNvPr id="7" name="Picture 6">
+            <a:extLst>
+              <a:ext uri="{FF2B5EF4-FFF2-40B4-BE49-F238E27FC236}">
+                <a16:creationId xmlns:a16="http://schemas.microsoft.com/office/drawing/2014/main" id="{1D8CC02E-687F-4D47-A09E-E203DB1F24E3}"/>
+              </a:ext>
+            </a:extLst>
+          </p:cNvPr>
+          <p:cNvPicPr>
+            <a:picLocks noChangeAspect="1"/>
+          </p:cNvPicPr>
+          <p:nvPr/>
+        </p:nvPicPr>
+        <p:blipFill>
+          <a:blip r:embed="rId3"/>
+          <a:stretch>
+            <a:fillRect/>
+          </a:stretch>
+        </p:blipFill>
+        <p:spPr>
+          <a:xfrm>
+            <a:off x="4322099" y="4767623"/>
+            <a:ext cx="3858013" cy="1240616"/>
+          </a:xfrm>
+          <a:prstGeom prst="rect">
+            <a:avLst/>
+          </a:prstGeom>
+        </p:spPr>
+      </p:pic>
+      <p:sp>
+        <p:nvSpPr>
+          <p:cNvPr id="8" name="TextBox 7">
+            <a:extLst>
+              <a:ext uri="{FF2B5EF4-FFF2-40B4-BE49-F238E27FC236}">
+                <a16:creationId xmlns:a16="http://schemas.microsoft.com/office/drawing/2014/main" id="{229AFBC3-3DED-41AC-8465-8FCC60A3028B}"/>
+              </a:ext>
+            </a:extLst>
+          </p:cNvPr>
+          <p:cNvSpPr txBox="1"/>
+          <p:nvPr/>
+        </p:nvSpPr>
+        <p:spPr>
+          <a:xfrm>
+            <a:off x="2930856" y="4001764"/>
+            <a:ext cx="6640498" cy="369332"/>
+          </a:xfrm>
+          <a:prstGeom prst="rect">
+            <a:avLst/>
+          </a:prstGeom>
+          <a:noFill/>
+        </p:spPr>
+        <p:txBody>
+          <a:bodyPr wrap="square" rtlCol="0">
+            <a:spAutoFit/>
+          </a:bodyPr>
+          <a:lstStyle/>
+          <a:p>
+            <a:pPr algn="ctr"/>
+            <a:r>
+              <a:rPr lang="en-US" dirty="0"/>
+              <a:t>After installation change directory, and start the app:</a:t>
+            </a:r>
+            <a:endParaRPr lang="en-IL" dirty="0"/>
+          </a:p>
+        </p:txBody>
+      </p:sp>
+    </p:spTree>
+    <p:extLst>
+      <p:ext uri="{BB962C8B-B14F-4D97-AF65-F5344CB8AC3E}">
+        <p14:creationId xmlns:p14="http://schemas.microsoft.com/office/powerpoint/2010/main" val="2964986386"/>
+      </p:ext>
+    </p:extLst>
+  </p:cSld>
+  <p:clrMapOvr>
+    <a:masterClrMapping/>
+  </p:clrMapOvr>
+</p:sld>
+</file>
+
+<file path=ppt/slides/slide17.xml><?xml version="1.0" encoding="utf-8"?>
+<p:sld xmlns:a="http://schemas.openxmlformats.org/drawingml/2006/main" xmlns:r="http://schemas.openxmlformats.org/officeDocument/2006/relationships" xmlns:p="http://schemas.openxmlformats.org/presentationml/2006/main">
+  <p:cSld>
     <p:bg>
       <p:bgPr>
         <a:blipFill rotWithShape="1">
@@ -9516,7 +9616,6 @@
                 <a:lumMod val="116000"/>
               </a:schemeClr>
             </a:duotone>
-            <a:extLst/>
           </a:blip>
           <a:stretch/>
         </a:blipFill>
@@ -9599,7 +9698,7 @@
                 <a16:creationId xmlns:a16="http://schemas.microsoft.com/office/drawing/2014/main" id="{20687CB0-93F8-4C7B-9716-17FCDE7E9BA9}"/>
               </a:ext>
               <a:ext uri="{C183D7F6-B498-43B3-948B-1728B52AA6E4}">
-                <adec:decorative xmlns:adec="http://schemas.microsoft.com/office/drawing/2017/decorative" xmlns="" val="1"/>
+                <adec:decorative xmlns:adec="http://schemas.microsoft.com/office/drawing/2017/decorative" val="1"/>
               </a:ext>
             </a:extLst>
           </p:cNvPr>
@@ -9743,7 +9842,7 @@
                 <a16:creationId xmlns:a16="http://schemas.microsoft.com/office/drawing/2014/main" id="{45EE62FC-8C5B-4090-848B-D07201175702}"/>
               </a:ext>
               <a:ext uri="{C183D7F6-B498-43B3-948B-1728B52AA6E4}">
-                <adec:decorative xmlns:adec="http://schemas.microsoft.com/office/drawing/2017/decorative" xmlns="" val="1"/>
+                <adec:decorative xmlns:adec="http://schemas.microsoft.com/office/drawing/2017/decorative" val="1"/>
               </a:ext>
             </a:extLst>
           </p:cNvPr>
@@ -9879,7 +9978,7 @@
                   <a:spcPts val="600"/>
                 </a:spcAft>
               </a:pPr>
-              <a:t>11/27/2019</a:t>
+              <a:t>10/18/2021</a:t>
             </a:fld>
             <a:endParaRPr lang="en-US"/>
           </a:p>
@@ -9893,7 +9992,7 @@
                 <a16:creationId xmlns:a16="http://schemas.microsoft.com/office/drawing/2014/main" id="{22DA7BED-7B14-455C-AD9E-D63446068326}"/>
               </a:ext>
               <a:ext uri="{C183D7F6-B498-43B3-948B-1728B52AA6E4}">
-                <adec:decorative xmlns:adec="http://schemas.microsoft.com/office/drawing/2017/decorative" xmlns="" val="1"/>
+                <adec:decorative xmlns:adec="http://schemas.microsoft.com/office/drawing/2017/decorative" val="1"/>
               </a:ext>
             </a:extLst>
           </p:cNvPr>
@@ -10029,7 +10128,7 @@
                   <a:spcPts val="600"/>
                 </a:spcAft>
               </a:pPr>
-              <a:t>16</a:t>
+              <a:t>17</a:t>
             </a:fld>
             <a:endParaRPr lang="en-US"/>
           </a:p>
@@ -10048,7 +10147,7 @@
 </p:sld>
 </file>
 
-<file path=ppt/slides/slide17.xml><?xml version="1.0" encoding="utf-8"?>
+<file path=ppt/slides/slide18.xml><?xml version="1.0" encoding="utf-8"?>
 <p:sld xmlns:a="http://schemas.openxmlformats.org/drawingml/2006/main" xmlns:r="http://schemas.openxmlformats.org/officeDocument/2006/relationships" xmlns:p="http://schemas.openxmlformats.org/presentationml/2006/main">
   <p:cSld>
     <p:spTree>
@@ -10143,7 +10242,7 @@
 </p:sld>
 </file>
 
-<file path=ppt/slides/slide18.xml><?xml version="1.0" encoding="utf-8"?>
+<file path=ppt/slides/slide19.xml><?xml version="1.0" encoding="utf-8"?>
 <p:sld xmlns:a="http://schemas.openxmlformats.org/drawingml/2006/main" xmlns:r="http://schemas.openxmlformats.org/officeDocument/2006/relationships" xmlns:p="http://schemas.openxmlformats.org/presentationml/2006/main">
   <p:cSld>
     <p:spTree>
@@ -11062,147 +11161,6 @@
 </p:sld>
 </file>
 
-<file path=ppt/slides/slide19.xml><?xml version="1.0" encoding="utf-8"?>
-<p:sld xmlns:a="http://schemas.openxmlformats.org/drawingml/2006/main" xmlns:r="http://schemas.openxmlformats.org/officeDocument/2006/relationships" xmlns:p="http://schemas.openxmlformats.org/presentationml/2006/main">
-  <p:cSld>
-    <p:spTree>
-      <p:nvGrpSpPr>
-        <p:cNvPr id="1" name=""/>
-        <p:cNvGrpSpPr/>
-        <p:nvPr/>
-      </p:nvGrpSpPr>
-      <p:grpSpPr>
-        <a:xfrm>
-          <a:off x="0" y="0"/>
-          <a:ext cx="0" cy="0"/>
-          <a:chOff x="0" y="0"/>
-          <a:chExt cx="0" cy="0"/>
-        </a:xfrm>
-      </p:grpSpPr>
-      <p:sp>
-        <p:nvSpPr>
-          <p:cNvPr id="2" name="כותרת 1">
-            <a:extLst>
-              <a:ext uri="{FF2B5EF4-FFF2-40B4-BE49-F238E27FC236}">
-                <a16:creationId xmlns:a16="http://schemas.microsoft.com/office/drawing/2014/main" id="{FCDF6BC4-3216-49C9-9C94-45BE6D696086}"/>
-              </a:ext>
-            </a:extLst>
-          </p:cNvPr>
-          <p:cNvSpPr>
-            <a:spLocks noGrp="1"/>
-          </p:cNvSpPr>
-          <p:nvPr>
-            <p:ph type="title"/>
-          </p:nvPr>
-        </p:nvSpPr>
-        <p:spPr/>
-        <p:txBody>
-          <a:bodyPr/>
-          <a:lstStyle/>
-          <a:p>
-            <a:r>
-              <a:rPr lang="en-US" dirty="0"/>
-              <a:t>App state – state provider</a:t>
-            </a:r>
-            <a:endParaRPr lang="he-IL" dirty="0"/>
-          </a:p>
-        </p:txBody>
-      </p:sp>
-      <p:pic>
-        <p:nvPicPr>
-          <p:cNvPr id="3" name="תמונה 2">
-            <a:extLst>
-              <a:ext uri="{FF2B5EF4-FFF2-40B4-BE49-F238E27FC236}">
-                <a16:creationId xmlns:a16="http://schemas.microsoft.com/office/drawing/2014/main" id="{5D767037-17C5-41A7-B88F-D1FB0FCAC6B5}"/>
-              </a:ext>
-            </a:extLst>
-          </p:cNvPr>
-          <p:cNvPicPr>
-            <a:picLocks noChangeAspect="1"/>
-          </p:cNvPicPr>
-          <p:nvPr/>
-        </p:nvPicPr>
-        <p:blipFill>
-          <a:blip r:embed="rId2"/>
-          <a:stretch>
-            <a:fillRect/>
-          </a:stretch>
-        </p:blipFill>
-        <p:spPr>
-          <a:xfrm>
-            <a:off x="1302873" y="1693544"/>
-            <a:ext cx="9900639" cy="4172683"/>
-          </a:xfrm>
-          <a:prstGeom prst="rect">
-            <a:avLst/>
-          </a:prstGeom>
-        </p:spPr>
-      </p:pic>
-      <p:sp>
-        <p:nvSpPr>
-          <p:cNvPr id="20" name="מלבן 19">
-            <a:extLst>
-              <a:ext uri="{FF2B5EF4-FFF2-40B4-BE49-F238E27FC236}">
-                <a16:creationId xmlns:a16="http://schemas.microsoft.com/office/drawing/2014/main" id="{9BAD1D82-5A25-4F2D-B573-092CA7B05A4F}"/>
-              </a:ext>
-            </a:extLst>
-          </p:cNvPr>
-          <p:cNvSpPr/>
-          <p:nvPr/>
-        </p:nvSpPr>
-        <p:spPr>
-          <a:xfrm>
-            <a:off x="2110154" y="2293034"/>
-            <a:ext cx="3334043" cy="267286"/>
-          </a:xfrm>
-          <a:prstGeom prst="rect">
-            <a:avLst/>
-          </a:prstGeom>
-          <a:solidFill>
-            <a:srgbClr val="1E1E1E"/>
-          </a:solidFill>
-          <a:ln>
-            <a:noFill/>
-          </a:ln>
-        </p:spPr>
-        <p:style>
-          <a:lnRef idx="2">
-            <a:schemeClr val="accent1">
-              <a:shade val="50000"/>
-            </a:schemeClr>
-          </a:lnRef>
-          <a:fillRef idx="1">
-            <a:schemeClr val="accent1"/>
-          </a:fillRef>
-          <a:effectRef idx="0">
-            <a:schemeClr val="accent1"/>
-          </a:effectRef>
-          <a:fontRef idx="minor">
-            <a:schemeClr val="lt1"/>
-          </a:fontRef>
-        </p:style>
-        <p:txBody>
-          <a:bodyPr rtlCol="1" anchor="ctr"/>
-          <a:lstStyle/>
-          <a:p>
-            <a:pPr algn="ctr"/>
-            <a:endParaRPr lang="he-IL"/>
-          </a:p>
-        </p:txBody>
-      </p:sp>
-    </p:spTree>
-    <p:extLst>
-      <p:ext uri="{BB962C8B-B14F-4D97-AF65-F5344CB8AC3E}">
-        <p14:creationId xmlns:p14="http://schemas.microsoft.com/office/powerpoint/2010/main" val="530916042"/>
-      </p:ext>
-    </p:extLst>
-  </p:cSld>
-  <p:clrMapOvr>
-    <a:masterClrMapping/>
-  </p:clrMapOvr>
-</p:sld>
-</file>
-
 <file path=ppt/slides/slide2.xml><?xml version="1.0" encoding="utf-8"?>
 <p:sld xmlns:a="http://schemas.openxmlformats.org/drawingml/2006/main" xmlns:r="http://schemas.openxmlformats.org/officeDocument/2006/relationships" xmlns:p="http://schemas.openxmlformats.org/presentationml/2006/main">
   <p:cSld>
@@ -11222,7 +11180,6 @@
                 <a:lumMod val="116000"/>
               </a:schemeClr>
             </a:duotone>
-            <a:extLst/>
           </a:blip>
           <a:stretch/>
         </a:blipFill>
@@ -11251,7 +11208,7 @@
                 <a16:creationId xmlns:a16="http://schemas.microsoft.com/office/drawing/2014/main" id="{3BFBA67F-0D4D-4C2E-A1D7-82D080A4B3AD}"/>
               </a:ext>
               <a:ext uri="{C183D7F6-B498-43B3-948B-1728B52AA6E4}">
-                <adec:decorative xmlns:adec="http://schemas.microsoft.com/office/drawing/2017/decorative" xmlns="" val="1"/>
+                <adec:decorative xmlns:adec="http://schemas.microsoft.com/office/drawing/2017/decorative" val="1"/>
               </a:ext>
             </a:extLst>
           </p:cNvPr>
@@ -11347,7 +11304,7 @@
                 <a16:creationId xmlns:a16="http://schemas.microsoft.com/office/drawing/2014/main" id="{EFA2AC96-1E47-421C-A03F-F98E354EB4E6}"/>
               </a:ext>
               <a:ext uri="{C183D7F6-B498-43B3-948B-1728B52AA6E4}">
-                <adec:decorative xmlns:adec="http://schemas.microsoft.com/office/drawing/2017/decorative" xmlns="" val="1"/>
+                <adec:decorative xmlns:adec="http://schemas.microsoft.com/office/drawing/2017/decorative" val="1"/>
               </a:ext>
             </a:extLst>
           </p:cNvPr>
@@ -11584,17 +11541,151 @@
   <p:clrMapOvr>
     <a:masterClrMapping/>
   </p:clrMapOvr>
-  <p:timing>
-    <p:tnLst>
-      <p:par>
-        <p:cTn id="1" dur="indefinite" restart="never" nodeType="tmRoot"/>
-      </p:par>
-    </p:tnLst>
-  </p:timing>
 </p:sld>
 </file>
 
 <file path=ppt/slides/slide20.xml><?xml version="1.0" encoding="utf-8"?>
+<p:sld xmlns:a="http://schemas.openxmlformats.org/drawingml/2006/main" xmlns:r="http://schemas.openxmlformats.org/officeDocument/2006/relationships" xmlns:p="http://schemas.openxmlformats.org/presentationml/2006/main">
+  <p:cSld>
+    <p:spTree>
+      <p:nvGrpSpPr>
+        <p:cNvPr id="1" name=""/>
+        <p:cNvGrpSpPr/>
+        <p:nvPr/>
+      </p:nvGrpSpPr>
+      <p:grpSpPr>
+        <a:xfrm>
+          <a:off x="0" y="0"/>
+          <a:ext cx="0" cy="0"/>
+          <a:chOff x="0" y="0"/>
+          <a:chExt cx="0" cy="0"/>
+        </a:xfrm>
+      </p:grpSpPr>
+      <p:sp>
+        <p:nvSpPr>
+          <p:cNvPr id="2" name="כותרת 1">
+            <a:extLst>
+              <a:ext uri="{FF2B5EF4-FFF2-40B4-BE49-F238E27FC236}">
+                <a16:creationId xmlns:a16="http://schemas.microsoft.com/office/drawing/2014/main" id="{FCDF6BC4-3216-49C9-9C94-45BE6D696086}"/>
+              </a:ext>
+            </a:extLst>
+          </p:cNvPr>
+          <p:cNvSpPr>
+            <a:spLocks noGrp="1"/>
+          </p:cNvSpPr>
+          <p:nvPr>
+            <p:ph type="title"/>
+          </p:nvPr>
+        </p:nvSpPr>
+        <p:spPr/>
+        <p:txBody>
+          <a:bodyPr/>
+          <a:lstStyle/>
+          <a:p>
+            <a:r>
+              <a:rPr lang="en-US" dirty="0"/>
+              <a:t>App state – state provider</a:t>
+            </a:r>
+            <a:endParaRPr lang="he-IL" dirty="0"/>
+          </a:p>
+        </p:txBody>
+      </p:sp>
+      <p:pic>
+        <p:nvPicPr>
+          <p:cNvPr id="3" name="תמונה 2">
+            <a:extLst>
+              <a:ext uri="{FF2B5EF4-FFF2-40B4-BE49-F238E27FC236}">
+                <a16:creationId xmlns:a16="http://schemas.microsoft.com/office/drawing/2014/main" id="{5D767037-17C5-41A7-B88F-D1FB0FCAC6B5}"/>
+              </a:ext>
+            </a:extLst>
+          </p:cNvPr>
+          <p:cNvPicPr>
+            <a:picLocks noChangeAspect="1"/>
+          </p:cNvPicPr>
+          <p:nvPr/>
+        </p:nvPicPr>
+        <p:blipFill>
+          <a:blip r:embed="rId2"/>
+          <a:stretch>
+            <a:fillRect/>
+          </a:stretch>
+        </p:blipFill>
+        <p:spPr>
+          <a:xfrm>
+            <a:off x="1302873" y="1693544"/>
+            <a:ext cx="9900639" cy="4172683"/>
+          </a:xfrm>
+          <a:prstGeom prst="rect">
+            <a:avLst/>
+          </a:prstGeom>
+        </p:spPr>
+      </p:pic>
+      <p:sp>
+        <p:nvSpPr>
+          <p:cNvPr id="20" name="מלבן 19">
+            <a:extLst>
+              <a:ext uri="{FF2B5EF4-FFF2-40B4-BE49-F238E27FC236}">
+                <a16:creationId xmlns:a16="http://schemas.microsoft.com/office/drawing/2014/main" id="{9BAD1D82-5A25-4F2D-B573-092CA7B05A4F}"/>
+              </a:ext>
+            </a:extLst>
+          </p:cNvPr>
+          <p:cNvSpPr/>
+          <p:nvPr/>
+        </p:nvSpPr>
+        <p:spPr>
+          <a:xfrm>
+            <a:off x="2110154" y="2293034"/>
+            <a:ext cx="3334043" cy="267286"/>
+          </a:xfrm>
+          <a:prstGeom prst="rect">
+            <a:avLst/>
+          </a:prstGeom>
+          <a:solidFill>
+            <a:srgbClr val="1E1E1E"/>
+          </a:solidFill>
+          <a:ln>
+            <a:noFill/>
+          </a:ln>
+        </p:spPr>
+        <p:style>
+          <a:lnRef idx="2">
+            <a:schemeClr val="accent1">
+              <a:shade val="50000"/>
+            </a:schemeClr>
+          </a:lnRef>
+          <a:fillRef idx="1">
+            <a:schemeClr val="accent1"/>
+          </a:fillRef>
+          <a:effectRef idx="0">
+            <a:schemeClr val="accent1"/>
+          </a:effectRef>
+          <a:fontRef idx="minor">
+            <a:schemeClr val="lt1"/>
+          </a:fontRef>
+        </p:style>
+        <p:txBody>
+          <a:bodyPr rtlCol="1" anchor="ctr"/>
+          <a:lstStyle/>
+          <a:p>
+            <a:pPr algn="ctr"/>
+            <a:endParaRPr lang="he-IL"/>
+          </a:p>
+        </p:txBody>
+      </p:sp>
+    </p:spTree>
+    <p:extLst>
+      <p:ext uri="{BB962C8B-B14F-4D97-AF65-F5344CB8AC3E}">
+        <p14:creationId xmlns:p14="http://schemas.microsoft.com/office/powerpoint/2010/main" val="530916042"/>
+      </p:ext>
+    </p:extLst>
+  </p:cSld>
+  <p:clrMapOvr>
+    <a:masterClrMapping/>
+  </p:clrMapOvr>
+</p:sld>
+</file>
+
+<file path=ppt/slides/slide21.xml><?xml version="1.0" encoding="utf-8"?>
 <p:sld xmlns:a="http://schemas.openxmlformats.org/drawingml/2006/main" xmlns:r="http://schemas.openxmlformats.org/officeDocument/2006/relationships" xmlns:p="http://schemas.openxmlformats.org/presentationml/2006/main">
   <p:cSld>
     <p:spTree>
@@ -12766,7 +12857,6 @@
                 <a:lumMod val="116000"/>
               </a:schemeClr>
             </a:duotone>
-            <a:extLst/>
           </a:blip>
           <a:stretch/>
         </a:blipFill>
@@ -12795,7 +12885,7 @@
                 <a16:creationId xmlns:a16="http://schemas.microsoft.com/office/drawing/2014/main" id="{3BFBA67F-0D4D-4C2E-A1D7-82D080A4B3AD}"/>
               </a:ext>
               <a:ext uri="{C183D7F6-B498-43B3-948B-1728B52AA6E4}">
-                <adec:decorative xmlns:adec="http://schemas.microsoft.com/office/drawing/2017/decorative" xmlns="" val="1"/>
+                <adec:decorative xmlns:adec="http://schemas.microsoft.com/office/drawing/2017/decorative" val="1"/>
               </a:ext>
             </a:extLst>
           </p:cNvPr>
@@ -12891,7 +12981,7 @@
                 <a16:creationId xmlns:a16="http://schemas.microsoft.com/office/drawing/2014/main" id="{EFA2AC96-1E47-421C-A03F-F98E354EB4E6}"/>
               </a:ext>
               <a:ext uri="{C183D7F6-B498-43B3-948B-1728B52AA6E4}">
-                <adec:decorative xmlns:adec="http://schemas.microsoft.com/office/drawing/2017/decorative" xmlns="" val="1"/>
+                <adec:decorative xmlns:adec="http://schemas.microsoft.com/office/drawing/2017/decorative" val="1"/>
               </a:ext>
             </a:extLst>
           </p:cNvPr>
@@ -13129,13 +13219,6 @@
   <p:clrMapOvr>
     <a:masterClrMapping/>
   </p:clrMapOvr>
-  <p:timing>
-    <p:tnLst>
-      <p:par>
-        <p:cTn id="1" dur="indefinite" restart="never" nodeType="tmRoot"/>
-      </p:par>
-    </p:tnLst>
-  </p:timing>
 </p:sld>
 </file>
 
@@ -13158,7 +13241,6 @@
                 <a:lumMod val="116000"/>
               </a:schemeClr>
             </a:duotone>
-            <a:extLst/>
           </a:blip>
           <a:stretch/>
         </a:blipFill>
@@ -13187,7 +13269,7 @@
                 <a16:creationId xmlns:a16="http://schemas.microsoft.com/office/drawing/2014/main" id="{3BFBA67F-0D4D-4C2E-A1D7-82D080A4B3AD}"/>
               </a:ext>
               <a:ext uri="{C183D7F6-B498-43B3-948B-1728B52AA6E4}">
-                <adec:decorative xmlns:adec="http://schemas.microsoft.com/office/drawing/2017/decorative" xmlns="" val="1"/>
+                <adec:decorative xmlns:adec="http://schemas.microsoft.com/office/drawing/2017/decorative" val="1"/>
               </a:ext>
             </a:extLst>
           </p:cNvPr>
@@ -13283,7 +13365,7 @@
                 <a16:creationId xmlns:a16="http://schemas.microsoft.com/office/drawing/2014/main" id="{EFA2AC96-1E47-421C-A03F-F98E354EB4E6}"/>
               </a:ext>
               <a:ext uri="{C183D7F6-B498-43B3-948B-1728B52AA6E4}">
-                <adec:decorative xmlns:adec="http://schemas.microsoft.com/office/drawing/2017/decorative" xmlns="" val="1"/>
+                <adec:decorative xmlns:adec="http://schemas.microsoft.com/office/drawing/2017/decorative" val="1"/>
               </a:ext>
             </a:extLst>
           </p:cNvPr>
@@ -13680,7 +13762,6 @@
                 <a:lumMod val="116000"/>
               </a:schemeClr>
             </a:duotone>
-            <a:extLst/>
           </a:blip>
           <a:stretch/>
         </a:blipFill>
@@ -13709,7 +13790,7 @@
                 <a16:creationId xmlns:a16="http://schemas.microsoft.com/office/drawing/2014/main" id="{3BFBA67F-0D4D-4C2E-A1D7-82D080A4B3AD}"/>
               </a:ext>
               <a:ext uri="{C183D7F6-B498-43B3-948B-1728B52AA6E4}">
-                <adec:decorative xmlns:adec="http://schemas.microsoft.com/office/drawing/2017/decorative" xmlns="" val="1"/>
+                <adec:decorative xmlns:adec="http://schemas.microsoft.com/office/drawing/2017/decorative" val="1"/>
               </a:ext>
             </a:extLst>
           </p:cNvPr>
@@ -13805,7 +13886,7 @@
                 <a16:creationId xmlns:a16="http://schemas.microsoft.com/office/drawing/2014/main" id="{EFA2AC96-1E47-421C-A03F-F98E354EB4E6}"/>
               </a:ext>
               <a:ext uri="{C183D7F6-B498-43B3-948B-1728B52AA6E4}">
-                <adec:decorative xmlns:adec="http://schemas.microsoft.com/office/drawing/2017/decorative" xmlns="" val="1"/>
+                <adec:decorative xmlns:adec="http://schemas.microsoft.com/office/drawing/2017/decorative" val="1"/>
               </a:ext>
             </a:extLst>
           </p:cNvPr>
@@ -14355,13 +14436,6 @@
   <p:clrMapOvr>
     <a:masterClrMapping/>
   </p:clrMapOvr>
-  <p:timing>
-    <p:tnLst>
-      <p:par>
-        <p:cTn id="1" dur="indefinite" restart="never" nodeType="tmRoot"/>
-      </p:par>
-    </p:tnLst>
-  </p:timing>
 </p:sld>
 </file>
 
@@ -14384,7 +14458,6 @@
                 <a:lumMod val="116000"/>
               </a:schemeClr>
             </a:duotone>
-            <a:extLst/>
           </a:blip>
           <a:stretch/>
         </a:blipFill>
@@ -14413,7 +14486,7 @@
                 <a16:creationId xmlns:a16="http://schemas.microsoft.com/office/drawing/2014/main" id="{3BFBA67F-0D4D-4C2E-A1D7-82D080A4B3AD}"/>
               </a:ext>
               <a:ext uri="{C183D7F6-B498-43B3-948B-1728B52AA6E4}">
-                <adec:decorative xmlns:adec="http://schemas.microsoft.com/office/drawing/2017/decorative" xmlns="" val="1"/>
+                <adec:decorative xmlns:adec="http://schemas.microsoft.com/office/drawing/2017/decorative" val="1"/>
               </a:ext>
             </a:extLst>
           </p:cNvPr>
@@ -14509,7 +14582,7 @@
                 <a16:creationId xmlns:a16="http://schemas.microsoft.com/office/drawing/2014/main" id="{EFA2AC96-1E47-421C-A03F-F98E354EB4E6}"/>
               </a:ext>
               <a:ext uri="{C183D7F6-B498-43B3-948B-1728B52AA6E4}">
-                <adec:decorative xmlns:adec="http://schemas.microsoft.com/office/drawing/2017/decorative" xmlns="" val="1"/>
+                <adec:decorative xmlns:adec="http://schemas.microsoft.com/office/drawing/2017/decorative" val="1"/>
               </a:ext>
             </a:extLst>
           </p:cNvPr>
@@ -15059,13 +15132,6 @@
   <p:clrMapOvr>
     <a:masterClrMapping/>
   </p:clrMapOvr>
-  <p:timing>
-    <p:tnLst>
-      <p:par>
-        <p:cTn id="1" dur="indefinite" restart="never" nodeType="tmRoot"/>
-      </p:par>
-    </p:tnLst>
-  </p:timing>
 </p:sld>
 </file>
 
@@ -15088,7 +15154,6 @@
                 <a:lumMod val="116000"/>
               </a:schemeClr>
             </a:duotone>
-            <a:extLst/>
           </a:blip>
           <a:stretch/>
         </a:blipFill>
@@ -15117,7 +15182,7 @@
                 <a16:creationId xmlns:a16="http://schemas.microsoft.com/office/drawing/2014/main" id="{3BFBA67F-0D4D-4C2E-A1D7-82D080A4B3AD}"/>
               </a:ext>
               <a:ext uri="{C183D7F6-B498-43B3-948B-1728B52AA6E4}">
-                <adec:decorative xmlns:adec="http://schemas.microsoft.com/office/drawing/2017/decorative" xmlns="" val="1"/>
+                <adec:decorative xmlns:adec="http://schemas.microsoft.com/office/drawing/2017/decorative" val="1"/>
               </a:ext>
             </a:extLst>
           </p:cNvPr>
@@ -15213,7 +15278,7 @@
                 <a16:creationId xmlns:a16="http://schemas.microsoft.com/office/drawing/2014/main" id="{EFA2AC96-1E47-421C-A03F-F98E354EB4E6}"/>
               </a:ext>
               <a:ext uri="{C183D7F6-B498-43B3-948B-1728B52AA6E4}">
-                <adec:decorative xmlns:adec="http://schemas.microsoft.com/office/drawing/2017/decorative" xmlns="" val="1"/>
+                <adec:decorative xmlns:adec="http://schemas.microsoft.com/office/drawing/2017/decorative" val="1"/>
               </a:ext>
             </a:extLst>
           </p:cNvPr>
@@ -15958,7 +16023,6 @@
                 <a:lumMod val="116000"/>
               </a:schemeClr>
             </a:duotone>
-            <a:extLst/>
           </a:blip>
           <a:stretch/>
         </a:blipFill>
@@ -15987,7 +16051,7 @@
                 <a16:creationId xmlns:a16="http://schemas.microsoft.com/office/drawing/2014/main" id="{3BFBA67F-0D4D-4C2E-A1D7-82D080A4B3AD}"/>
               </a:ext>
               <a:ext uri="{C183D7F6-B498-43B3-948B-1728B52AA6E4}">
-                <adec:decorative xmlns:adec="http://schemas.microsoft.com/office/drawing/2017/decorative" xmlns="" val="1"/>
+                <adec:decorative xmlns:adec="http://schemas.microsoft.com/office/drawing/2017/decorative" val="1"/>
               </a:ext>
             </a:extLst>
           </p:cNvPr>
@@ -16083,7 +16147,7 @@
                 <a16:creationId xmlns:a16="http://schemas.microsoft.com/office/drawing/2014/main" id="{EFA2AC96-1E47-421C-A03F-F98E354EB4E6}"/>
               </a:ext>
               <a:ext uri="{C183D7F6-B498-43B3-948B-1728B52AA6E4}">
-                <adec:decorative xmlns:adec="http://schemas.microsoft.com/office/drawing/2017/decorative" xmlns="" val="1"/>
+                <adec:decorative xmlns:adec="http://schemas.microsoft.com/office/drawing/2017/decorative" val="1"/>
               </a:ext>
             </a:extLst>
           </p:cNvPr>
@@ -16589,13 +16653,6 @@
   <p:clrMapOvr>
     <a:masterClrMapping/>
   </p:clrMapOvr>
-  <p:timing>
-    <p:tnLst>
-      <p:par>
-        <p:cTn id="1" dur="indefinite" restart="never" nodeType="tmRoot"/>
-      </p:par>
-    </p:tnLst>
-  </p:timing>
 </p:sld>
 </file>
 
@@ -16618,7 +16675,6 @@
                 <a:lumMod val="116000"/>
               </a:schemeClr>
             </a:duotone>
-            <a:extLst/>
           </a:blip>
           <a:stretch/>
         </a:blipFill>
@@ -16647,7 +16703,7 @@
                 <a16:creationId xmlns:a16="http://schemas.microsoft.com/office/drawing/2014/main" id="{3BFBA67F-0D4D-4C2E-A1D7-82D080A4B3AD}"/>
               </a:ext>
               <a:ext uri="{C183D7F6-B498-43B3-948B-1728B52AA6E4}">
-                <adec:decorative xmlns:adec="http://schemas.microsoft.com/office/drawing/2017/decorative" xmlns="" val="1"/>
+                <adec:decorative xmlns:adec="http://schemas.microsoft.com/office/drawing/2017/decorative" val="1"/>
               </a:ext>
             </a:extLst>
           </p:cNvPr>
@@ -16743,7 +16799,7 @@
                 <a16:creationId xmlns:a16="http://schemas.microsoft.com/office/drawing/2014/main" id="{EFA2AC96-1E47-421C-A03F-F98E354EB4E6}"/>
               </a:ext>
               <a:ext uri="{C183D7F6-B498-43B3-948B-1728B52AA6E4}">
-                <adec:decorative xmlns:adec="http://schemas.microsoft.com/office/drawing/2017/decorative" xmlns="" val="1"/>
+                <adec:decorative xmlns:adec="http://schemas.microsoft.com/office/drawing/2017/decorative" val="1"/>
               </a:ext>
             </a:extLst>
           </p:cNvPr>
@@ -17599,13 +17655,6 @@
   <p:clrMapOvr>
     <a:masterClrMapping/>
   </p:clrMapOvr>
-  <p:timing>
-    <p:tnLst>
-      <p:par>
-        <p:cTn id="1" dur="indefinite" restart="never" nodeType="tmRoot"/>
-      </p:par>
-    </p:tnLst>
-  </p:timing>
 </p:sld>
 </file>
 
